--- a/Lending Club Case study.pptx
+++ b/Lending Club Case study.pptx
@@ -27,16 +27,17 @@
     <p:sldId id="272" r:id="rId22"/>
     <p:sldId id="273" r:id="rId23"/>
     <p:sldId id="274" r:id="rId24"/>
+    <p:sldId id="275" r:id="rId25"/>
   </p:sldIdLst>
   <p:sldSz cy="5143500" cx="9144000"/>
   <p:notesSz cx="6858000" cy="9144000"/>
   <p:embeddedFontLst>
     <p:embeddedFont>
       <p:font typeface="Roboto"/>
-      <p:regular r:id="rId25"/>
-      <p:bold r:id="rId26"/>
-      <p:italic r:id="rId27"/>
-      <p:boldItalic r:id="rId28"/>
+      <p:regular r:id="rId26"/>
+      <p:bold r:id="rId27"/>
+      <p:italic r:id="rId28"/>
+      <p:boldItalic r:id="rId29"/>
     </p:embeddedFont>
   </p:embeddedFontLst>
   <p:defaultTextStyle>
@@ -817,7 +818,7 @@
   <p:cSld>
     <p:spTree>
       <p:nvGrpSpPr>
-        <p:cNvPr id="149" name="Shape 149"/>
+        <p:cNvPr id="178" name="Shape 178"/>
         <p:cNvGrpSpPr/>
         <p:nvPr/>
       </p:nvGrpSpPr>
@@ -831,304 +832,7 @@
       </p:grpSpPr>
       <p:sp>
         <p:nvSpPr>
-          <p:cNvPr id="150" name="Google Shape;150;gc6f9e470d_0_24:notes"/>
-          <p:cNvSpPr/>
-          <p:nvPr>
-            <p:ph idx="2" type="sldImg"/>
-          </p:nvPr>
-        </p:nvSpPr>
-        <p:spPr>
-          <a:xfrm>
-            <a:off x="381188" y="685800"/>
-            <a:ext cx="6096300" cy="3429000"/>
-          </a:xfrm>
-          <a:custGeom>
-            <a:rect b="b" l="l" r="r" t="t"/>
-            <a:pathLst>
-              <a:path extrusionOk="0" h="120000" w="120000">
-                <a:moveTo>
-                  <a:pt x="0" y="0"/>
-                </a:moveTo>
-                <a:lnTo>
-                  <a:pt x="120000" y="0"/>
-                </a:lnTo>
-                <a:lnTo>
-                  <a:pt x="120000" y="120000"/>
-                </a:lnTo>
-                <a:lnTo>
-                  <a:pt x="0" y="120000"/>
-                </a:lnTo>
-                <a:close/>
-              </a:path>
-            </a:pathLst>
-          </a:custGeom>
-        </p:spPr>
-      </p:sp>
-      <p:sp>
-        <p:nvSpPr>
-          <p:cNvPr id="151" name="Google Shape;151;gc6f9e470d_0_24:notes"/>
-          <p:cNvSpPr txBox="1"/>
-          <p:nvPr>
-            <p:ph idx="1" type="body"/>
-          </p:nvPr>
-        </p:nvSpPr>
-        <p:spPr>
-          <a:xfrm>
-            <a:off x="685800" y="4343400"/>
-            <a:ext cx="5486400" cy="4114800"/>
-          </a:xfrm>
-          <a:prstGeom prst="rect">
-            <a:avLst/>
-          </a:prstGeom>
-        </p:spPr>
-        <p:txBody>
-          <a:bodyPr anchorCtr="0" anchor="t" bIns="91425" lIns="91425" spcFirstLastPara="1" rIns="91425" wrap="square" tIns="91425">
-            <a:noAutofit/>
-          </a:bodyPr>
-          <a:lstStyle/>
-          <a:p>
-            <a:pPr indent="0" lvl="0" marL="0" rtl="0" algn="l">
-              <a:spcBef>
-                <a:spcPts val="0"/>
-              </a:spcBef>
-              <a:spcAft>
-                <a:spcPts val="0"/>
-              </a:spcAft>
-              <a:buNone/>
-            </a:pPr>
-            <a:r>
-              <a:t/>
-            </a:r>
-            <a:endParaRPr/>
-          </a:p>
-        </p:txBody>
-      </p:sp>
-    </p:spTree>
-  </p:cSld>
-  <p:clrMapOvr>
-    <a:masterClrMapping/>
-  </p:clrMapOvr>
-</p:notes>
-</file>
-
-<file path=ppt/notesSlides/notesSlide11.xml><?xml version="1.0" encoding="utf-8"?>
-<p:notes xmlns:a="http://schemas.openxmlformats.org/drawingml/2006/main" xmlns:r="http://schemas.openxmlformats.org/officeDocument/2006/relationships" xmlns:mc="http://schemas.openxmlformats.org/markup-compatibility/2006" xmlns:mv="urn:schemas-microsoft-com:mac:vml" xmlns:p="http://schemas.openxmlformats.org/presentationml/2006/main" xmlns:c="http://schemas.openxmlformats.org/drawingml/2006/chart" xmlns:dgm="http://schemas.openxmlformats.org/drawingml/2006/diagram" xmlns:o="urn:schemas-microsoft-com:office:office" xmlns:v="urn:schemas-microsoft-com:vml" xmlns:pvml="urn:schemas-microsoft-com:office:powerpoint" xmlns:com="http://schemas.openxmlformats.org/drawingml/2006/compatibility" xmlns:p14="http://schemas.microsoft.com/office/powerpoint/2010/main" xmlns:p15="http://schemas.microsoft.com/office/powerpoint/2012/main" xmlns:ahyp="http://schemas.microsoft.com/office/drawing/2018/hyperlinkcolor" showMasterPhAnim="0" showMasterSp="0">
-  <p:cSld>
-    <p:spTree>
-      <p:nvGrpSpPr>
-        <p:cNvPr id="163" name="Shape 163"/>
-        <p:cNvGrpSpPr/>
-        <p:nvPr/>
-      </p:nvGrpSpPr>
-      <p:grpSpPr>
-        <a:xfrm>
-          <a:off x="0" y="0"/>
-          <a:ext cx="0" cy="0"/>
-          <a:chOff x="0" y="0"/>
-          <a:chExt cx="0" cy="0"/>
-        </a:xfrm>
-      </p:grpSpPr>
-      <p:sp>
-        <p:nvSpPr>
-          <p:cNvPr id="164" name="Google Shape;164;gc6f9e470d_0_43:notes"/>
-          <p:cNvSpPr/>
-          <p:nvPr>
-            <p:ph idx="2" type="sldImg"/>
-          </p:nvPr>
-        </p:nvSpPr>
-        <p:spPr>
-          <a:xfrm>
-            <a:off x="381188" y="685800"/>
-            <a:ext cx="6096300" cy="3429000"/>
-          </a:xfrm>
-          <a:custGeom>
-            <a:rect b="b" l="l" r="r" t="t"/>
-            <a:pathLst>
-              <a:path extrusionOk="0" h="120000" w="120000">
-                <a:moveTo>
-                  <a:pt x="0" y="0"/>
-                </a:moveTo>
-                <a:lnTo>
-                  <a:pt x="120000" y="0"/>
-                </a:lnTo>
-                <a:lnTo>
-                  <a:pt x="120000" y="120000"/>
-                </a:lnTo>
-                <a:lnTo>
-                  <a:pt x="0" y="120000"/>
-                </a:lnTo>
-                <a:close/>
-              </a:path>
-            </a:pathLst>
-          </a:custGeom>
-        </p:spPr>
-      </p:sp>
-      <p:sp>
-        <p:nvSpPr>
-          <p:cNvPr id="165" name="Google Shape;165;gc6f9e470d_0_43:notes"/>
-          <p:cNvSpPr txBox="1"/>
-          <p:nvPr>
-            <p:ph idx="1" type="body"/>
-          </p:nvPr>
-        </p:nvSpPr>
-        <p:spPr>
-          <a:xfrm>
-            <a:off x="685800" y="4343400"/>
-            <a:ext cx="5486400" cy="4114800"/>
-          </a:xfrm>
-          <a:prstGeom prst="rect">
-            <a:avLst/>
-          </a:prstGeom>
-        </p:spPr>
-        <p:txBody>
-          <a:bodyPr anchorCtr="0" anchor="t" bIns="91425" lIns="91425" spcFirstLastPara="1" rIns="91425" wrap="square" tIns="91425">
-            <a:noAutofit/>
-          </a:bodyPr>
-          <a:lstStyle/>
-          <a:p>
-            <a:pPr indent="0" lvl="0" marL="0" rtl="0" algn="l">
-              <a:spcBef>
-                <a:spcPts val="0"/>
-              </a:spcBef>
-              <a:spcAft>
-                <a:spcPts val="0"/>
-              </a:spcAft>
-              <a:buNone/>
-            </a:pPr>
-            <a:r>
-              <a:t/>
-            </a:r>
-            <a:endParaRPr/>
-          </a:p>
-        </p:txBody>
-      </p:sp>
-    </p:spTree>
-  </p:cSld>
-  <p:clrMapOvr>
-    <a:masterClrMapping/>
-  </p:clrMapOvr>
-</p:notes>
-</file>
-
-<file path=ppt/notesSlides/notesSlide12.xml><?xml version="1.0" encoding="utf-8"?>
-<p:notes xmlns:a="http://schemas.openxmlformats.org/drawingml/2006/main" xmlns:r="http://schemas.openxmlformats.org/officeDocument/2006/relationships" xmlns:mc="http://schemas.openxmlformats.org/markup-compatibility/2006" xmlns:mv="urn:schemas-microsoft-com:mac:vml" xmlns:p="http://schemas.openxmlformats.org/presentationml/2006/main" xmlns:c="http://schemas.openxmlformats.org/drawingml/2006/chart" xmlns:dgm="http://schemas.openxmlformats.org/drawingml/2006/diagram" xmlns:o="urn:schemas-microsoft-com:office:office" xmlns:v="urn:schemas-microsoft-com:vml" xmlns:pvml="urn:schemas-microsoft-com:office:powerpoint" xmlns:com="http://schemas.openxmlformats.org/drawingml/2006/compatibility" xmlns:p14="http://schemas.microsoft.com/office/powerpoint/2010/main" xmlns:p15="http://schemas.microsoft.com/office/powerpoint/2012/main" xmlns:ahyp="http://schemas.microsoft.com/office/drawing/2018/hyperlinkcolor" showMasterPhAnim="0" showMasterSp="0">
-  <p:cSld>
-    <p:spTree>
-      <p:nvGrpSpPr>
-        <p:cNvPr id="168" name="Shape 168"/>
-        <p:cNvGrpSpPr/>
-        <p:nvPr/>
-      </p:nvGrpSpPr>
-      <p:grpSpPr>
-        <a:xfrm>
-          <a:off x="0" y="0"/>
-          <a:ext cx="0" cy="0"/>
-          <a:chOff x="0" y="0"/>
-          <a:chExt cx="0" cy="0"/>
-        </a:xfrm>
-      </p:grpSpPr>
-      <p:sp>
-        <p:nvSpPr>
-          <p:cNvPr id="169" name="Google Shape;169;gc6f9e470d_0_47:notes"/>
-          <p:cNvSpPr/>
-          <p:nvPr>
-            <p:ph idx="2" type="sldImg"/>
-          </p:nvPr>
-        </p:nvSpPr>
-        <p:spPr>
-          <a:xfrm>
-            <a:off x="381188" y="685800"/>
-            <a:ext cx="6096300" cy="3429000"/>
-          </a:xfrm>
-          <a:custGeom>
-            <a:rect b="b" l="l" r="r" t="t"/>
-            <a:pathLst>
-              <a:path extrusionOk="0" h="120000" w="120000">
-                <a:moveTo>
-                  <a:pt x="0" y="0"/>
-                </a:moveTo>
-                <a:lnTo>
-                  <a:pt x="120000" y="0"/>
-                </a:lnTo>
-                <a:lnTo>
-                  <a:pt x="120000" y="120000"/>
-                </a:lnTo>
-                <a:lnTo>
-                  <a:pt x="0" y="120000"/>
-                </a:lnTo>
-                <a:close/>
-              </a:path>
-            </a:pathLst>
-          </a:custGeom>
-        </p:spPr>
-      </p:sp>
-      <p:sp>
-        <p:nvSpPr>
-          <p:cNvPr id="170" name="Google Shape;170;gc6f9e470d_0_47:notes"/>
-          <p:cNvSpPr txBox="1"/>
-          <p:nvPr>
-            <p:ph idx="1" type="body"/>
-          </p:nvPr>
-        </p:nvSpPr>
-        <p:spPr>
-          <a:xfrm>
-            <a:off x="685800" y="4343400"/>
-            <a:ext cx="5486400" cy="4114800"/>
-          </a:xfrm>
-          <a:prstGeom prst="rect">
-            <a:avLst/>
-          </a:prstGeom>
-        </p:spPr>
-        <p:txBody>
-          <a:bodyPr anchorCtr="0" anchor="t" bIns="91425" lIns="91425" spcFirstLastPara="1" rIns="91425" wrap="square" tIns="91425">
-            <a:noAutofit/>
-          </a:bodyPr>
-          <a:lstStyle/>
-          <a:p>
-            <a:pPr indent="0" lvl="0" marL="0" rtl="0" algn="l">
-              <a:spcBef>
-                <a:spcPts val="0"/>
-              </a:spcBef>
-              <a:spcAft>
-                <a:spcPts val="0"/>
-              </a:spcAft>
-              <a:buNone/>
-            </a:pPr>
-            <a:r>
-              <a:t/>
-            </a:r>
-            <a:endParaRPr/>
-          </a:p>
-        </p:txBody>
-      </p:sp>
-    </p:spTree>
-  </p:cSld>
-  <p:clrMapOvr>
-    <a:masterClrMapping/>
-  </p:clrMapOvr>
-</p:notes>
-</file>
-
-<file path=ppt/notesSlides/notesSlide13.xml><?xml version="1.0" encoding="utf-8"?>
-<p:notes xmlns:a="http://schemas.openxmlformats.org/drawingml/2006/main" xmlns:r="http://schemas.openxmlformats.org/officeDocument/2006/relationships" xmlns:mc="http://schemas.openxmlformats.org/markup-compatibility/2006" xmlns:mv="urn:schemas-microsoft-com:mac:vml" xmlns:p="http://schemas.openxmlformats.org/presentationml/2006/main" xmlns:c="http://schemas.openxmlformats.org/drawingml/2006/chart" xmlns:dgm="http://schemas.openxmlformats.org/drawingml/2006/diagram" xmlns:o="urn:schemas-microsoft-com:office:office" xmlns:v="urn:schemas-microsoft-com:vml" xmlns:pvml="urn:schemas-microsoft-com:office:powerpoint" xmlns:com="http://schemas.openxmlformats.org/drawingml/2006/compatibility" xmlns:p14="http://schemas.microsoft.com/office/powerpoint/2010/main" xmlns:p15="http://schemas.microsoft.com/office/powerpoint/2012/main" xmlns:ahyp="http://schemas.microsoft.com/office/drawing/2018/hyperlinkcolor" showMasterPhAnim="0" showMasterSp="0">
-  <p:cSld>
-    <p:spTree>
-      <p:nvGrpSpPr>
-        <p:cNvPr id="202" name="Shape 202"/>
-        <p:cNvGrpSpPr/>
-        <p:nvPr/>
-      </p:nvGrpSpPr>
-      <p:grpSpPr>
-        <a:xfrm>
-          <a:off x="0" y="0"/>
-          <a:ext cx="0" cy="0"/>
-          <a:chOff x="0" y="0"/>
-          <a:chExt cx="0" cy="0"/>
-        </a:xfrm>
-      </p:grpSpPr>
-      <p:sp>
-        <p:nvSpPr>
-          <p:cNvPr id="203" name="Google Shape;203;g2dea19add37_0_0:notes"/>
+          <p:cNvPr id="179" name="Google Shape;179;g271ca867970_0_46:notes"/>
           <p:cNvSpPr/>
           <p:nvPr>
             <p:ph idx="2" type="sldImg"/>
@@ -1163,7 +867,7 @@
       </p:sp>
       <p:sp>
         <p:nvSpPr>
-          <p:cNvPr id="204" name="Google Shape;204;g2dea19add37_0_0:notes"/>
+          <p:cNvPr id="180" name="Google Shape;180;g271ca867970_0_46:notes"/>
           <p:cNvSpPr txBox="1"/>
           <p:nvPr>
             <p:ph idx="1" type="body"/>
@@ -1208,12 +912,12 @@
 </p:notes>
 </file>
 
-<file path=ppt/notesSlides/notesSlide14.xml><?xml version="1.0" encoding="utf-8"?>
+<file path=ppt/notesSlides/notesSlide11.xml><?xml version="1.0" encoding="utf-8"?>
 <p:notes xmlns:a="http://schemas.openxmlformats.org/drawingml/2006/main" xmlns:r="http://schemas.openxmlformats.org/officeDocument/2006/relationships" xmlns:mc="http://schemas.openxmlformats.org/markup-compatibility/2006" xmlns:mv="urn:schemas-microsoft-com:mac:vml" xmlns:p="http://schemas.openxmlformats.org/presentationml/2006/main" xmlns:c="http://schemas.openxmlformats.org/drawingml/2006/chart" xmlns:dgm="http://schemas.openxmlformats.org/drawingml/2006/diagram" xmlns:o="urn:schemas-microsoft-com:office:office" xmlns:v="urn:schemas-microsoft-com:vml" xmlns:pvml="urn:schemas-microsoft-com:office:powerpoint" xmlns:com="http://schemas.openxmlformats.org/drawingml/2006/compatibility" xmlns:p14="http://schemas.microsoft.com/office/powerpoint/2010/main" xmlns:p15="http://schemas.microsoft.com/office/powerpoint/2012/main" xmlns:ahyp="http://schemas.microsoft.com/office/drawing/2018/hyperlinkcolor" showMasterPhAnim="0" showMasterSp="0">
   <p:cSld>
     <p:spTree>
       <p:nvGrpSpPr>
-        <p:cNvPr id="208" name="Shape 208"/>
+        <p:cNvPr id="184" name="Shape 184"/>
         <p:cNvGrpSpPr/>
         <p:nvPr/>
       </p:nvGrpSpPr>
@@ -1227,7 +931,7 @@
       </p:grpSpPr>
       <p:sp>
         <p:nvSpPr>
-          <p:cNvPr id="209" name="Google Shape;209;g271ca867970_0_98:notes"/>
+          <p:cNvPr id="185" name="Google Shape;185;g271ca867970_0_52:notes"/>
           <p:cNvSpPr/>
           <p:nvPr>
             <p:ph idx="2" type="sldImg"/>
@@ -1262,7 +966,7 @@
       </p:sp>
       <p:sp>
         <p:nvSpPr>
-          <p:cNvPr id="210" name="Google Shape;210;g271ca867970_0_98:notes"/>
+          <p:cNvPr id="186" name="Google Shape;186;g271ca867970_0_52:notes"/>
           <p:cNvSpPr txBox="1"/>
           <p:nvPr>
             <p:ph idx="1" type="body"/>
@@ -1307,12 +1011,12 @@
 </p:notes>
 </file>
 
-<file path=ppt/notesSlides/notesSlide15.xml><?xml version="1.0" encoding="utf-8"?>
+<file path=ppt/notesSlides/notesSlide12.xml><?xml version="1.0" encoding="utf-8"?>
 <p:notes xmlns:a="http://schemas.openxmlformats.org/drawingml/2006/main" xmlns:r="http://schemas.openxmlformats.org/officeDocument/2006/relationships" xmlns:mc="http://schemas.openxmlformats.org/markup-compatibility/2006" xmlns:mv="urn:schemas-microsoft-com:mac:vml" xmlns:p="http://schemas.openxmlformats.org/presentationml/2006/main" xmlns:c="http://schemas.openxmlformats.org/drawingml/2006/chart" xmlns:dgm="http://schemas.openxmlformats.org/drawingml/2006/diagram" xmlns:o="urn:schemas-microsoft-com:office:office" xmlns:v="urn:schemas-microsoft-com:vml" xmlns:pvml="urn:schemas-microsoft-com:office:powerpoint" xmlns:com="http://schemas.openxmlformats.org/drawingml/2006/compatibility" xmlns:p14="http://schemas.microsoft.com/office/powerpoint/2010/main" xmlns:p15="http://schemas.microsoft.com/office/powerpoint/2012/main" xmlns:ahyp="http://schemas.microsoft.com/office/drawing/2018/hyperlinkcolor" showMasterPhAnim="0" showMasterSp="0">
   <p:cSld>
     <p:spTree>
       <p:nvGrpSpPr>
-        <p:cNvPr id="219" name="Shape 219"/>
+        <p:cNvPr id="190" name="Shape 190"/>
         <p:cNvGrpSpPr/>
         <p:nvPr/>
       </p:nvGrpSpPr>
@@ -1326,7 +1030,7 @@
       </p:grpSpPr>
       <p:sp>
         <p:nvSpPr>
-          <p:cNvPr id="220" name="Google Shape;220;g271ca867970_0_109:notes"/>
+          <p:cNvPr id="191" name="Google Shape;191;g271ca867970_0_66:notes"/>
           <p:cNvSpPr/>
           <p:nvPr>
             <p:ph idx="2" type="sldImg"/>
@@ -1361,7 +1065,7 @@
       </p:sp>
       <p:sp>
         <p:nvSpPr>
-          <p:cNvPr id="221" name="Google Shape;221;g271ca867970_0_109:notes"/>
+          <p:cNvPr id="192" name="Google Shape;192;g271ca867970_0_66:notes"/>
           <p:cNvSpPr txBox="1"/>
           <p:nvPr>
             <p:ph idx="1" type="body"/>
@@ -1406,12 +1110,12 @@
 </p:notes>
 </file>
 
-<file path=ppt/notesSlides/notesSlide16.xml><?xml version="1.0" encoding="utf-8"?>
+<file path=ppt/notesSlides/notesSlide13.xml><?xml version="1.0" encoding="utf-8"?>
 <p:notes xmlns:a="http://schemas.openxmlformats.org/drawingml/2006/main" xmlns:r="http://schemas.openxmlformats.org/officeDocument/2006/relationships" xmlns:mc="http://schemas.openxmlformats.org/markup-compatibility/2006" xmlns:mv="urn:schemas-microsoft-com:mac:vml" xmlns:p="http://schemas.openxmlformats.org/presentationml/2006/main" xmlns:c="http://schemas.openxmlformats.org/drawingml/2006/chart" xmlns:dgm="http://schemas.openxmlformats.org/drawingml/2006/diagram" xmlns:o="urn:schemas-microsoft-com:office:office" xmlns:v="urn:schemas-microsoft-com:vml" xmlns:pvml="urn:schemas-microsoft-com:office:powerpoint" xmlns:com="http://schemas.openxmlformats.org/drawingml/2006/compatibility" xmlns:p14="http://schemas.microsoft.com/office/powerpoint/2010/main" xmlns:p15="http://schemas.microsoft.com/office/powerpoint/2012/main" xmlns:ahyp="http://schemas.microsoft.com/office/drawing/2018/hyperlinkcolor" showMasterPhAnim="0" showMasterSp="0">
   <p:cSld>
     <p:spTree>
       <p:nvGrpSpPr>
-        <p:cNvPr id="228" name="Shape 228"/>
+        <p:cNvPr id="196" name="Shape 196"/>
         <p:cNvGrpSpPr/>
         <p:nvPr/>
       </p:nvGrpSpPr>
@@ -1425,7 +1129,7 @@
       </p:grpSpPr>
       <p:sp>
         <p:nvSpPr>
-          <p:cNvPr id="229" name="Google Shape;229;g271ca867970_0_117:notes"/>
+          <p:cNvPr id="197" name="Google Shape;197;g2dea19add37_0_0:notes"/>
           <p:cNvSpPr/>
           <p:nvPr>
             <p:ph idx="2" type="sldImg"/>
@@ -1460,7 +1164,7 @@
       </p:sp>
       <p:sp>
         <p:nvSpPr>
-          <p:cNvPr id="230" name="Google Shape;230;g271ca867970_0_117:notes"/>
+          <p:cNvPr id="198" name="Google Shape;198;g2dea19add37_0_0:notes"/>
           <p:cNvSpPr txBox="1"/>
           <p:nvPr>
             <p:ph idx="1" type="body"/>
@@ -1505,7 +1209,403 @@
 </p:notes>
 </file>
 
+<file path=ppt/notesSlides/notesSlide14.xml><?xml version="1.0" encoding="utf-8"?>
+<p:notes xmlns:a="http://schemas.openxmlformats.org/drawingml/2006/main" xmlns:r="http://schemas.openxmlformats.org/officeDocument/2006/relationships" xmlns:mc="http://schemas.openxmlformats.org/markup-compatibility/2006" xmlns:mv="urn:schemas-microsoft-com:mac:vml" xmlns:p="http://schemas.openxmlformats.org/presentationml/2006/main" xmlns:c="http://schemas.openxmlformats.org/drawingml/2006/chart" xmlns:dgm="http://schemas.openxmlformats.org/drawingml/2006/diagram" xmlns:o="urn:schemas-microsoft-com:office:office" xmlns:v="urn:schemas-microsoft-com:vml" xmlns:pvml="urn:schemas-microsoft-com:office:powerpoint" xmlns:com="http://schemas.openxmlformats.org/drawingml/2006/compatibility" xmlns:p14="http://schemas.microsoft.com/office/powerpoint/2010/main" xmlns:p15="http://schemas.microsoft.com/office/powerpoint/2012/main" xmlns:ahyp="http://schemas.microsoft.com/office/drawing/2018/hyperlinkcolor" showMasterPhAnim="0" showMasterSp="0">
+  <p:cSld>
+    <p:spTree>
+      <p:nvGrpSpPr>
+        <p:cNvPr id="202" name="Shape 202"/>
+        <p:cNvGrpSpPr/>
+        <p:nvPr/>
+      </p:nvGrpSpPr>
+      <p:grpSpPr>
+        <a:xfrm>
+          <a:off x="0" y="0"/>
+          <a:ext cx="0" cy="0"/>
+          <a:chOff x="0" y="0"/>
+          <a:chExt cx="0" cy="0"/>
+        </a:xfrm>
+      </p:grpSpPr>
+      <p:sp>
+        <p:nvSpPr>
+          <p:cNvPr id="203" name="Google Shape;203;g271ca867970_0_98:notes"/>
+          <p:cNvSpPr/>
+          <p:nvPr>
+            <p:ph idx="2" type="sldImg"/>
+          </p:nvPr>
+        </p:nvSpPr>
+        <p:spPr>
+          <a:xfrm>
+            <a:off x="381300" y="685800"/>
+            <a:ext cx="6096000" cy="3429000"/>
+          </a:xfrm>
+          <a:custGeom>
+            <a:rect b="b" l="l" r="r" t="t"/>
+            <a:pathLst>
+              <a:path extrusionOk="0" h="120000" w="120000">
+                <a:moveTo>
+                  <a:pt x="0" y="0"/>
+                </a:moveTo>
+                <a:lnTo>
+                  <a:pt x="120000" y="0"/>
+                </a:lnTo>
+                <a:lnTo>
+                  <a:pt x="120000" y="120000"/>
+                </a:lnTo>
+                <a:lnTo>
+                  <a:pt x="0" y="120000"/>
+                </a:lnTo>
+                <a:close/>
+              </a:path>
+            </a:pathLst>
+          </a:custGeom>
+        </p:spPr>
+      </p:sp>
+      <p:sp>
+        <p:nvSpPr>
+          <p:cNvPr id="204" name="Google Shape;204;g271ca867970_0_98:notes"/>
+          <p:cNvSpPr txBox="1"/>
+          <p:nvPr>
+            <p:ph idx="1" type="body"/>
+          </p:nvPr>
+        </p:nvSpPr>
+        <p:spPr>
+          <a:xfrm>
+            <a:off x="685800" y="4343400"/>
+            <a:ext cx="5486400" cy="4114800"/>
+          </a:xfrm>
+          <a:prstGeom prst="rect">
+            <a:avLst/>
+          </a:prstGeom>
+        </p:spPr>
+        <p:txBody>
+          <a:bodyPr anchorCtr="0" anchor="t" bIns="91425" lIns="91425" spcFirstLastPara="1" rIns="91425" wrap="square" tIns="91425">
+            <a:noAutofit/>
+          </a:bodyPr>
+          <a:lstStyle/>
+          <a:p>
+            <a:pPr indent="0" lvl="0" marL="0" rtl="0" algn="l">
+              <a:spcBef>
+                <a:spcPts val="0"/>
+              </a:spcBef>
+              <a:spcAft>
+                <a:spcPts val="0"/>
+              </a:spcAft>
+              <a:buNone/>
+            </a:pPr>
+            <a:r>
+              <a:t/>
+            </a:r>
+            <a:endParaRPr/>
+          </a:p>
+        </p:txBody>
+      </p:sp>
+    </p:spTree>
+  </p:cSld>
+  <p:clrMapOvr>
+    <a:masterClrMapping/>
+  </p:clrMapOvr>
+</p:notes>
+</file>
+
+<file path=ppt/notesSlides/notesSlide15.xml><?xml version="1.0" encoding="utf-8"?>
+<p:notes xmlns:a="http://schemas.openxmlformats.org/drawingml/2006/main" xmlns:r="http://schemas.openxmlformats.org/officeDocument/2006/relationships" xmlns:mc="http://schemas.openxmlformats.org/markup-compatibility/2006" xmlns:mv="urn:schemas-microsoft-com:mac:vml" xmlns:p="http://schemas.openxmlformats.org/presentationml/2006/main" xmlns:c="http://schemas.openxmlformats.org/drawingml/2006/chart" xmlns:dgm="http://schemas.openxmlformats.org/drawingml/2006/diagram" xmlns:o="urn:schemas-microsoft-com:office:office" xmlns:v="urn:schemas-microsoft-com:vml" xmlns:pvml="urn:schemas-microsoft-com:office:powerpoint" xmlns:com="http://schemas.openxmlformats.org/drawingml/2006/compatibility" xmlns:p14="http://schemas.microsoft.com/office/powerpoint/2010/main" xmlns:p15="http://schemas.microsoft.com/office/powerpoint/2012/main" xmlns:ahyp="http://schemas.microsoft.com/office/drawing/2018/hyperlinkcolor" showMasterPhAnim="0" showMasterSp="0">
+  <p:cSld>
+    <p:spTree>
+      <p:nvGrpSpPr>
+        <p:cNvPr id="213" name="Shape 213"/>
+        <p:cNvGrpSpPr/>
+        <p:nvPr/>
+      </p:nvGrpSpPr>
+      <p:grpSpPr>
+        <a:xfrm>
+          <a:off x="0" y="0"/>
+          <a:ext cx="0" cy="0"/>
+          <a:chOff x="0" y="0"/>
+          <a:chExt cx="0" cy="0"/>
+        </a:xfrm>
+      </p:grpSpPr>
+      <p:sp>
+        <p:nvSpPr>
+          <p:cNvPr id="214" name="Google Shape;214;g271ca867970_0_109:notes"/>
+          <p:cNvSpPr/>
+          <p:nvPr>
+            <p:ph idx="2" type="sldImg"/>
+          </p:nvPr>
+        </p:nvSpPr>
+        <p:spPr>
+          <a:xfrm>
+            <a:off x="381300" y="685800"/>
+            <a:ext cx="6096000" cy="3429000"/>
+          </a:xfrm>
+          <a:custGeom>
+            <a:rect b="b" l="l" r="r" t="t"/>
+            <a:pathLst>
+              <a:path extrusionOk="0" h="120000" w="120000">
+                <a:moveTo>
+                  <a:pt x="0" y="0"/>
+                </a:moveTo>
+                <a:lnTo>
+                  <a:pt x="120000" y="0"/>
+                </a:lnTo>
+                <a:lnTo>
+                  <a:pt x="120000" y="120000"/>
+                </a:lnTo>
+                <a:lnTo>
+                  <a:pt x="0" y="120000"/>
+                </a:lnTo>
+                <a:close/>
+              </a:path>
+            </a:pathLst>
+          </a:custGeom>
+        </p:spPr>
+      </p:sp>
+      <p:sp>
+        <p:nvSpPr>
+          <p:cNvPr id="215" name="Google Shape;215;g271ca867970_0_109:notes"/>
+          <p:cNvSpPr txBox="1"/>
+          <p:nvPr>
+            <p:ph idx="1" type="body"/>
+          </p:nvPr>
+        </p:nvSpPr>
+        <p:spPr>
+          <a:xfrm>
+            <a:off x="685800" y="4343400"/>
+            <a:ext cx="5486400" cy="4114800"/>
+          </a:xfrm>
+          <a:prstGeom prst="rect">
+            <a:avLst/>
+          </a:prstGeom>
+        </p:spPr>
+        <p:txBody>
+          <a:bodyPr anchorCtr="0" anchor="t" bIns="91425" lIns="91425" spcFirstLastPara="1" rIns="91425" wrap="square" tIns="91425">
+            <a:noAutofit/>
+          </a:bodyPr>
+          <a:lstStyle/>
+          <a:p>
+            <a:pPr indent="0" lvl="0" marL="0" rtl="0" algn="l">
+              <a:spcBef>
+                <a:spcPts val="0"/>
+              </a:spcBef>
+              <a:spcAft>
+                <a:spcPts val="0"/>
+              </a:spcAft>
+              <a:buNone/>
+            </a:pPr>
+            <a:r>
+              <a:t/>
+            </a:r>
+            <a:endParaRPr/>
+          </a:p>
+        </p:txBody>
+      </p:sp>
+    </p:spTree>
+  </p:cSld>
+  <p:clrMapOvr>
+    <a:masterClrMapping/>
+  </p:clrMapOvr>
+</p:notes>
+</file>
+
+<file path=ppt/notesSlides/notesSlide16.xml><?xml version="1.0" encoding="utf-8"?>
+<p:notes xmlns:a="http://schemas.openxmlformats.org/drawingml/2006/main" xmlns:r="http://schemas.openxmlformats.org/officeDocument/2006/relationships" xmlns:mc="http://schemas.openxmlformats.org/markup-compatibility/2006" xmlns:mv="urn:schemas-microsoft-com:mac:vml" xmlns:p="http://schemas.openxmlformats.org/presentationml/2006/main" xmlns:c="http://schemas.openxmlformats.org/drawingml/2006/chart" xmlns:dgm="http://schemas.openxmlformats.org/drawingml/2006/diagram" xmlns:o="urn:schemas-microsoft-com:office:office" xmlns:v="urn:schemas-microsoft-com:vml" xmlns:pvml="urn:schemas-microsoft-com:office:powerpoint" xmlns:com="http://schemas.openxmlformats.org/drawingml/2006/compatibility" xmlns:p14="http://schemas.microsoft.com/office/powerpoint/2010/main" xmlns:p15="http://schemas.microsoft.com/office/powerpoint/2012/main" xmlns:ahyp="http://schemas.microsoft.com/office/drawing/2018/hyperlinkcolor" showMasterPhAnim="0" showMasterSp="0">
+  <p:cSld>
+    <p:spTree>
+      <p:nvGrpSpPr>
+        <p:cNvPr id="222" name="Shape 222"/>
+        <p:cNvGrpSpPr/>
+        <p:nvPr/>
+      </p:nvGrpSpPr>
+      <p:grpSpPr>
+        <a:xfrm>
+          <a:off x="0" y="0"/>
+          <a:ext cx="0" cy="0"/>
+          <a:chOff x="0" y="0"/>
+          <a:chExt cx="0" cy="0"/>
+        </a:xfrm>
+      </p:grpSpPr>
+      <p:sp>
+        <p:nvSpPr>
+          <p:cNvPr id="223" name="Google Shape;223;g271ca867970_0_117:notes"/>
+          <p:cNvSpPr/>
+          <p:nvPr>
+            <p:ph idx="2" type="sldImg"/>
+          </p:nvPr>
+        </p:nvSpPr>
+        <p:spPr>
+          <a:xfrm>
+            <a:off x="381300" y="685800"/>
+            <a:ext cx="6096000" cy="3429000"/>
+          </a:xfrm>
+          <a:custGeom>
+            <a:rect b="b" l="l" r="r" t="t"/>
+            <a:pathLst>
+              <a:path extrusionOk="0" h="120000" w="120000">
+                <a:moveTo>
+                  <a:pt x="0" y="0"/>
+                </a:moveTo>
+                <a:lnTo>
+                  <a:pt x="120000" y="0"/>
+                </a:lnTo>
+                <a:lnTo>
+                  <a:pt x="120000" y="120000"/>
+                </a:lnTo>
+                <a:lnTo>
+                  <a:pt x="0" y="120000"/>
+                </a:lnTo>
+                <a:close/>
+              </a:path>
+            </a:pathLst>
+          </a:custGeom>
+        </p:spPr>
+      </p:sp>
+      <p:sp>
+        <p:nvSpPr>
+          <p:cNvPr id="224" name="Google Shape;224;g271ca867970_0_117:notes"/>
+          <p:cNvSpPr txBox="1"/>
+          <p:nvPr>
+            <p:ph idx="1" type="body"/>
+          </p:nvPr>
+        </p:nvSpPr>
+        <p:spPr>
+          <a:xfrm>
+            <a:off x="685800" y="4343400"/>
+            <a:ext cx="5486400" cy="4114800"/>
+          </a:xfrm>
+          <a:prstGeom prst="rect">
+            <a:avLst/>
+          </a:prstGeom>
+        </p:spPr>
+        <p:txBody>
+          <a:bodyPr anchorCtr="0" anchor="t" bIns="91425" lIns="91425" spcFirstLastPara="1" rIns="91425" wrap="square" tIns="91425">
+            <a:noAutofit/>
+          </a:bodyPr>
+          <a:lstStyle/>
+          <a:p>
+            <a:pPr indent="0" lvl="0" marL="0" rtl="0" algn="l">
+              <a:spcBef>
+                <a:spcPts val="0"/>
+              </a:spcBef>
+              <a:spcAft>
+                <a:spcPts val="0"/>
+              </a:spcAft>
+              <a:buNone/>
+            </a:pPr>
+            <a:r>
+              <a:t/>
+            </a:r>
+            <a:endParaRPr/>
+          </a:p>
+        </p:txBody>
+      </p:sp>
+    </p:spTree>
+  </p:cSld>
+  <p:clrMapOvr>
+    <a:masterClrMapping/>
+  </p:clrMapOvr>
+</p:notes>
+</file>
+
 <file path=ppt/notesSlides/notesSlide17.xml><?xml version="1.0" encoding="utf-8"?>
+<p:notes xmlns:a="http://schemas.openxmlformats.org/drawingml/2006/main" xmlns:r="http://schemas.openxmlformats.org/officeDocument/2006/relationships" xmlns:mc="http://schemas.openxmlformats.org/markup-compatibility/2006" xmlns:mv="urn:schemas-microsoft-com:mac:vml" xmlns:p="http://schemas.openxmlformats.org/presentationml/2006/main" xmlns:c="http://schemas.openxmlformats.org/drawingml/2006/chart" xmlns:dgm="http://schemas.openxmlformats.org/drawingml/2006/diagram" xmlns:o="urn:schemas-microsoft-com:office:office" xmlns:v="urn:schemas-microsoft-com:vml" xmlns:pvml="urn:schemas-microsoft-com:office:powerpoint" xmlns:com="http://schemas.openxmlformats.org/drawingml/2006/compatibility" xmlns:p14="http://schemas.microsoft.com/office/powerpoint/2010/main" xmlns:p15="http://schemas.microsoft.com/office/powerpoint/2012/main" xmlns:ahyp="http://schemas.microsoft.com/office/drawing/2018/hyperlinkcolor" showMasterPhAnim="0" showMasterSp="0">
+  <p:cSld>
+    <p:spTree>
+      <p:nvGrpSpPr>
+        <p:cNvPr id="228" name="Shape 228"/>
+        <p:cNvGrpSpPr/>
+        <p:nvPr/>
+      </p:nvGrpSpPr>
+      <p:grpSpPr>
+        <a:xfrm>
+          <a:off x="0" y="0"/>
+          <a:ext cx="0" cy="0"/>
+          <a:chOff x="0" y="0"/>
+          <a:chExt cx="0" cy="0"/>
+        </a:xfrm>
+      </p:grpSpPr>
+      <p:sp>
+        <p:nvSpPr>
+          <p:cNvPr id="229" name="Google Shape;229;g271da414862_0_6:notes"/>
+          <p:cNvSpPr/>
+          <p:nvPr>
+            <p:ph idx="2" type="sldImg"/>
+          </p:nvPr>
+        </p:nvSpPr>
+        <p:spPr>
+          <a:xfrm>
+            <a:off x="381300" y="685800"/>
+            <a:ext cx="6096000" cy="3429000"/>
+          </a:xfrm>
+          <a:custGeom>
+            <a:rect b="b" l="l" r="r" t="t"/>
+            <a:pathLst>
+              <a:path extrusionOk="0" h="120000" w="120000">
+                <a:moveTo>
+                  <a:pt x="0" y="0"/>
+                </a:moveTo>
+                <a:lnTo>
+                  <a:pt x="120000" y="0"/>
+                </a:lnTo>
+                <a:lnTo>
+                  <a:pt x="120000" y="120000"/>
+                </a:lnTo>
+                <a:lnTo>
+                  <a:pt x="0" y="120000"/>
+                </a:lnTo>
+                <a:close/>
+              </a:path>
+            </a:pathLst>
+          </a:custGeom>
+        </p:spPr>
+      </p:sp>
+      <p:sp>
+        <p:nvSpPr>
+          <p:cNvPr id="230" name="Google Shape;230;g271da414862_0_6:notes"/>
+          <p:cNvSpPr txBox="1"/>
+          <p:nvPr>
+            <p:ph idx="1" type="body"/>
+          </p:nvPr>
+        </p:nvSpPr>
+        <p:spPr>
+          <a:xfrm>
+            <a:off x="685800" y="4343400"/>
+            <a:ext cx="5486400" cy="4114800"/>
+          </a:xfrm>
+          <a:prstGeom prst="rect">
+            <a:avLst/>
+          </a:prstGeom>
+        </p:spPr>
+        <p:txBody>
+          <a:bodyPr anchorCtr="0" anchor="t" bIns="91425" lIns="91425" spcFirstLastPara="1" rIns="91425" wrap="square" tIns="91425">
+            <a:noAutofit/>
+          </a:bodyPr>
+          <a:lstStyle/>
+          <a:p>
+            <a:pPr indent="0" lvl="0" marL="0" rtl="0" algn="l">
+              <a:spcBef>
+                <a:spcPts val="0"/>
+              </a:spcBef>
+              <a:spcAft>
+                <a:spcPts val="0"/>
+              </a:spcAft>
+              <a:buNone/>
+            </a:pPr>
+            <a:r>
+              <a:t/>
+            </a:r>
+            <a:endParaRPr/>
+          </a:p>
+        </p:txBody>
+      </p:sp>
+    </p:spTree>
+  </p:cSld>
+  <p:clrMapOvr>
+    <a:masterClrMapping/>
+  </p:clrMapOvr>
+</p:notes>
+</file>
+
+<file path=ppt/notesSlides/notesSlide18.xml><?xml version="1.0" encoding="utf-8"?>
 <p:notes xmlns:a="http://schemas.openxmlformats.org/drawingml/2006/main" xmlns:r="http://schemas.openxmlformats.org/officeDocument/2006/relationships" xmlns:mc="http://schemas.openxmlformats.org/markup-compatibility/2006" xmlns:mv="urn:schemas-microsoft-com:mac:vml" xmlns:p="http://schemas.openxmlformats.org/presentationml/2006/main" xmlns:c="http://schemas.openxmlformats.org/drawingml/2006/chart" xmlns:dgm="http://schemas.openxmlformats.org/drawingml/2006/diagram" xmlns:o="urn:schemas-microsoft-com:office:office" xmlns:v="urn:schemas-microsoft-com:vml" xmlns:pvml="urn:schemas-microsoft-com:office:powerpoint" xmlns:com="http://schemas.openxmlformats.org/drawingml/2006/compatibility" xmlns:p14="http://schemas.microsoft.com/office/powerpoint/2010/main" xmlns:p15="http://schemas.microsoft.com/office/powerpoint/2012/main" xmlns:ahyp="http://schemas.microsoft.com/office/drawing/2018/hyperlinkcolor" showMasterPhAnim="0" showMasterSp="0">
   <p:cSld>
     <p:spTree>
@@ -1604,7 +1704,7 @@
 </p:notes>
 </file>
 
-<file path=ppt/notesSlides/notesSlide18.xml><?xml version="1.0" encoding="utf-8"?>
+<file path=ppt/notesSlides/notesSlide19.xml><?xml version="1.0" encoding="utf-8"?>
 <p:notes xmlns:a="http://schemas.openxmlformats.org/drawingml/2006/main" xmlns:r="http://schemas.openxmlformats.org/officeDocument/2006/relationships" xmlns:mc="http://schemas.openxmlformats.org/markup-compatibility/2006" xmlns:mv="urn:schemas-microsoft-com:mac:vml" xmlns:p="http://schemas.openxmlformats.org/presentationml/2006/main" xmlns:c="http://schemas.openxmlformats.org/drawingml/2006/chart" xmlns:dgm="http://schemas.openxmlformats.org/drawingml/2006/diagram" xmlns:o="urn:schemas-microsoft-com:office:office" xmlns:v="urn:schemas-microsoft-com:vml" xmlns:pvml="urn:schemas-microsoft-com:office:powerpoint" xmlns:com="http://schemas.openxmlformats.org/drawingml/2006/compatibility" xmlns:p14="http://schemas.microsoft.com/office/powerpoint/2010/main" xmlns:p15="http://schemas.microsoft.com/office/powerpoint/2012/main" xmlns:ahyp="http://schemas.microsoft.com/office/drawing/2018/hyperlinkcolor" showMasterPhAnim="0" showMasterSp="0">
   <p:cSld>
     <p:spTree>
@@ -1659,105 +1759,6 @@
       <p:sp>
         <p:nvSpPr>
           <p:cNvPr id="242" name="Google Shape;242;g271ca867970_0_86:notes"/>
-          <p:cNvSpPr txBox="1"/>
-          <p:nvPr>
-            <p:ph idx="1" type="body"/>
-          </p:nvPr>
-        </p:nvSpPr>
-        <p:spPr>
-          <a:xfrm>
-            <a:off x="685800" y="4343400"/>
-            <a:ext cx="5486400" cy="4114800"/>
-          </a:xfrm>
-          <a:prstGeom prst="rect">
-            <a:avLst/>
-          </a:prstGeom>
-        </p:spPr>
-        <p:txBody>
-          <a:bodyPr anchorCtr="0" anchor="t" bIns="91425" lIns="91425" spcFirstLastPara="1" rIns="91425" wrap="square" tIns="91425">
-            <a:noAutofit/>
-          </a:bodyPr>
-          <a:lstStyle/>
-          <a:p>
-            <a:pPr indent="0" lvl="0" marL="0" rtl="0" algn="l">
-              <a:spcBef>
-                <a:spcPts val="0"/>
-              </a:spcBef>
-              <a:spcAft>
-                <a:spcPts val="0"/>
-              </a:spcAft>
-              <a:buNone/>
-            </a:pPr>
-            <a:r>
-              <a:t/>
-            </a:r>
-            <a:endParaRPr/>
-          </a:p>
-        </p:txBody>
-      </p:sp>
-    </p:spTree>
-  </p:cSld>
-  <p:clrMapOvr>
-    <a:masterClrMapping/>
-  </p:clrMapOvr>
-</p:notes>
-</file>
-
-<file path=ppt/notesSlides/notesSlide19.xml><?xml version="1.0" encoding="utf-8"?>
-<p:notes xmlns:a="http://schemas.openxmlformats.org/drawingml/2006/main" xmlns:r="http://schemas.openxmlformats.org/officeDocument/2006/relationships" xmlns:mc="http://schemas.openxmlformats.org/markup-compatibility/2006" xmlns:mv="urn:schemas-microsoft-com:mac:vml" xmlns:p="http://schemas.openxmlformats.org/presentationml/2006/main" xmlns:c="http://schemas.openxmlformats.org/drawingml/2006/chart" xmlns:dgm="http://schemas.openxmlformats.org/drawingml/2006/diagram" xmlns:o="urn:schemas-microsoft-com:office:office" xmlns:v="urn:schemas-microsoft-com:vml" xmlns:pvml="urn:schemas-microsoft-com:office:powerpoint" xmlns:com="http://schemas.openxmlformats.org/drawingml/2006/compatibility" xmlns:p14="http://schemas.microsoft.com/office/powerpoint/2010/main" xmlns:p15="http://schemas.microsoft.com/office/powerpoint/2012/main" xmlns:ahyp="http://schemas.microsoft.com/office/drawing/2018/hyperlinkcolor" showMasterPhAnim="0" showMasterSp="0">
-  <p:cSld>
-    <p:spTree>
-      <p:nvGrpSpPr>
-        <p:cNvPr id="246" name="Shape 246"/>
-        <p:cNvGrpSpPr/>
-        <p:nvPr/>
-      </p:nvGrpSpPr>
-      <p:grpSpPr>
-        <a:xfrm>
-          <a:off x="0" y="0"/>
-          <a:ext cx="0" cy="0"/>
-          <a:chOff x="0" y="0"/>
-          <a:chExt cx="0" cy="0"/>
-        </a:xfrm>
-      </p:grpSpPr>
-      <p:sp>
-        <p:nvSpPr>
-          <p:cNvPr id="247" name="Google Shape;247;g271ca867970_0_76:notes"/>
-          <p:cNvSpPr/>
-          <p:nvPr>
-            <p:ph idx="2" type="sldImg"/>
-          </p:nvPr>
-        </p:nvSpPr>
-        <p:spPr>
-          <a:xfrm>
-            <a:off x="381300" y="685800"/>
-            <a:ext cx="6096000" cy="3429000"/>
-          </a:xfrm>
-          <a:custGeom>
-            <a:rect b="b" l="l" r="r" t="t"/>
-            <a:pathLst>
-              <a:path extrusionOk="0" h="120000" w="120000">
-                <a:moveTo>
-                  <a:pt x="0" y="0"/>
-                </a:moveTo>
-                <a:lnTo>
-                  <a:pt x="120000" y="0"/>
-                </a:lnTo>
-                <a:lnTo>
-                  <a:pt x="120000" y="120000"/>
-                </a:lnTo>
-                <a:lnTo>
-                  <a:pt x="0" y="120000"/>
-                </a:lnTo>
-                <a:close/>
-              </a:path>
-            </a:pathLst>
-          </a:custGeom>
-        </p:spPr>
-      </p:sp>
-      <p:sp>
-        <p:nvSpPr>
-          <p:cNvPr id="248" name="Google Shape;248;g271ca867970_0_76:notes"/>
           <p:cNvSpPr txBox="1"/>
           <p:nvPr>
             <p:ph idx="1" type="body"/>
@@ -1901,6 +1902,105 @@
 </p:notes>
 </file>
 
+<file path=ppt/notesSlides/notesSlide20.xml><?xml version="1.0" encoding="utf-8"?>
+<p:notes xmlns:a="http://schemas.openxmlformats.org/drawingml/2006/main" xmlns:r="http://schemas.openxmlformats.org/officeDocument/2006/relationships" xmlns:mc="http://schemas.openxmlformats.org/markup-compatibility/2006" xmlns:mv="urn:schemas-microsoft-com:mac:vml" xmlns:p="http://schemas.openxmlformats.org/presentationml/2006/main" xmlns:c="http://schemas.openxmlformats.org/drawingml/2006/chart" xmlns:dgm="http://schemas.openxmlformats.org/drawingml/2006/diagram" xmlns:o="urn:schemas-microsoft-com:office:office" xmlns:v="urn:schemas-microsoft-com:vml" xmlns:pvml="urn:schemas-microsoft-com:office:powerpoint" xmlns:com="http://schemas.openxmlformats.org/drawingml/2006/compatibility" xmlns:p14="http://schemas.microsoft.com/office/powerpoint/2010/main" xmlns:p15="http://schemas.microsoft.com/office/powerpoint/2012/main" xmlns:ahyp="http://schemas.microsoft.com/office/drawing/2018/hyperlinkcolor" showMasterPhAnim="0" showMasterSp="0">
+  <p:cSld>
+    <p:spTree>
+      <p:nvGrpSpPr>
+        <p:cNvPr id="246" name="Shape 246"/>
+        <p:cNvGrpSpPr/>
+        <p:nvPr/>
+      </p:nvGrpSpPr>
+      <p:grpSpPr>
+        <a:xfrm>
+          <a:off x="0" y="0"/>
+          <a:ext cx="0" cy="0"/>
+          <a:chOff x="0" y="0"/>
+          <a:chExt cx="0" cy="0"/>
+        </a:xfrm>
+      </p:grpSpPr>
+      <p:sp>
+        <p:nvSpPr>
+          <p:cNvPr id="247" name="Google Shape;247;g271ca867970_0_76:notes"/>
+          <p:cNvSpPr/>
+          <p:nvPr>
+            <p:ph idx="2" type="sldImg"/>
+          </p:nvPr>
+        </p:nvSpPr>
+        <p:spPr>
+          <a:xfrm>
+            <a:off x="381300" y="685800"/>
+            <a:ext cx="6096000" cy="3429000"/>
+          </a:xfrm>
+          <a:custGeom>
+            <a:rect b="b" l="l" r="r" t="t"/>
+            <a:pathLst>
+              <a:path extrusionOk="0" h="120000" w="120000">
+                <a:moveTo>
+                  <a:pt x="0" y="0"/>
+                </a:moveTo>
+                <a:lnTo>
+                  <a:pt x="120000" y="0"/>
+                </a:lnTo>
+                <a:lnTo>
+                  <a:pt x="120000" y="120000"/>
+                </a:lnTo>
+                <a:lnTo>
+                  <a:pt x="0" y="120000"/>
+                </a:lnTo>
+                <a:close/>
+              </a:path>
+            </a:pathLst>
+          </a:custGeom>
+        </p:spPr>
+      </p:sp>
+      <p:sp>
+        <p:nvSpPr>
+          <p:cNvPr id="248" name="Google Shape;248;g271ca867970_0_76:notes"/>
+          <p:cNvSpPr txBox="1"/>
+          <p:nvPr>
+            <p:ph idx="1" type="body"/>
+          </p:nvPr>
+        </p:nvSpPr>
+        <p:spPr>
+          <a:xfrm>
+            <a:off x="685800" y="4343400"/>
+            <a:ext cx="5486400" cy="4114800"/>
+          </a:xfrm>
+          <a:prstGeom prst="rect">
+            <a:avLst/>
+          </a:prstGeom>
+        </p:spPr>
+        <p:txBody>
+          <a:bodyPr anchorCtr="0" anchor="t" bIns="91425" lIns="91425" spcFirstLastPara="1" rIns="91425" wrap="square" tIns="91425">
+            <a:noAutofit/>
+          </a:bodyPr>
+          <a:lstStyle/>
+          <a:p>
+            <a:pPr indent="0" lvl="0" marL="0" rtl="0" algn="l">
+              <a:spcBef>
+                <a:spcPts val="0"/>
+              </a:spcBef>
+              <a:spcAft>
+                <a:spcPts val="0"/>
+              </a:spcAft>
+              <a:buNone/>
+            </a:pPr>
+            <a:r>
+              <a:t/>
+            </a:r>
+            <a:endParaRPr/>
+          </a:p>
+        </p:txBody>
+      </p:sp>
+    </p:spTree>
+  </p:cSld>
+  <p:clrMapOvr>
+    <a:masterClrMapping/>
+  </p:clrMapOvr>
+</p:notes>
+</file>
+
 <file path=ppt/notesSlides/notesSlide3.xml><?xml version="1.0" encoding="utf-8"?>
 <p:notes xmlns:a="http://schemas.openxmlformats.org/drawingml/2006/main" xmlns:r="http://schemas.openxmlformats.org/officeDocument/2006/relationships" xmlns:mc="http://schemas.openxmlformats.org/markup-compatibility/2006" xmlns:mv="urn:schemas-microsoft-com:mac:vml" xmlns:p="http://schemas.openxmlformats.org/presentationml/2006/main" xmlns:c="http://schemas.openxmlformats.org/drawingml/2006/chart" xmlns:dgm="http://schemas.openxmlformats.org/drawingml/2006/diagram" xmlns:o="urn:schemas-microsoft-com:office:office" xmlns:v="urn:schemas-microsoft-com:vml" xmlns:pvml="urn:schemas-microsoft-com:office:powerpoint" xmlns:com="http://schemas.openxmlformats.org/drawingml/2006/compatibility" xmlns:p14="http://schemas.microsoft.com/office/powerpoint/2010/main" xmlns:p15="http://schemas.microsoft.com/office/powerpoint/2012/main" xmlns:ahyp="http://schemas.microsoft.com/office/drawing/2018/hyperlinkcolor" showMasterPhAnim="0" showMasterSp="0">
   <p:cSld>
@@ -2019,7 +2119,7 @@
       </p:grpSpPr>
       <p:sp>
         <p:nvSpPr>
-          <p:cNvPr id="114" name="Google Shape;114;g271ca867970_0_13:notes"/>
+          <p:cNvPr id="114" name="Google Shape;114;g271ca867970_0_40:notes"/>
           <p:cNvSpPr/>
           <p:nvPr>
             <p:ph idx="2" type="sldImg"/>
@@ -2054,7 +2154,7 @@
       </p:sp>
       <p:sp>
         <p:nvSpPr>
-          <p:cNvPr id="115" name="Google Shape;115;g271ca867970_0_13:notes"/>
+          <p:cNvPr id="115" name="Google Shape;115;g271ca867970_0_40:notes"/>
           <p:cNvSpPr txBox="1"/>
           <p:nvPr>
             <p:ph idx="1" type="body"/>
@@ -2217,7 +2317,7 @@
       </p:grpSpPr>
       <p:sp>
         <p:nvSpPr>
-          <p:cNvPr id="126" name="Google Shape;126;g271ca867970_0_40:notes"/>
+          <p:cNvPr id="126" name="Google Shape;126;g271da414862_0_0:notes"/>
           <p:cNvSpPr/>
           <p:nvPr>
             <p:ph idx="2" type="sldImg"/>
@@ -2252,7 +2352,7 @@
       </p:sp>
       <p:sp>
         <p:nvSpPr>
-          <p:cNvPr id="127" name="Google Shape;127;g271ca867970_0_40:notes"/>
+          <p:cNvPr id="127" name="Google Shape;127;g271da414862_0_0:notes"/>
           <p:cNvSpPr txBox="1"/>
           <p:nvPr>
             <p:ph idx="1" type="body"/>
@@ -2316,7 +2416,7 @@
       </p:grpSpPr>
       <p:sp>
         <p:nvSpPr>
-          <p:cNvPr id="132" name="Google Shape;132;g271ca867970_0_46:notes"/>
+          <p:cNvPr id="132" name="Google Shape;132;gc6f9e470d_0_24:notes"/>
           <p:cNvSpPr/>
           <p:nvPr>
             <p:ph idx="2" type="sldImg"/>
@@ -2324,8 +2424,8 @@
         </p:nvSpPr>
         <p:spPr>
           <a:xfrm>
-            <a:off x="381300" y="685800"/>
-            <a:ext cx="6096000" cy="3429000"/>
+            <a:off x="381188" y="685800"/>
+            <a:ext cx="6096300" cy="3429000"/>
           </a:xfrm>
           <a:custGeom>
             <a:rect b="b" l="l" r="r" t="t"/>
@@ -2351,7 +2451,7 @@
       </p:sp>
       <p:sp>
         <p:nvSpPr>
-          <p:cNvPr id="133" name="Google Shape;133;g271ca867970_0_46:notes"/>
+          <p:cNvPr id="133" name="Google Shape;133;gc6f9e470d_0_24:notes"/>
           <p:cNvSpPr txBox="1"/>
           <p:nvPr>
             <p:ph idx="1" type="body"/>
@@ -2401,7 +2501,7 @@
   <p:cSld>
     <p:spTree>
       <p:nvGrpSpPr>
-        <p:cNvPr id="137" name="Shape 137"/>
+        <p:cNvPr id="145" name="Shape 145"/>
         <p:cNvGrpSpPr/>
         <p:nvPr/>
       </p:nvGrpSpPr>
@@ -2415,7 +2515,7 @@
       </p:grpSpPr>
       <p:sp>
         <p:nvSpPr>
-          <p:cNvPr id="138" name="Google Shape;138;g271ca867970_0_52:notes"/>
+          <p:cNvPr id="146" name="Google Shape;146;gc6f9e470d_0_43:notes"/>
           <p:cNvSpPr/>
           <p:nvPr>
             <p:ph idx="2" type="sldImg"/>
@@ -2423,8 +2523,8 @@
         </p:nvSpPr>
         <p:spPr>
           <a:xfrm>
-            <a:off x="381300" y="685800"/>
-            <a:ext cx="6096000" cy="3429000"/>
+            <a:off x="381188" y="685800"/>
+            <a:ext cx="6096300" cy="3429000"/>
           </a:xfrm>
           <a:custGeom>
             <a:rect b="b" l="l" r="r" t="t"/>
@@ -2450,7 +2550,7 @@
       </p:sp>
       <p:sp>
         <p:nvSpPr>
-          <p:cNvPr id="139" name="Google Shape;139;g271ca867970_0_52:notes"/>
+          <p:cNvPr id="147" name="Google Shape;147;gc6f9e470d_0_43:notes"/>
           <p:cNvSpPr txBox="1"/>
           <p:nvPr>
             <p:ph idx="1" type="body"/>
@@ -2500,7 +2600,7 @@
   <p:cSld>
     <p:spTree>
       <p:nvGrpSpPr>
-        <p:cNvPr id="143" name="Shape 143"/>
+        <p:cNvPr id="150" name="Shape 150"/>
         <p:cNvGrpSpPr/>
         <p:nvPr/>
       </p:nvGrpSpPr>
@@ -2514,7 +2614,7 @@
       </p:grpSpPr>
       <p:sp>
         <p:nvSpPr>
-          <p:cNvPr id="144" name="Google Shape;144;g271ca867970_0_66:notes"/>
+          <p:cNvPr id="151" name="Google Shape;151;gc6f9e470d_0_47:notes"/>
           <p:cNvSpPr/>
           <p:nvPr>
             <p:ph idx="2" type="sldImg"/>
@@ -2522,8 +2622,8 @@
         </p:nvSpPr>
         <p:spPr>
           <a:xfrm>
-            <a:off x="381300" y="685800"/>
-            <a:ext cx="6096000" cy="3429000"/>
+            <a:off x="381188" y="685800"/>
+            <a:ext cx="6096300" cy="3429000"/>
           </a:xfrm>
           <a:custGeom>
             <a:rect b="b" l="l" r="r" t="t"/>
@@ -2549,7 +2649,7 @@
       </p:sp>
       <p:sp>
         <p:nvSpPr>
-          <p:cNvPr id="145" name="Google Shape;145;g271ca867970_0_66:notes"/>
+          <p:cNvPr id="152" name="Google Shape;152;gc6f9e470d_0_47:notes"/>
           <p:cNvSpPr txBox="1"/>
           <p:nvPr>
             <p:ph idx="1" type="body"/>
@@ -9304,7 +9404,7 @@
   <p:cSld>
     <p:spTree>
       <p:nvGrpSpPr>
-        <p:cNvPr id="152" name="Shape 152"/>
+        <p:cNvPr id="181" name="Shape 181"/>
         <p:cNvGrpSpPr/>
         <p:nvPr/>
       </p:nvGrpSpPr>
@@ -9318,7 +9418,7 @@
       </p:grpSpPr>
       <p:sp>
         <p:nvSpPr>
-          <p:cNvPr id="153" name="Google Shape;153;p22"/>
+          <p:cNvPr id="182" name="Google Shape;182;p22"/>
           <p:cNvSpPr txBox="1"/>
           <p:nvPr>
             <p:ph type="title"/>
@@ -9350,7 +9450,7 @@
             </a:pPr>
             <a:r>
               <a:rPr lang="en"/>
-              <a:t>Challenges deep-dive</a:t>
+              <a:t>Key Columns</a:t>
             </a:r>
             <a:endParaRPr/>
           </a:p>
@@ -9358,112 +9458,16 @@
       </p:sp>
       <p:sp>
         <p:nvSpPr>
-          <p:cNvPr id="154" name="Google Shape;154;p22"/>
-          <p:cNvSpPr/>
-          <p:nvPr/>
-        </p:nvSpPr>
-        <p:spPr>
-          <a:xfrm>
-            <a:off x="432350" y="1304875"/>
-            <a:ext cx="2469300" cy="607800"/>
-          </a:xfrm>
-          <a:prstGeom prst="homePlate">
-            <a:avLst>
-              <a:gd fmla="val 50000" name="adj"/>
-            </a:avLst>
-          </a:prstGeom>
-          <a:solidFill>
-            <a:schemeClr val="dk1"/>
-          </a:solidFill>
-          <a:ln>
-            <a:noFill/>
-          </a:ln>
-        </p:spPr>
-        <p:txBody>
-          <a:bodyPr anchorCtr="0" anchor="ctr" bIns="121875" lIns="121875" spcFirstLastPara="1" rIns="121875" wrap="square" tIns="121875">
-            <a:noAutofit/>
-          </a:bodyPr>
-          <a:lstStyle/>
-          <a:p>
-            <a:pPr indent="0" lvl="0" marL="0" rtl="0" algn="l">
-              <a:spcBef>
-                <a:spcPts val="0"/>
-              </a:spcBef>
-              <a:spcAft>
-                <a:spcPts val="0"/>
-              </a:spcAft>
-              <a:buNone/>
-            </a:pPr>
-            <a:r>
-              <a:t/>
-            </a:r>
-            <a:endParaRPr/>
-          </a:p>
-        </p:txBody>
-      </p:sp>
-      <p:sp>
-        <p:nvSpPr>
-          <p:cNvPr id="155" name="Google Shape;155;p22"/>
+          <p:cNvPr id="183" name="Google Shape;183;p22"/>
           <p:cNvSpPr txBox="1"/>
           <p:nvPr>
-            <p:ph idx="4294967295" type="body"/>
+            <p:ph idx="1" type="body"/>
           </p:nvPr>
         </p:nvSpPr>
         <p:spPr>
           <a:xfrm>
-            <a:off x="432350" y="1451576"/>
-            <a:ext cx="2257200" cy="314400"/>
-          </a:xfrm>
-          <a:prstGeom prst="rect">
-            <a:avLst/>
-          </a:prstGeom>
-        </p:spPr>
-        <p:txBody>
-          <a:bodyPr anchorCtr="0" anchor="ctr" bIns="91425" lIns="91425" spcFirstLastPara="1" rIns="91425" wrap="square" tIns="91425">
-            <a:noAutofit/>
-          </a:bodyPr>
-          <a:lstStyle/>
-          <a:p>
-            <a:pPr indent="0" lvl="0" marL="0" rtl="0" algn="l">
-              <a:lnSpc>
-                <a:spcPct val="100000"/>
-              </a:lnSpc>
-              <a:spcBef>
-                <a:spcPts val="0"/>
-              </a:spcBef>
-              <a:spcAft>
-                <a:spcPts val="0"/>
-              </a:spcAft>
-              <a:buNone/>
-            </a:pPr>
-            <a:r>
-              <a:rPr lang="en">
-                <a:solidFill>
-                  <a:schemeClr val="lt1"/>
-                </a:solidFill>
-              </a:rPr>
-              <a:t>Challenge 1</a:t>
-            </a:r>
-            <a:endParaRPr>
-              <a:solidFill>
-                <a:schemeClr val="lt1"/>
-              </a:solidFill>
-            </a:endParaRPr>
-          </a:p>
-        </p:txBody>
-      </p:sp>
-      <p:sp>
-        <p:nvSpPr>
-          <p:cNvPr id="156" name="Google Shape;156;p22"/>
-          <p:cNvSpPr txBox="1"/>
-          <p:nvPr>
-            <p:ph idx="4294967295" type="body"/>
-          </p:nvPr>
-        </p:nvSpPr>
-        <p:spPr>
-          <a:xfrm>
-            <a:off x="432350" y="2070575"/>
-            <a:ext cx="2471700" cy="2650800"/>
+            <a:off x="311700" y="1229875"/>
+            <a:ext cx="8520600" cy="3339000"/>
           </a:xfrm>
           <a:prstGeom prst="rect">
             <a:avLst/>
@@ -9485,344 +9489,132 @@
               <a:buNone/>
             </a:pPr>
             <a:r>
-              <a:rPr b="1" lang="en" sz="1600"/>
-              <a:t>Find </a:t>
-            </a:r>
-            <a:r>
-              <a:rPr b="1" lang="en" sz="1600"/>
-              <a:t>relevant</a:t>
-            </a:r>
-            <a:r>
-              <a:rPr b="1" lang="en" sz="1600"/>
-              <a:t> attributes</a:t>
-            </a:r>
-            <a:endParaRPr b="1" sz="1600"/>
+              <a:rPr b="1" lang="en" sz="1200" u="sng"/>
+              <a:t>Customer Demographics</a:t>
+            </a:r>
+            <a:endParaRPr b="1" sz="1200" u="sng"/>
+          </a:p>
+          <a:p>
+            <a:pPr indent="-304800" lvl="0" marL="457200" rtl="0" algn="l">
+              <a:spcBef>
+                <a:spcPts val="1600"/>
+              </a:spcBef>
+              <a:spcAft>
+                <a:spcPts val="0"/>
+              </a:spcAft>
+              <a:buSzPts val="1200"/>
+              <a:buChar char="●"/>
+            </a:pPr>
+            <a:r>
+              <a:rPr lang="en" sz="1200"/>
+              <a:t>Annual Income (annual_inc) - Annual income of the customer. Generally higher the income, more chances of loan pass</a:t>
+            </a:r>
+            <a:endParaRPr sz="1200"/>
+          </a:p>
+          <a:p>
+            <a:pPr indent="-304800" lvl="0" marL="457200" rtl="0" algn="l">
+              <a:spcBef>
+                <a:spcPts val="0"/>
+              </a:spcBef>
+              <a:spcAft>
+                <a:spcPts val="0"/>
+              </a:spcAft>
+              <a:buSzPts val="1200"/>
+              <a:buChar char="●"/>
+            </a:pPr>
+            <a:r>
+              <a:rPr lang="en" sz="1200"/>
+              <a:t>Home Ownership (home_ownership) - </a:t>
+            </a:r>
+            <a:r>
+              <a:rPr lang="en" sz="1200"/>
+              <a:t>Whether</a:t>
+            </a:r>
+            <a:r>
+              <a:rPr lang="en" sz="1200"/>
+              <a:t> the customer owns a home or stays rented. Owning a home adds a collateral which increases the chances of loan pass.</a:t>
+            </a:r>
+            <a:endParaRPr sz="1200"/>
+          </a:p>
+          <a:p>
+            <a:pPr indent="-304800" lvl="0" marL="457200" rtl="0" algn="l">
+              <a:spcBef>
+                <a:spcPts val="0"/>
+              </a:spcBef>
+              <a:spcAft>
+                <a:spcPts val="0"/>
+              </a:spcAft>
+              <a:buSzPts val="1200"/>
+              <a:buChar char="●"/>
+            </a:pPr>
+            <a:r>
+              <a:rPr lang="en" sz="1200"/>
+              <a:t>Employment Length (emp_length) - Employment tenure of a customer (this is overall tenure). Higher the tenure, more financial </a:t>
+            </a:r>
+            <a:r>
+              <a:rPr lang="en" sz="1200"/>
+              <a:t>stability</a:t>
+            </a:r>
+            <a:r>
+              <a:rPr lang="en" sz="1200"/>
+              <a:t>, thus higher chances of loan pass</a:t>
+            </a:r>
+            <a:endParaRPr sz="1200"/>
+          </a:p>
+          <a:p>
+            <a:pPr indent="-304800" lvl="0" marL="457200" rtl="0" algn="l">
+              <a:spcBef>
+                <a:spcPts val="0"/>
+              </a:spcBef>
+              <a:spcAft>
+                <a:spcPts val="0"/>
+              </a:spcAft>
+              <a:buSzPts val="1200"/>
+              <a:buChar char="●"/>
+            </a:pPr>
+            <a:r>
+              <a:rPr lang="en" sz="1200"/>
+              <a:t>Debt to Income (dti) - The percentage of the salary which goes towards paying loan. Lower DTI, higher the chances of a loan pass.</a:t>
+            </a:r>
+            <a:endParaRPr sz="1200"/>
+          </a:p>
+          <a:p>
+            <a:pPr indent="-304800" lvl="0" marL="457200" rtl="0" algn="l">
+              <a:spcBef>
+                <a:spcPts val="0"/>
+              </a:spcBef>
+              <a:spcAft>
+                <a:spcPts val="0"/>
+              </a:spcAft>
+              <a:buSzPts val="1200"/>
+              <a:buChar char="●"/>
+            </a:pPr>
+            <a:r>
+              <a:rPr lang="en" sz="1200"/>
+              <a:t>State (addr_state) - Location of the customer. Can be used to create a generic demographic analysis. There could be higher delinquency or defaulters </a:t>
+            </a:r>
+            <a:r>
+              <a:rPr lang="en" sz="1200"/>
+              <a:t>demographically</a:t>
+            </a:r>
+            <a:r>
+              <a:rPr lang="en" sz="1200"/>
+              <a:t>.</a:t>
+            </a:r>
+            <a:endParaRPr sz="1200"/>
           </a:p>
           <a:p>
             <a:pPr indent="0" lvl="0" marL="0" rtl="0" algn="l">
               <a:spcBef>
-                <a:spcPts val="800"/>
-              </a:spcBef>
-              <a:spcAft>
-                <a:spcPts val="800"/>
-              </a:spcAft>
-              <a:buNone/>
-            </a:pPr>
-            <a:r>
-              <a:rPr lang="en" sz="1600"/>
-              <a:t>To find columns which are really significant for analysis and contribute to discover patterns.</a:t>
-            </a:r>
-            <a:endParaRPr sz="1600"/>
-          </a:p>
-        </p:txBody>
-      </p:sp>
-      <p:sp>
-        <p:nvSpPr>
-          <p:cNvPr id="157" name="Google Shape;157;p22"/>
-          <p:cNvSpPr/>
-          <p:nvPr/>
-        </p:nvSpPr>
-        <p:spPr>
-          <a:xfrm>
-            <a:off x="3044777" y="1304875"/>
-            <a:ext cx="2760600" cy="607800"/>
-          </a:xfrm>
-          <a:prstGeom prst="chevron">
-            <a:avLst>
-              <a:gd fmla="val 50000" name="adj"/>
-            </a:avLst>
-          </a:prstGeom>
-          <a:solidFill>
-            <a:schemeClr val="dk1"/>
-          </a:solidFill>
-          <a:ln>
-            <a:noFill/>
-          </a:ln>
-        </p:spPr>
-        <p:txBody>
-          <a:bodyPr anchorCtr="0" anchor="ctr" bIns="121875" lIns="121875" spcFirstLastPara="1" rIns="121875" wrap="square" tIns="121875">
-            <a:noAutofit/>
-          </a:bodyPr>
-          <a:lstStyle/>
-          <a:p>
-            <a:pPr indent="0" lvl="0" marL="0" rtl="0" algn="l">
-              <a:spcBef>
-                <a:spcPts val="0"/>
-              </a:spcBef>
-              <a:spcAft>
-                <a:spcPts val="0"/>
+                <a:spcPts val="1600"/>
+              </a:spcBef>
+              <a:spcAft>
+                <a:spcPts val="1600"/>
               </a:spcAft>
               <a:buNone/>
             </a:pPr>
             <a:r>
               <a:t/>
-            </a:r>
-            <a:endParaRPr/>
-          </a:p>
-        </p:txBody>
-      </p:sp>
-      <p:sp>
-        <p:nvSpPr>
-          <p:cNvPr id="158" name="Google Shape;158;p22"/>
-          <p:cNvSpPr txBox="1"/>
-          <p:nvPr>
-            <p:ph idx="4294967295" type="body"/>
-          </p:nvPr>
-        </p:nvSpPr>
-        <p:spPr>
-          <a:xfrm>
-            <a:off x="3336150" y="1451576"/>
-            <a:ext cx="2257200" cy="314400"/>
-          </a:xfrm>
-          <a:prstGeom prst="rect">
-            <a:avLst/>
-          </a:prstGeom>
-        </p:spPr>
-        <p:txBody>
-          <a:bodyPr anchorCtr="0" anchor="ctr" bIns="91425" lIns="91425" spcFirstLastPara="1" rIns="91425" wrap="square" tIns="91425">
-            <a:noAutofit/>
-          </a:bodyPr>
-          <a:lstStyle/>
-          <a:p>
-            <a:pPr indent="0" lvl="0" marL="0" rtl="0" algn="l">
-              <a:lnSpc>
-                <a:spcPct val="100000"/>
-              </a:lnSpc>
-              <a:spcBef>
-                <a:spcPts val="0"/>
-              </a:spcBef>
-              <a:spcAft>
-                <a:spcPts val="0"/>
-              </a:spcAft>
-              <a:buNone/>
-            </a:pPr>
-            <a:r>
-              <a:rPr lang="en">
-                <a:solidFill>
-                  <a:schemeClr val="lt1"/>
-                </a:solidFill>
-              </a:rPr>
-              <a:t>Challenge 2</a:t>
-            </a:r>
-            <a:endParaRPr>
-              <a:solidFill>
-                <a:schemeClr val="lt1"/>
-              </a:solidFill>
-            </a:endParaRPr>
-          </a:p>
-        </p:txBody>
-      </p:sp>
-      <p:sp>
-        <p:nvSpPr>
-          <p:cNvPr id="159" name="Google Shape;159;p22"/>
-          <p:cNvSpPr txBox="1"/>
-          <p:nvPr>
-            <p:ph idx="4294967295" type="body"/>
-          </p:nvPr>
-        </p:nvSpPr>
-        <p:spPr>
-          <a:xfrm>
-            <a:off x="3336146" y="2070575"/>
-            <a:ext cx="2471700" cy="2650800"/>
-          </a:xfrm>
-          <a:prstGeom prst="rect">
-            <a:avLst/>
-          </a:prstGeom>
-        </p:spPr>
-        <p:txBody>
-          <a:bodyPr anchorCtr="0" anchor="t" bIns="91425" lIns="91425" spcFirstLastPara="1" rIns="91425" wrap="square" tIns="91425">
-            <a:noAutofit/>
-          </a:bodyPr>
-          <a:lstStyle/>
-          <a:p>
-            <a:pPr indent="0" lvl="0" marL="0" rtl="0" algn="l">
-              <a:spcBef>
-                <a:spcPts val="0"/>
-              </a:spcBef>
-              <a:spcAft>
-                <a:spcPts val="0"/>
-              </a:spcAft>
-              <a:buNone/>
-            </a:pPr>
-            <a:r>
-              <a:rPr b="1" lang="en" sz="1500"/>
-              <a:t>Data Correction</a:t>
-            </a:r>
-            <a:endParaRPr b="1" sz="1500"/>
-          </a:p>
-          <a:p>
-            <a:pPr indent="0" lvl="0" marL="0" rtl="0" algn="l">
-              <a:spcBef>
-                <a:spcPts val="800"/>
-              </a:spcBef>
-              <a:spcAft>
-                <a:spcPts val="800"/>
-              </a:spcAft>
-              <a:buNone/>
-            </a:pPr>
-            <a:r>
-              <a:rPr lang="en" sz="1500"/>
-              <a:t>Some of the columns has missing values and data is not in the correct format so data cleansing and standardization is needed. Neatly </a:t>
-            </a:r>
-            <a:r>
-              <a:rPr lang="en" sz="1500"/>
-              <a:t>segregation</a:t>
-            </a:r>
-            <a:r>
-              <a:rPr lang="en" sz="1500"/>
-              <a:t> of categorical and numerical columns.</a:t>
-            </a:r>
-            <a:endParaRPr sz="1500"/>
-          </a:p>
-        </p:txBody>
-      </p:sp>
-      <p:sp>
-        <p:nvSpPr>
-          <p:cNvPr id="160" name="Google Shape;160;p22"/>
-          <p:cNvSpPr/>
-          <p:nvPr/>
-        </p:nvSpPr>
-        <p:spPr>
-          <a:xfrm>
-            <a:off x="5948502" y="1304875"/>
-            <a:ext cx="2760600" cy="607800"/>
-          </a:xfrm>
-          <a:prstGeom prst="chevron">
-            <a:avLst>
-              <a:gd fmla="val 50000" name="adj"/>
-            </a:avLst>
-          </a:prstGeom>
-          <a:solidFill>
-            <a:schemeClr val="dk1"/>
-          </a:solidFill>
-          <a:ln>
-            <a:noFill/>
-          </a:ln>
-        </p:spPr>
-        <p:txBody>
-          <a:bodyPr anchorCtr="0" anchor="ctr" bIns="121875" lIns="121875" spcFirstLastPara="1" rIns="121875" wrap="square" tIns="121875">
-            <a:noAutofit/>
-          </a:bodyPr>
-          <a:lstStyle/>
-          <a:p>
-            <a:pPr indent="0" lvl="0" marL="0" rtl="0" algn="l">
-              <a:spcBef>
-                <a:spcPts val="0"/>
-              </a:spcBef>
-              <a:spcAft>
-                <a:spcPts val="0"/>
-              </a:spcAft>
-              <a:buNone/>
-            </a:pPr>
-            <a:r>
-              <a:t/>
-            </a:r>
-            <a:endParaRPr/>
-          </a:p>
-        </p:txBody>
-      </p:sp>
-      <p:sp>
-        <p:nvSpPr>
-          <p:cNvPr id="161" name="Google Shape;161;p22"/>
-          <p:cNvSpPr txBox="1"/>
-          <p:nvPr>
-            <p:ph idx="4294967295" type="body"/>
-          </p:nvPr>
-        </p:nvSpPr>
-        <p:spPr>
-          <a:xfrm>
-            <a:off x="6254233" y="1451576"/>
-            <a:ext cx="2257200" cy="314400"/>
-          </a:xfrm>
-          <a:prstGeom prst="rect">
-            <a:avLst/>
-          </a:prstGeom>
-        </p:spPr>
-        <p:txBody>
-          <a:bodyPr anchorCtr="0" anchor="ctr" bIns="91425" lIns="91425" spcFirstLastPara="1" rIns="91425" wrap="square" tIns="91425">
-            <a:noAutofit/>
-          </a:bodyPr>
-          <a:lstStyle/>
-          <a:p>
-            <a:pPr indent="0" lvl="0" marL="0" rtl="0" algn="l">
-              <a:lnSpc>
-                <a:spcPct val="100000"/>
-              </a:lnSpc>
-              <a:spcBef>
-                <a:spcPts val="0"/>
-              </a:spcBef>
-              <a:spcAft>
-                <a:spcPts val="0"/>
-              </a:spcAft>
-              <a:buNone/>
-            </a:pPr>
-            <a:r>
-              <a:rPr lang="en">
-                <a:solidFill>
-                  <a:schemeClr val="lt1"/>
-                </a:solidFill>
-              </a:rPr>
-              <a:t>Challenge 3</a:t>
-            </a:r>
-            <a:endParaRPr>
-              <a:solidFill>
-                <a:schemeClr val="lt1"/>
-              </a:solidFill>
-            </a:endParaRPr>
-          </a:p>
-        </p:txBody>
-      </p:sp>
-      <p:sp>
-        <p:nvSpPr>
-          <p:cNvPr id="162" name="Google Shape;162;p22"/>
-          <p:cNvSpPr txBox="1"/>
-          <p:nvPr>
-            <p:ph idx="4294967295" type="body"/>
-          </p:nvPr>
-        </p:nvSpPr>
-        <p:spPr>
-          <a:xfrm>
-            <a:off x="6254226" y="2070575"/>
-            <a:ext cx="2471700" cy="2650800"/>
-          </a:xfrm>
-          <a:prstGeom prst="rect">
-            <a:avLst/>
-          </a:prstGeom>
-        </p:spPr>
-        <p:txBody>
-          <a:bodyPr anchorCtr="0" anchor="t" bIns="91425" lIns="91425" spcFirstLastPara="1" rIns="91425" wrap="square" tIns="91425">
-            <a:noAutofit/>
-          </a:bodyPr>
-          <a:lstStyle/>
-          <a:p>
-            <a:pPr indent="0" lvl="0" marL="0" rtl="0" algn="l">
-              <a:spcBef>
-                <a:spcPts val="0"/>
-              </a:spcBef>
-              <a:spcAft>
-                <a:spcPts val="0"/>
-              </a:spcAft>
-              <a:buNone/>
-            </a:pPr>
-            <a:r>
-              <a:rPr b="1" lang="en" sz="1600"/>
-              <a:t>Discover Relations in attributes</a:t>
-            </a:r>
-            <a:endParaRPr b="1" sz="1600"/>
-          </a:p>
-          <a:p>
-            <a:pPr indent="0" lvl="0" marL="0" rtl="0" algn="l">
-              <a:spcBef>
-                <a:spcPts val="800"/>
-              </a:spcBef>
-              <a:spcAft>
-                <a:spcPts val="800"/>
-              </a:spcAft>
-              <a:buNone/>
-            </a:pPr>
-            <a:r>
-              <a:rPr lang="en" sz="1200"/>
-              <a:t>Once data will be in correct format then on remaining columns we need to do analysis and find patterns which affects `loan_status` variable with respect to other variables by using EDA (Univariate, Bivariate, Multivariate) Analysis.</a:t>
             </a:r>
             <a:endParaRPr sz="1200"/>
           </a:p>
@@ -9841,7 +9633,7 @@
   <p:cSld>
     <p:spTree>
       <p:nvGrpSpPr>
-        <p:cNvPr id="166" name="Shape 166"/>
+        <p:cNvPr id="187" name="Shape 187"/>
         <p:cNvGrpSpPr/>
         <p:nvPr/>
       </p:nvGrpSpPr>
@@ -9855,1350 +9647,7 @@
       </p:grpSpPr>
       <p:sp>
         <p:nvSpPr>
-          <p:cNvPr id="167" name="Google Shape;167;p23"/>
-          <p:cNvSpPr txBox="1"/>
-          <p:nvPr>
-            <p:ph type="title"/>
-          </p:nvPr>
-        </p:nvSpPr>
-        <p:spPr>
-          <a:xfrm>
-            <a:off x="598100" y="2152347"/>
-            <a:ext cx="8222100" cy="838800"/>
-          </a:xfrm>
-          <a:prstGeom prst="rect">
-            <a:avLst/>
-          </a:prstGeom>
-        </p:spPr>
-        <p:txBody>
-          <a:bodyPr anchorCtr="0" anchor="ctr" bIns="91425" lIns="91425" spcFirstLastPara="1" rIns="91425" wrap="square" tIns="91425">
-            <a:noAutofit/>
-          </a:bodyPr>
-          <a:lstStyle/>
-          <a:p>
-            <a:pPr indent="0" lvl="0" marL="0" rtl="0" algn="l">
-              <a:spcBef>
-                <a:spcPts val="0"/>
-              </a:spcBef>
-              <a:spcAft>
-                <a:spcPts val="0"/>
-              </a:spcAft>
-              <a:buNone/>
-            </a:pPr>
-            <a:r>
-              <a:rPr lang="en"/>
-              <a:t>Approach</a:t>
-            </a:r>
-            <a:endParaRPr/>
-          </a:p>
-        </p:txBody>
-      </p:sp>
-    </p:spTree>
-  </p:cSld>
-  <p:clrMapOvr>
-    <a:masterClrMapping/>
-  </p:clrMapOvr>
-</p:sld>
-</file>
-
-<file path=ppt/slides/slide12.xml><?xml version="1.0" encoding="utf-8"?>
-<p:sld xmlns:a="http://schemas.openxmlformats.org/drawingml/2006/main" xmlns:r="http://schemas.openxmlformats.org/officeDocument/2006/relationships" xmlns:mc="http://schemas.openxmlformats.org/markup-compatibility/2006" xmlns:mv="urn:schemas-microsoft-com:mac:vml" xmlns:p="http://schemas.openxmlformats.org/presentationml/2006/main" xmlns:c="http://schemas.openxmlformats.org/drawingml/2006/chart" xmlns:dgm="http://schemas.openxmlformats.org/drawingml/2006/diagram" xmlns:o="urn:schemas-microsoft-com:office:office" xmlns:v="urn:schemas-microsoft-com:vml" xmlns:pvml="urn:schemas-microsoft-com:office:powerpoint" xmlns:com="http://schemas.openxmlformats.org/drawingml/2006/compatibility" xmlns:p14="http://schemas.microsoft.com/office/powerpoint/2010/main" xmlns:p15="http://schemas.microsoft.com/office/powerpoint/2012/main" xmlns:ahyp="http://schemas.microsoft.com/office/drawing/2018/hyperlinkcolor">
-  <p:cSld>
-    <p:spTree>
-      <p:nvGrpSpPr>
-        <p:cNvPr id="171" name="Shape 171"/>
-        <p:cNvGrpSpPr/>
-        <p:nvPr/>
-      </p:nvGrpSpPr>
-      <p:grpSpPr>
-        <a:xfrm>
-          <a:off x="0" y="0"/>
-          <a:ext cx="0" cy="0"/>
-          <a:chOff x="0" y="0"/>
-          <a:chExt cx="0" cy="0"/>
-        </a:xfrm>
-      </p:grpSpPr>
-      <p:sp>
-        <p:nvSpPr>
-          <p:cNvPr descr="Background pointer shape in timeline graphic" id="172" name="Google Shape;172;p24"/>
-          <p:cNvSpPr/>
-          <p:nvPr/>
-        </p:nvSpPr>
-        <p:spPr>
-          <a:xfrm>
-            <a:off x="340934" y="2199000"/>
-            <a:ext cx="1872300" cy="745500"/>
-          </a:xfrm>
-          <a:prstGeom prst="homePlate">
-            <a:avLst>
-              <a:gd fmla="val 50000" name="adj"/>
-            </a:avLst>
-          </a:prstGeom>
-          <a:solidFill>
-            <a:schemeClr val="dk1"/>
-          </a:solidFill>
-          <a:ln cap="flat" cmpd="sng" w="9525">
-            <a:solidFill>
-              <a:schemeClr val="lt1"/>
-            </a:solidFill>
-            <a:prstDash val="solid"/>
-            <a:round/>
-            <a:headEnd len="sm" w="sm" type="none"/>
-            <a:tailEnd len="sm" w="sm" type="none"/>
-          </a:ln>
-        </p:spPr>
-        <p:txBody>
-          <a:bodyPr anchorCtr="0" anchor="ctr" bIns="121875" lIns="121875" spcFirstLastPara="1" rIns="121875" wrap="square" tIns="121875">
-            <a:noAutofit/>
-          </a:bodyPr>
-          <a:lstStyle/>
-          <a:p>
-            <a:pPr indent="0" lvl="0" marL="0" rtl="0" algn="l">
-              <a:spcBef>
-                <a:spcPts val="0"/>
-              </a:spcBef>
-              <a:spcAft>
-                <a:spcPts val="0"/>
-              </a:spcAft>
-              <a:buNone/>
-            </a:pPr>
-            <a:r>
-              <a:t/>
-            </a:r>
-            <a:endParaRPr/>
-          </a:p>
-        </p:txBody>
-      </p:sp>
-      <p:sp>
-        <p:nvSpPr>
-          <p:cNvPr id="173" name="Google Shape;173;p24"/>
-          <p:cNvSpPr txBox="1"/>
-          <p:nvPr>
-            <p:ph idx="4294967295" type="body"/>
-          </p:nvPr>
-        </p:nvSpPr>
-        <p:spPr>
-          <a:xfrm>
-            <a:off x="340925" y="2336550"/>
-            <a:ext cx="1542600" cy="470400"/>
-          </a:xfrm>
-          <a:prstGeom prst="rect">
-            <a:avLst/>
-          </a:prstGeom>
-        </p:spPr>
-        <p:txBody>
-          <a:bodyPr anchorCtr="0" anchor="ctr" bIns="91425" lIns="91425" spcFirstLastPara="1" rIns="91425" wrap="square" tIns="91425">
-            <a:noAutofit/>
-          </a:bodyPr>
-          <a:lstStyle/>
-          <a:p>
-            <a:pPr indent="0" lvl="0" marL="0" rtl="0" algn="ctr">
-              <a:lnSpc>
-                <a:spcPct val="100000"/>
-              </a:lnSpc>
-              <a:spcBef>
-                <a:spcPts val="0"/>
-              </a:spcBef>
-              <a:spcAft>
-                <a:spcPts val="0"/>
-              </a:spcAft>
-              <a:buNone/>
-            </a:pPr>
-            <a:r>
-              <a:rPr lang="en" sz="1600">
-                <a:solidFill>
-                  <a:schemeClr val="lt1"/>
-                </a:solidFill>
-              </a:rPr>
-              <a:t>Data Preprocessing</a:t>
-            </a:r>
-            <a:endParaRPr sz="1600">
-              <a:solidFill>
-                <a:schemeClr val="lt1"/>
-              </a:solidFill>
-            </a:endParaRPr>
-          </a:p>
-        </p:txBody>
-      </p:sp>
-      <p:grpSp>
-        <p:nvGrpSpPr>
-          <p:cNvPr id="174" name="Google Shape;174;p24"/>
-          <p:cNvGrpSpPr/>
-          <p:nvPr/>
-        </p:nvGrpSpPr>
-        <p:grpSpPr>
-          <a:xfrm>
-            <a:off x="969270" y="1610215"/>
-            <a:ext cx="198900" cy="593656"/>
-            <a:chOff x="777447" y="1610215"/>
-            <a:chExt cx="198900" cy="593656"/>
-          </a:xfrm>
-        </p:grpSpPr>
-        <p:cxnSp>
-          <p:nvCxnSpPr>
-            <p:cNvPr id="175" name="Google Shape;175;p24"/>
-            <p:cNvCxnSpPr/>
-            <p:nvPr/>
-          </p:nvCxnSpPr>
-          <p:spPr>
-            <a:xfrm>
-              <a:off x="876909" y="1649171"/>
-              <a:ext cx="0" cy="554700"/>
-            </a:xfrm>
-            <a:prstGeom prst="straightConnector1">
-              <a:avLst/>
-            </a:prstGeom>
-            <a:noFill/>
-            <a:ln cap="flat" cmpd="sng" w="9525">
-              <a:solidFill>
-                <a:schemeClr val="dk2"/>
-              </a:solidFill>
-              <a:prstDash val="solid"/>
-              <a:round/>
-              <a:headEnd len="sm" w="sm" type="none"/>
-              <a:tailEnd len="sm" w="sm" type="none"/>
-            </a:ln>
-          </p:spPr>
-        </p:cxnSp>
-        <p:sp>
-          <p:nvSpPr>
-            <p:cNvPr id="176" name="Google Shape;176;p24"/>
-            <p:cNvSpPr/>
-            <p:nvPr/>
-          </p:nvSpPr>
-          <p:spPr>
-            <a:xfrm>
-              <a:off x="777447" y="1610215"/>
-              <a:ext cx="198900" cy="198900"/>
-            </a:xfrm>
-            <a:prstGeom prst="ellipse">
-              <a:avLst/>
-            </a:prstGeom>
-            <a:solidFill>
-              <a:schemeClr val="dk1"/>
-            </a:solidFill>
-            <a:ln>
-              <a:noFill/>
-            </a:ln>
-          </p:spPr>
-          <p:txBody>
-            <a:bodyPr anchorCtr="0" anchor="ctr" bIns="91425" lIns="91425" spcFirstLastPara="1" rIns="91425" wrap="square" tIns="91425">
-              <a:noAutofit/>
-            </a:bodyPr>
-            <a:lstStyle/>
-            <a:p>
-              <a:pPr indent="0" lvl="0" marL="0" rtl="0" algn="l">
-                <a:spcBef>
-                  <a:spcPts val="0"/>
-                </a:spcBef>
-                <a:spcAft>
-                  <a:spcPts val="0"/>
-                </a:spcAft>
-                <a:buNone/>
-              </a:pPr>
-              <a:r>
-                <a:t/>
-              </a:r>
-              <a:endParaRPr/>
-            </a:p>
-          </p:txBody>
-        </p:sp>
-      </p:grpSp>
-      <p:sp>
-        <p:nvSpPr>
-          <p:cNvPr id="177" name="Google Shape;177;p24"/>
-          <p:cNvSpPr txBox="1"/>
-          <p:nvPr>
-            <p:ph idx="4294967295" type="body"/>
-          </p:nvPr>
-        </p:nvSpPr>
-        <p:spPr>
-          <a:xfrm>
-            <a:off x="318375" y="385667"/>
-            <a:ext cx="2242800" cy="906300"/>
-          </a:xfrm>
-          <a:prstGeom prst="rect">
-            <a:avLst/>
-          </a:prstGeom>
-        </p:spPr>
-        <p:txBody>
-          <a:bodyPr anchorCtr="0" anchor="t" bIns="91425" lIns="91425" spcFirstLastPara="1" rIns="91425" wrap="square" tIns="91425">
-            <a:noAutofit/>
-          </a:bodyPr>
-          <a:lstStyle/>
-          <a:p>
-            <a:pPr indent="0" lvl="0" marL="0" rtl="0" algn="l">
-              <a:spcBef>
-                <a:spcPts val="0"/>
-              </a:spcBef>
-              <a:spcAft>
-                <a:spcPts val="0"/>
-              </a:spcAft>
-              <a:buNone/>
-            </a:pPr>
-            <a:r>
-              <a:rPr lang="en" sz="1200">
-                <a:solidFill>
-                  <a:srgbClr val="24292E"/>
-                </a:solidFill>
-                <a:highlight>
-                  <a:srgbClr val="FFFFFF"/>
-                </a:highlight>
-                <a:latin typeface="Arial"/>
-                <a:ea typeface="Arial"/>
-                <a:cs typeface="Arial"/>
-                <a:sym typeface="Arial"/>
-              </a:rPr>
-              <a:t>Data Cleaning &amp; Manipulation</a:t>
-            </a:r>
-            <a:endParaRPr sz="1200">
-              <a:solidFill>
-                <a:srgbClr val="24292E"/>
-              </a:solidFill>
-              <a:highlight>
-                <a:srgbClr val="FFFFFF"/>
-              </a:highlight>
-              <a:latin typeface="Arial"/>
-              <a:ea typeface="Arial"/>
-              <a:cs typeface="Arial"/>
-              <a:sym typeface="Arial"/>
-            </a:endParaRPr>
-          </a:p>
-          <a:p>
-            <a:pPr indent="0" lvl="0" marL="0" rtl="0" algn="l">
-              <a:spcBef>
-                <a:spcPts val="1600"/>
-              </a:spcBef>
-              <a:spcAft>
-                <a:spcPts val="1600"/>
-              </a:spcAft>
-              <a:buNone/>
-            </a:pPr>
-            <a:r>
-              <a:rPr lang="en" sz="1200">
-                <a:solidFill>
-                  <a:srgbClr val="24292E"/>
-                </a:solidFill>
-                <a:highlight>
-                  <a:srgbClr val="FFFFFF"/>
-                </a:highlight>
-                <a:latin typeface="Arial"/>
-                <a:ea typeface="Arial"/>
-                <a:cs typeface="Arial"/>
-                <a:sym typeface="Arial"/>
-              </a:rPr>
-              <a:t>Handling Missing Values</a:t>
-            </a:r>
-            <a:endParaRPr sz="1200">
-              <a:solidFill>
-                <a:srgbClr val="24292E"/>
-              </a:solidFill>
-              <a:highlight>
-                <a:srgbClr val="FFFFFF"/>
-              </a:highlight>
-              <a:latin typeface="Arial"/>
-              <a:ea typeface="Arial"/>
-              <a:cs typeface="Arial"/>
-              <a:sym typeface="Arial"/>
-            </a:endParaRPr>
-          </a:p>
-        </p:txBody>
-      </p:sp>
-      <p:sp>
-        <p:nvSpPr>
-          <p:cNvPr descr="Background pointer shape in timeline graphic" id="178" name="Google Shape;178;p24"/>
-          <p:cNvSpPr/>
-          <p:nvPr/>
-        </p:nvSpPr>
-        <p:spPr>
-          <a:xfrm>
-            <a:off x="1817054" y="2199000"/>
-            <a:ext cx="2051100" cy="745500"/>
-          </a:xfrm>
-          <a:prstGeom prst="chevron">
-            <a:avLst>
-              <a:gd fmla="val 50000" name="adj"/>
-            </a:avLst>
-          </a:prstGeom>
-          <a:solidFill>
-            <a:schemeClr val="dk1"/>
-          </a:solidFill>
-          <a:ln cap="flat" cmpd="sng" w="9525">
-            <a:solidFill>
-              <a:schemeClr val="lt1"/>
-            </a:solidFill>
-            <a:prstDash val="solid"/>
-            <a:round/>
-            <a:headEnd len="sm" w="sm" type="none"/>
-            <a:tailEnd len="sm" w="sm" type="none"/>
-          </a:ln>
-        </p:spPr>
-        <p:txBody>
-          <a:bodyPr anchorCtr="0" anchor="ctr" bIns="121875" lIns="121875" spcFirstLastPara="1" rIns="121875" wrap="square" tIns="121875">
-            <a:noAutofit/>
-          </a:bodyPr>
-          <a:lstStyle/>
-          <a:p>
-            <a:pPr indent="0" lvl="0" marL="0" rtl="0" algn="l">
-              <a:spcBef>
-                <a:spcPts val="0"/>
-              </a:spcBef>
-              <a:spcAft>
-                <a:spcPts val="0"/>
-              </a:spcAft>
-              <a:buNone/>
-            </a:pPr>
-            <a:r>
-              <a:t/>
-            </a:r>
-            <a:endParaRPr/>
-          </a:p>
-        </p:txBody>
-      </p:sp>
-      <p:sp>
-        <p:nvSpPr>
-          <p:cNvPr id="179" name="Google Shape;179;p24"/>
-          <p:cNvSpPr txBox="1"/>
-          <p:nvPr>
-            <p:ph idx="4294967295" type="body"/>
-          </p:nvPr>
-        </p:nvSpPr>
-        <p:spPr>
-          <a:xfrm>
-            <a:off x="2126326" y="2336550"/>
-            <a:ext cx="1542600" cy="470400"/>
-          </a:xfrm>
-          <a:prstGeom prst="rect">
-            <a:avLst/>
-          </a:prstGeom>
-        </p:spPr>
-        <p:txBody>
-          <a:bodyPr anchorCtr="0" anchor="ctr" bIns="91425" lIns="91425" spcFirstLastPara="1" rIns="91425" wrap="square" tIns="91425">
-            <a:noAutofit/>
-          </a:bodyPr>
-          <a:lstStyle/>
-          <a:p>
-            <a:pPr indent="0" lvl="0" marL="0" rtl="0" algn="ctr">
-              <a:lnSpc>
-                <a:spcPct val="100000"/>
-              </a:lnSpc>
-              <a:spcBef>
-                <a:spcPts val="0"/>
-              </a:spcBef>
-              <a:spcAft>
-                <a:spcPts val="0"/>
-              </a:spcAft>
-              <a:buNone/>
-            </a:pPr>
-            <a:r>
-              <a:rPr lang="en" sz="1600">
-                <a:solidFill>
-                  <a:schemeClr val="lt1"/>
-                </a:solidFill>
-              </a:rPr>
-              <a:t>Data Interpretation</a:t>
-            </a:r>
-            <a:endParaRPr sz="1600">
-              <a:solidFill>
-                <a:schemeClr val="lt1"/>
-              </a:solidFill>
-            </a:endParaRPr>
-          </a:p>
-        </p:txBody>
-      </p:sp>
-      <p:grpSp>
-        <p:nvGrpSpPr>
-          <p:cNvPr id="180" name="Google Shape;180;p24"/>
-          <p:cNvGrpSpPr/>
-          <p:nvPr/>
-        </p:nvGrpSpPr>
-        <p:grpSpPr>
-          <a:xfrm>
-            <a:off x="2684632" y="2938958"/>
-            <a:ext cx="198900" cy="593656"/>
-            <a:chOff x="2223534" y="2938958"/>
-            <a:chExt cx="198900" cy="593656"/>
-          </a:xfrm>
-        </p:grpSpPr>
-        <p:cxnSp>
-          <p:nvCxnSpPr>
-            <p:cNvPr id="181" name="Google Shape;181;p24"/>
-            <p:cNvCxnSpPr/>
-            <p:nvPr/>
-          </p:nvCxnSpPr>
-          <p:spPr>
-            <a:xfrm rot="10800000">
-              <a:off x="2322997" y="2938958"/>
-              <a:ext cx="0" cy="554700"/>
-            </a:xfrm>
-            <a:prstGeom prst="straightConnector1">
-              <a:avLst/>
-            </a:prstGeom>
-            <a:noFill/>
-            <a:ln cap="flat" cmpd="sng" w="9525">
-              <a:solidFill>
-                <a:schemeClr val="dk2"/>
-              </a:solidFill>
-              <a:prstDash val="solid"/>
-              <a:round/>
-              <a:headEnd len="sm" w="sm" type="none"/>
-              <a:tailEnd len="sm" w="sm" type="none"/>
-            </a:ln>
-          </p:spPr>
-        </p:cxnSp>
-        <p:sp>
-          <p:nvSpPr>
-            <p:cNvPr id="182" name="Google Shape;182;p24"/>
-            <p:cNvSpPr/>
-            <p:nvPr/>
-          </p:nvSpPr>
-          <p:spPr>
-            <a:xfrm flipH="1" rot="10800000">
-              <a:off x="2223534" y="3333714"/>
-              <a:ext cx="198900" cy="198900"/>
-            </a:xfrm>
-            <a:prstGeom prst="ellipse">
-              <a:avLst/>
-            </a:prstGeom>
-            <a:solidFill>
-              <a:schemeClr val="dk1"/>
-            </a:solidFill>
-            <a:ln>
-              <a:noFill/>
-            </a:ln>
-          </p:spPr>
-          <p:txBody>
-            <a:bodyPr anchorCtr="0" anchor="ctr" bIns="91425" lIns="91425" spcFirstLastPara="1" rIns="91425" wrap="square" tIns="91425">
-              <a:noAutofit/>
-            </a:bodyPr>
-            <a:lstStyle/>
-            <a:p>
-              <a:pPr indent="0" lvl="0" marL="0" rtl="0" algn="l">
-                <a:spcBef>
-                  <a:spcPts val="0"/>
-                </a:spcBef>
-                <a:spcAft>
-                  <a:spcPts val="0"/>
-                </a:spcAft>
-                <a:buNone/>
-              </a:pPr>
-              <a:r>
-                <a:t/>
-              </a:r>
-              <a:endParaRPr/>
-            </a:p>
-          </p:txBody>
-        </p:sp>
-      </p:grpSp>
-      <p:sp>
-        <p:nvSpPr>
-          <p:cNvPr id="183" name="Google Shape;183;p24"/>
-          <p:cNvSpPr txBox="1"/>
-          <p:nvPr>
-            <p:ph idx="4294967295" type="body"/>
-          </p:nvPr>
-        </p:nvSpPr>
-        <p:spPr>
-          <a:xfrm>
-            <a:off x="1244325" y="3757725"/>
-            <a:ext cx="2523300" cy="1198500"/>
-          </a:xfrm>
-          <a:prstGeom prst="rect">
-            <a:avLst/>
-          </a:prstGeom>
-        </p:spPr>
-        <p:txBody>
-          <a:bodyPr anchorCtr="0" anchor="t" bIns="91425" lIns="91425" spcFirstLastPara="1" rIns="91425" wrap="square" tIns="91425">
-            <a:noAutofit/>
-          </a:bodyPr>
-          <a:lstStyle/>
-          <a:p>
-            <a:pPr indent="0" lvl="0" marL="0" rtl="0" algn="l">
-              <a:spcBef>
-                <a:spcPts val="0"/>
-              </a:spcBef>
-              <a:spcAft>
-                <a:spcPts val="1600"/>
-              </a:spcAft>
-              <a:buNone/>
-            </a:pPr>
-            <a:r>
-              <a:rPr lang="en" sz="1200">
-                <a:solidFill>
-                  <a:srgbClr val="24292E"/>
-                </a:solidFill>
-                <a:highlight>
-                  <a:srgbClr val="FFFFFF"/>
-                </a:highlight>
-                <a:latin typeface="Arial"/>
-                <a:ea typeface="Arial"/>
-                <a:cs typeface="Arial"/>
-                <a:sym typeface="Arial"/>
-              </a:rPr>
-              <a:t>Dropping Rows - where loan_status = “Current” because </a:t>
-            </a:r>
-            <a:r>
-              <a:rPr lang="en" sz="1200">
-                <a:solidFill>
-                  <a:srgbClr val="24292E"/>
-                </a:solidFill>
-                <a:highlight>
-                  <a:srgbClr val="FFFFFF"/>
-                </a:highlight>
-                <a:latin typeface="Arial"/>
-                <a:ea typeface="Arial"/>
-                <a:cs typeface="Arial"/>
-                <a:sym typeface="Arial"/>
-              </a:rPr>
-              <a:t>these</a:t>
-            </a:r>
-            <a:r>
-              <a:rPr lang="en" sz="1200">
-                <a:solidFill>
-                  <a:srgbClr val="24292E"/>
-                </a:solidFill>
-                <a:highlight>
-                  <a:srgbClr val="FFFFFF"/>
-                </a:highlight>
-                <a:latin typeface="Arial"/>
-                <a:ea typeface="Arial"/>
-                <a:cs typeface="Arial"/>
-                <a:sym typeface="Arial"/>
-              </a:rPr>
-              <a:t> loans are in progress and will not contribute in the decision making of pass or fail of the loan.</a:t>
-            </a:r>
-            <a:endParaRPr sz="1600"/>
-          </a:p>
-        </p:txBody>
-      </p:sp>
-      <p:sp>
-        <p:nvSpPr>
-          <p:cNvPr descr="Background pointer shape in timeline graphic" id="184" name="Google Shape;184;p24"/>
-          <p:cNvSpPr/>
-          <p:nvPr/>
-        </p:nvSpPr>
-        <p:spPr>
-          <a:xfrm>
-            <a:off x="3471973" y="2199000"/>
-            <a:ext cx="2051100" cy="745500"/>
-          </a:xfrm>
-          <a:prstGeom prst="chevron">
-            <a:avLst>
-              <a:gd fmla="val 50000" name="adj"/>
-            </a:avLst>
-          </a:prstGeom>
-          <a:solidFill>
-            <a:schemeClr val="dk1"/>
-          </a:solidFill>
-          <a:ln cap="flat" cmpd="sng" w="9525">
-            <a:solidFill>
-              <a:schemeClr val="lt1"/>
-            </a:solidFill>
-            <a:prstDash val="solid"/>
-            <a:round/>
-            <a:headEnd len="sm" w="sm" type="none"/>
-            <a:tailEnd len="sm" w="sm" type="none"/>
-          </a:ln>
-        </p:spPr>
-        <p:txBody>
-          <a:bodyPr anchorCtr="0" anchor="ctr" bIns="121875" lIns="121875" spcFirstLastPara="1" rIns="121875" wrap="square" tIns="121875">
-            <a:noAutofit/>
-          </a:bodyPr>
-          <a:lstStyle/>
-          <a:p>
-            <a:pPr indent="0" lvl="0" marL="0" rtl="0" algn="l">
-              <a:spcBef>
-                <a:spcPts val="0"/>
-              </a:spcBef>
-              <a:spcAft>
-                <a:spcPts val="0"/>
-              </a:spcAft>
-              <a:buNone/>
-            </a:pPr>
-            <a:r>
-              <a:t/>
-            </a:r>
-            <a:endParaRPr/>
-          </a:p>
-        </p:txBody>
-      </p:sp>
-      <p:sp>
-        <p:nvSpPr>
-          <p:cNvPr id="185" name="Google Shape;185;p24"/>
-          <p:cNvSpPr txBox="1"/>
-          <p:nvPr>
-            <p:ph idx="4294967295" type="body"/>
-          </p:nvPr>
-        </p:nvSpPr>
-        <p:spPr>
-          <a:xfrm>
-            <a:off x="3767755" y="2336550"/>
-            <a:ext cx="1315500" cy="470400"/>
-          </a:xfrm>
-          <a:prstGeom prst="rect">
-            <a:avLst/>
-          </a:prstGeom>
-        </p:spPr>
-        <p:txBody>
-          <a:bodyPr anchorCtr="0" anchor="ctr" bIns="91425" lIns="91425" spcFirstLastPara="1" rIns="91425" wrap="square" tIns="91425">
-            <a:noAutofit/>
-          </a:bodyPr>
-          <a:lstStyle/>
-          <a:p>
-            <a:pPr indent="0" lvl="0" marL="0" rtl="0" algn="ctr">
-              <a:lnSpc>
-                <a:spcPct val="100000"/>
-              </a:lnSpc>
-              <a:spcBef>
-                <a:spcPts val="0"/>
-              </a:spcBef>
-              <a:spcAft>
-                <a:spcPts val="0"/>
-              </a:spcAft>
-              <a:buNone/>
-            </a:pPr>
-            <a:r>
-              <a:rPr lang="en" sz="1600">
-                <a:solidFill>
-                  <a:schemeClr val="lt1"/>
-                </a:solidFill>
-              </a:rPr>
-              <a:t>Standardization</a:t>
-            </a:r>
-            <a:endParaRPr sz="1600">
-              <a:solidFill>
-                <a:schemeClr val="lt1"/>
-              </a:solidFill>
-            </a:endParaRPr>
-          </a:p>
-        </p:txBody>
-      </p:sp>
-      <p:grpSp>
-        <p:nvGrpSpPr>
-          <p:cNvPr id="186" name="Google Shape;186;p24"/>
-          <p:cNvGrpSpPr/>
-          <p:nvPr/>
-        </p:nvGrpSpPr>
-        <p:grpSpPr>
-          <a:xfrm>
-            <a:off x="4319545" y="1610215"/>
-            <a:ext cx="198900" cy="593656"/>
-            <a:chOff x="3918084" y="1610215"/>
-            <a:chExt cx="198900" cy="593656"/>
-          </a:xfrm>
-        </p:grpSpPr>
-        <p:cxnSp>
-          <p:nvCxnSpPr>
-            <p:cNvPr id="187" name="Google Shape;187;p24"/>
-            <p:cNvCxnSpPr/>
-            <p:nvPr/>
-          </p:nvCxnSpPr>
-          <p:spPr>
-            <a:xfrm>
-              <a:off x="4017546" y="1649171"/>
-              <a:ext cx="0" cy="554700"/>
-            </a:xfrm>
-            <a:prstGeom prst="straightConnector1">
-              <a:avLst/>
-            </a:prstGeom>
-            <a:noFill/>
-            <a:ln cap="flat" cmpd="sng" w="9525">
-              <a:solidFill>
-                <a:schemeClr val="dk2"/>
-              </a:solidFill>
-              <a:prstDash val="solid"/>
-              <a:round/>
-              <a:headEnd len="sm" w="sm" type="none"/>
-              <a:tailEnd len="sm" w="sm" type="none"/>
-            </a:ln>
-          </p:spPr>
-        </p:cxnSp>
-        <p:sp>
-          <p:nvSpPr>
-            <p:cNvPr id="188" name="Google Shape;188;p24"/>
-            <p:cNvSpPr/>
-            <p:nvPr/>
-          </p:nvSpPr>
-          <p:spPr>
-            <a:xfrm>
-              <a:off x="3918084" y="1610215"/>
-              <a:ext cx="198900" cy="198900"/>
-            </a:xfrm>
-            <a:prstGeom prst="ellipse">
-              <a:avLst/>
-            </a:prstGeom>
-            <a:solidFill>
-              <a:schemeClr val="dk1"/>
-            </a:solidFill>
-            <a:ln>
-              <a:noFill/>
-            </a:ln>
-          </p:spPr>
-          <p:txBody>
-            <a:bodyPr anchorCtr="0" anchor="ctr" bIns="91425" lIns="91425" spcFirstLastPara="1" rIns="91425" wrap="square" tIns="91425">
-              <a:noAutofit/>
-            </a:bodyPr>
-            <a:lstStyle/>
-            <a:p>
-              <a:pPr indent="0" lvl="0" marL="0" rtl="0" algn="l">
-                <a:spcBef>
-                  <a:spcPts val="0"/>
-                </a:spcBef>
-                <a:spcAft>
-                  <a:spcPts val="0"/>
-                </a:spcAft>
-                <a:buNone/>
-              </a:pPr>
-              <a:r>
-                <a:t/>
-              </a:r>
-              <a:endParaRPr/>
-            </a:p>
-          </p:txBody>
-        </p:sp>
-      </p:grpSp>
-      <p:sp>
-        <p:nvSpPr>
-          <p:cNvPr id="189" name="Google Shape;189;p24"/>
-          <p:cNvSpPr txBox="1"/>
-          <p:nvPr>
-            <p:ph idx="4294967295" type="body"/>
-          </p:nvPr>
-        </p:nvSpPr>
-        <p:spPr>
-          <a:xfrm>
-            <a:off x="3304100" y="385677"/>
-            <a:ext cx="2242800" cy="1092000"/>
-          </a:xfrm>
-          <a:prstGeom prst="rect">
-            <a:avLst/>
-          </a:prstGeom>
-        </p:spPr>
-        <p:txBody>
-          <a:bodyPr anchorCtr="0" anchor="t" bIns="91425" lIns="91425" spcFirstLastPara="1" rIns="91425" wrap="square" tIns="91425">
-            <a:noAutofit/>
-          </a:bodyPr>
-          <a:lstStyle/>
-          <a:p>
-            <a:pPr indent="0" lvl="0" marL="0" rtl="0" algn="l">
-              <a:spcBef>
-                <a:spcPts val="0"/>
-              </a:spcBef>
-              <a:spcAft>
-                <a:spcPts val="1600"/>
-              </a:spcAft>
-              <a:buNone/>
-            </a:pPr>
-            <a:r>
-              <a:rPr lang="en" sz="1100"/>
-              <a:t>Data standardization and converting to correct data types and common functions to create plots and graphs and Metrics Derivation and Binning</a:t>
-            </a:r>
-            <a:endParaRPr sz="1100"/>
-          </a:p>
-        </p:txBody>
-      </p:sp>
-      <p:sp>
-        <p:nvSpPr>
-          <p:cNvPr descr="Background pointer shape in timeline graphic" id="190" name="Google Shape;190;p24"/>
-          <p:cNvSpPr/>
-          <p:nvPr/>
-        </p:nvSpPr>
-        <p:spPr>
-          <a:xfrm>
-            <a:off x="5126893" y="2199000"/>
-            <a:ext cx="2051100" cy="745500"/>
-          </a:xfrm>
-          <a:prstGeom prst="chevron">
-            <a:avLst>
-              <a:gd fmla="val 50000" name="adj"/>
-            </a:avLst>
-          </a:prstGeom>
-          <a:solidFill>
-            <a:schemeClr val="dk1"/>
-          </a:solidFill>
-          <a:ln cap="flat" cmpd="sng" w="9525">
-            <a:solidFill>
-              <a:schemeClr val="lt1"/>
-            </a:solidFill>
-            <a:prstDash val="solid"/>
-            <a:round/>
-            <a:headEnd len="sm" w="sm" type="none"/>
-            <a:tailEnd len="sm" w="sm" type="none"/>
-          </a:ln>
-        </p:spPr>
-        <p:txBody>
-          <a:bodyPr anchorCtr="0" anchor="ctr" bIns="121875" lIns="121875" spcFirstLastPara="1" rIns="121875" wrap="square" tIns="121875">
-            <a:noAutofit/>
-          </a:bodyPr>
-          <a:lstStyle/>
-          <a:p>
-            <a:pPr indent="0" lvl="0" marL="0" rtl="0" algn="l">
-              <a:spcBef>
-                <a:spcPts val="0"/>
-              </a:spcBef>
-              <a:spcAft>
-                <a:spcPts val="0"/>
-              </a:spcAft>
-              <a:buNone/>
-            </a:pPr>
-            <a:r>
-              <a:t/>
-            </a:r>
-            <a:endParaRPr/>
-          </a:p>
-        </p:txBody>
-      </p:sp>
-      <p:sp>
-        <p:nvSpPr>
-          <p:cNvPr id="191" name="Google Shape;191;p24"/>
-          <p:cNvSpPr txBox="1"/>
-          <p:nvPr>
-            <p:ph idx="4294967295" type="body"/>
-          </p:nvPr>
-        </p:nvSpPr>
-        <p:spPr>
-          <a:xfrm>
-            <a:off x="5416699" y="2336550"/>
-            <a:ext cx="1315500" cy="470400"/>
-          </a:xfrm>
-          <a:prstGeom prst="rect">
-            <a:avLst/>
-          </a:prstGeom>
-        </p:spPr>
-        <p:txBody>
-          <a:bodyPr anchorCtr="0" anchor="ctr" bIns="91425" lIns="91425" spcFirstLastPara="1" rIns="91425" wrap="square" tIns="91425">
-            <a:noAutofit/>
-          </a:bodyPr>
-          <a:lstStyle/>
-          <a:p>
-            <a:pPr indent="0" lvl="0" marL="0" rtl="0" algn="ctr">
-              <a:lnSpc>
-                <a:spcPct val="100000"/>
-              </a:lnSpc>
-              <a:spcBef>
-                <a:spcPts val="0"/>
-              </a:spcBef>
-              <a:spcAft>
-                <a:spcPts val="0"/>
-              </a:spcAft>
-              <a:buNone/>
-            </a:pPr>
-            <a:r>
-              <a:rPr lang="en" sz="1600">
-                <a:solidFill>
-                  <a:schemeClr val="lt1"/>
-                </a:solidFill>
-              </a:rPr>
-              <a:t>Analysis</a:t>
-            </a:r>
-            <a:endParaRPr sz="1600">
-              <a:solidFill>
-                <a:schemeClr val="lt1"/>
-              </a:solidFill>
-            </a:endParaRPr>
-          </a:p>
-        </p:txBody>
-      </p:sp>
-      <p:grpSp>
-        <p:nvGrpSpPr>
-          <p:cNvPr id="192" name="Google Shape;192;p24"/>
-          <p:cNvGrpSpPr/>
-          <p:nvPr/>
-        </p:nvGrpSpPr>
-        <p:grpSpPr>
-          <a:xfrm>
-            <a:off x="5973070" y="2938958"/>
-            <a:ext cx="198900" cy="593656"/>
-            <a:chOff x="5958946" y="2938958"/>
-            <a:chExt cx="198900" cy="593656"/>
-          </a:xfrm>
-        </p:grpSpPr>
-        <p:cxnSp>
-          <p:nvCxnSpPr>
-            <p:cNvPr id="193" name="Google Shape;193;p24"/>
-            <p:cNvCxnSpPr/>
-            <p:nvPr/>
-          </p:nvCxnSpPr>
-          <p:spPr>
-            <a:xfrm rot="10800000">
-              <a:off x="6058409" y="2938958"/>
-              <a:ext cx="0" cy="554700"/>
-            </a:xfrm>
-            <a:prstGeom prst="straightConnector1">
-              <a:avLst/>
-            </a:prstGeom>
-            <a:noFill/>
-            <a:ln cap="flat" cmpd="sng" w="9525">
-              <a:solidFill>
-                <a:schemeClr val="dk2"/>
-              </a:solidFill>
-              <a:prstDash val="solid"/>
-              <a:round/>
-              <a:headEnd len="sm" w="sm" type="none"/>
-              <a:tailEnd len="sm" w="sm" type="none"/>
-            </a:ln>
-          </p:spPr>
-        </p:cxnSp>
-        <p:sp>
-          <p:nvSpPr>
-            <p:cNvPr id="194" name="Google Shape;194;p24"/>
-            <p:cNvSpPr/>
-            <p:nvPr/>
-          </p:nvSpPr>
-          <p:spPr>
-            <a:xfrm flipH="1" rot="10800000">
-              <a:off x="5958946" y="3333714"/>
-              <a:ext cx="198900" cy="198900"/>
-            </a:xfrm>
-            <a:prstGeom prst="ellipse">
-              <a:avLst/>
-            </a:prstGeom>
-            <a:solidFill>
-              <a:schemeClr val="dk1"/>
-            </a:solidFill>
-            <a:ln>
-              <a:noFill/>
-            </a:ln>
-          </p:spPr>
-          <p:txBody>
-            <a:bodyPr anchorCtr="0" anchor="ctr" bIns="91425" lIns="91425" spcFirstLastPara="1" rIns="91425" wrap="square" tIns="91425">
-              <a:noAutofit/>
-            </a:bodyPr>
-            <a:lstStyle/>
-            <a:p>
-              <a:pPr indent="0" lvl="0" marL="0" rtl="0" algn="l">
-                <a:spcBef>
-                  <a:spcPts val="0"/>
-                </a:spcBef>
-                <a:spcAft>
-                  <a:spcPts val="0"/>
-                </a:spcAft>
-                <a:buNone/>
-              </a:pPr>
-              <a:r>
-                <a:t/>
-              </a:r>
-              <a:endParaRPr/>
-            </a:p>
-          </p:txBody>
-        </p:sp>
-      </p:grpSp>
-      <p:sp>
-        <p:nvSpPr>
-          <p:cNvPr id="195" name="Google Shape;195;p24"/>
-          <p:cNvSpPr txBox="1"/>
-          <p:nvPr>
-            <p:ph idx="4294967295" type="body"/>
-          </p:nvPr>
-        </p:nvSpPr>
-        <p:spPr>
-          <a:xfrm>
-            <a:off x="5126899" y="3757725"/>
-            <a:ext cx="2741700" cy="906300"/>
-          </a:xfrm>
-          <a:prstGeom prst="rect">
-            <a:avLst/>
-          </a:prstGeom>
-        </p:spPr>
-        <p:txBody>
-          <a:bodyPr anchorCtr="0" anchor="t" bIns="91425" lIns="91425" spcFirstLastPara="1" rIns="91425" wrap="square" tIns="91425">
-            <a:noAutofit/>
-          </a:bodyPr>
-          <a:lstStyle/>
-          <a:p>
-            <a:pPr indent="0" lvl="0" marL="0" rtl="0" algn="l">
-              <a:spcBef>
-                <a:spcPts val="0"/>
-              </a:spcBef>
-              <a:spcAft>
-                <a:spcPts val="1600"/>
-              </a:spcAft>
-              <a:buNone/>
-            </a:pPr>
-            <a:r>
-              <a:rPr lang="en" sz="1200">
-                <a:solidFill>
-                  <a:srgbClr val="24292E"/>
-                </a:solidFill>
-                <a:highlight>
-                  <a:srgbClr val="FFFFFF"/>
-                </a:highlight>
-                <a:latin typeface="Arial"/>
-                <a:ea typeface="Arial"/>
-                <a:cs typeface="Arial"/>
-                <a:sym typeface="Arial"/>
-              </a:rPr>
-              <a:t>Analysis of the dataset post cleanup and standardization (Univariate, Bivariate, Multivariate analysis)</a:t>
-            </a:r>
-            <a:endParaRPr sz="1600"/>
-          </a:p>
-        </p:txBody>
-      </p:sp>
-      <p:sp>
-        <p:nvSpPr>
-          <p:cNvPr descr="Background pointer shape in timeline graphic" id="196" name="Google Shape;196;p24"/>
-          <p:cNvSpPr/>
-          <p:nvPr/>
-        </p:nvSpPr>
-        <p:spPr>
-          <a:xfrm>
-            <a:off x="6781813" y="2199000"/>
-            <a:ext cx="2051100" cy="745500"/>
-          </a:xfrm>
-          <a:prstGeom prst="chevron">
-            <a:avLst>
-              <a:gd fmla="val 50000" name="adj"/>
-            </a:avLst>
-          </a:prstGeom>
-          <a:solidFill>
-            <a:schemeClr val="dk1"/>
-          </a:solidFill>
-          <a:ln cap="flat" cmpd="sng" w="9525">
-            <a:solidFill>
-              <a:schemeClr val="lt1"/>
-            </a:solidFill>
-            <a:prstDash val="solid"/>
-            <a:round/>
-            <a:headEnd len="sm" w="sm" type="none"/>
-            <a:tailEnd len="sm" w="sm" type="none"/>
-          </a:ln>
-        </p:spPr>
-        <p:txBody>
-          <a:bodyPr anchorCtr="0" anchor="ctr" bIns="121875" lIns="121875" spcFirstLastPara="1" rIns="121875" wrap="square" tIns="121875">
-            <a:noAutofit/>
-          </a:bodyPr>
-          <a:lstStyle/>
-          <a:p>
-            <a:pPr indent="0" lvl="0" marL="0" rtl="0" algn="l">
-              <a:spcBef>
-                <a:spcPts val="0"/>
-              </a:spcBef>
-              <a:spcAft>
-                <a:spcPts val="0"/>
-              </a:spcAft>
-              <a:buNone/>
-            </a:pPr>
-            <a:r>
-              <a:t/>
-            </a:r>
-            <a:endParaRPr/>
-          </a:p>
-        </p:txBody>
-      </p:sp>
-      <p:sp>
-        <p:nvSpPr>
-          <p:cNvPr id="197" name="Google Shape;197;p24"/>
-          <p:cNvSpPr txBox="1"/>
-          <p:nvPr>
-            <p:ph idx="4294967295" type="body"/>
-          </p:nvPr>
-        </p:nvSpPr>
-        <p:spPr>
-          <a:xfrm>
-            <a:off x="7111512" y="2336550"/>
-            <a:ext cx="1315500" cy="470400"/>
-          </a:xfrm>
-          <a:prstGeom prst="rect">
-            <a:avLst/>
-          </a:prstGeom>
-        </p:spPr>
-        <p:txBody>
-          <a:bodyPr anchorCtr="0" anchor="ctr" bIns="91425" lIns="91425" spcFirstLastPara="1" rIns="91425" wrap="square" tIns="91425">
-            <a:noAutofit/>
-          </a:bodyPr>
-          <a:lstStyle/>
-          <a:p>
-            <a:pPr indent="0" lvl="0" marL="0" rtl="0" algn="ctr">
-              <a:lnSpc>
-                <a:spcPct val="100000"/>
-              </a:lnSpc>
-              <a:spcBef>
-                <a:spcPts val="0"/>
-              </a:spcBef>
-              <a:spcAft>
-                <a:spcPts val="0"/>
-              </a:spcAft>
-              <a:buNone/>
-            </a:pPr>
-            <a:r>
-              <a:rPr lang="en" sz="1600">
-                <a:solidFill>
-                  <a:schemeClr val="lt1"/>
-                </a:solidFill>
-              </a:rPr>
-              <a:t>Results</a:t>
-            </a:r>
-            <a:endParaRPr sz="1600">
-              <a:solidFill>
-                <a:schemeClr val="lt1"/>
-              </a:solidFill>
-            </a:endParaRPr>
-          </a:p>
-        </p:txBody>
-      </p:sp>
-      <p:grpSp>
-        <p:nvGrpSpPr>
-          <p:cNvPr id="198" name="Google Shape;198;p24"/>
-          <p:cNvGrpSpPr/>
-          <p:nvPr/>
-        </p:nvGrpSpPr>
-        <p:grpSpPr>
-          <a:xfrm>
-            <a:off x="7669807" y="1610215"/>
-            <a:ext cx="198900" cy="593656"/>
-            <a:chOff x="3918084" y="1610215"/>
-            <a:chExt cx="198900" cy="593656"/>
-          </a:xfrm>
-        </p:grpSpPr>
-        <p:cxnSp>
-          <p:nvCxnSpPr>
-            <p:cNvPr id="199" name="Google Shape;199;p24"/>
-            <p:cNvCxnSpPr/>
-            <p:nvPr/>
-          </p:nvCxnSpPr>
-          <p:spPr>
-            <a:xfrm>
-              <a:off x="4017546" y="1649171"/>
-              <a:ext cx="0" cy="554700"/>
-            </a:xfrm>
-            <a:prstGeom prst="straightConnector1">
-              <a:avLst/>
-            </a:prstGeom>
-            <a:noFill/>
-            <a:ln cap="flat" cmpd="sng" w="9525">
-              <a:solidFill>
-                <a:schemeClr val="dk2"/>
-              </a:solidFill>
-              <a:prstDash val="solid"/>
-              <a:round/>
-              <a:headEnd len="sm" w="sm" type="none"/>
-              <a:tailEnd len="sm" w="sm" type="none"/>
-            </a:ln>
-          </p:spPr>
-        </p:cxnSp>
-        <p:sp>
-          <p:nvSpPr>
-            <p:cNvPr id="200" name="Google Shape;200;p24"/>
-            <p:cNvSpPr/>
-            <p:nvPr/>
-          </p:nvSpPr>
-          <p:spPr>
-            <a:xfrm>
-              <a:off x="3918084" y="1610215"/>
-              <a:ext cx="198900" cy="198900"/>
-            </a:xfrm>
-            <a:prstGeom prst="ellipse">
-              <a:avLst/>
-            </a:prstGeom>
-            <a:solidFill>
-              <a:schemeClr val="dk1"/>
-            </a:solidFill>
-            <a:ln>
-              <a:noFill/>
-            </a:ln>
-          </p:spPr>
-          <p:txBody>
-            <a:bodyPr anchorCtr="0" anchor="ctr" bIns="91425" lIns="91425" spcFirstLastPara="1" rIns="91425" wrap="square" tIns="91425">
-              <a:noAutofit/>
-            </a:bodyPr>
-            <a:lstStyle/>
-            <a:p>
-              <a:pPr indent="0" lvl="0" marL="0" rtl="0" algn="l">
-                <a:spcBef>
-                  <a:spcPts val="0"/>
-                </a:spcBef>
-                <a:spcAft>
-                  <a:spcPts val="0"/>
-                </a:spcAft>
-                <a:buNone/>
-              </a:pPr>
-              <a:r>
-                <a:t/>
-              </a:r>
-              <a:endParaRPr/>
-            </a:p>
-          </p:txBody>
-        </p:sp>
-      </p:grpSp>
-      <p:sp>
-        <p:nvSpPr>
-          <p:cNvPr id="201" name="Google Shape;201;p24"/>
-          <p:cNvSpPr txBox="1"/>
-          <p:nvPr>
-            <p:ph idx="4294967295" type="body"/>
-          </p:nvPr>
-        </p:nvSpPr>
-        <p:spPr>
-          <a:xfrm>
-            <a:off x="6685979" y="385667"/>
-            <a:ext cx="2242800" cy="906300"/>
-          </a:xfrm>
-          <a:prstGeom prst="rect">
-            <a:avLst/>
-          </a:prstGeom>
-        </p:spPr>
-        <p:txBody>
-          <a:bodyPr anchorCtr="0" anchor="t" bIns="91425" lIns="91425" spcFirstLastPara="1" rIns="91425" wrap="square" tIns="91425">
-            <a:noAutofit/>
-          </a:bodyPr>
-          <a:lstStyle/>
-          <a:p>
-            <a:pPr indent="0" lvl="0" marL="0" rtl="0" algn="l">
-              <a:spcBef>
-                <a:spcPts val="0"/>
-              </a:spcBef>
-              <a:spcAft>
-                <a:spcPts val="1600"/>
-              </a:spcAft>
-              <a:buNone/>
-            </a:pPr>
-            <a:r>
-              <a:rPr lang="en" sz="1200">
-                <a:solidFill>
-                  <a:srgbClr val="24292E"/>
-                </a:solidFill>
-                <a:highlight>
-                  <a:srgbClr val="FFFFFF"/>
-                </a:highlight>
-                <a:latin typeface="Arial"/>
-                <a:ea typeface="Arial"/>
-                <a:cs typeface="Arial"/>
-                <a:sym typeface="Arial"/>
-              </a:rPr>
-              <a:t>Conclusions,Inferences and Recommendations</a:t>
-            </a:r>
-            <a:endParaRPr sz="1600"/>
-          </a:p>
-        </p:txBody>
-      </p:sp>
-    </p:spTree>
-  </p:cSld>
-  <p:clrMapOvr>
-    <a:masterClrMapping/>
-  </p:clrMapOvr>
-</p:sld>
-</file>
-
-<file path=ppt/slides/slide13.xml><?xml version="1.0" encoding="utf-8"?>
-<p:sld xmlns:a="http://schemas.openxmlformats.org/drawingml/2006/main" xmlns:r="http://schemas.openxmlformats.org/officeDocument/2006/relationships" xmlns:mc="http://schemas.openxmlformats.org/markup-compatibility/2006" xmlns:mv="urn:schemas-microsoft-com:mac:vml" xmlns:p="http://schemas.openxmlformats.org/presentationml/2006/main" xmlns:c="http://schemas.openxmlformats.org/drawingml/2006/chart" xmlns:dgm="http://schemas.openxmlformats.org/drawingml/2006/diagram" xmlns:o="urn:schemas-microsoft-com:office:office" xmlns:v="urn:schemas-microsoft-com:vml" xmlns:pvml="urn:schemas-microsoft-com:office:powerpoint" xmlns:com="http://schemas.openxmlformats.org/drawingml/2006/compatibility" xmlns:p14="http://schemas.microsoft.com/office/powerpoint/2010/main" xmlns:p15="http://schemas.microsoft.com/office/powerpoint/2012/main" xmlns:ahyp="http://schemas.microsoft.com/office/drawing/2018/hyperlinkcolor">
-  <p:cSld>
-    <p:spTree>
-      <p:nvGrpSpPr>
-        <p:cNvPr id="205" name="Shape 205"/>
-        <p:cNvGrpSpPr/>
-        <p:nvPr/>
-      </p:nvGrpSpPr>
-      <p:grpSpPr>
-        <a:xfrm>
-          <a:off x="0" y="0"/>
-          <a:ext cx="0" cy="0"/>
-          <a:chOff x="0" y="0"/>
-          <a:chExt cx="0" cy="0"/>
-        </a:xfrm>
-      </p:grpSpPr>
-      <p:sp>
-        <p:nvSpPr>
-          <p:cNvPr id="206" name="Google Shape;206;p25"/>
+          <p:cNvPr id="188" name="Google Shape;188;p23"/>
           <p:cNvSpPr txBox="1"/>
           <p:nvPr>
             <p:ph type="title"/>
@@ -11230,7 +9679,7 @@
             </a:pPr>
             <a:r>
               <a:rPr lang="en"/>
-              <a:t>Data Cleaning &amp; Pre-processing</a:t>
+              <a:t>Key Columns</a:t>
             </a:r>
             <a:endParaRPr/>
           </a:p>
@@ -11238,7 +9687,494 @@
       </p:sp>
       <p:sp>
         <p:nvSpPr>
-          <p:cNvPr id="207" name="Google Shape;207;p25"/>
+          <p:cNvPr id="189" name="Google Shape;189;p23"/>
+          <p:cNvSpPr txBox="1"/>
+          <p:nvPr>
+            <p:ph idx="1" type="body"/>
+          </p:nvPr>
+        </p:nvSpPr>
+        <p:spPr>
+          <a:xfrm>
+            <a:off x="311700" y="1229875"/>
+            <a:ext cx="8520600" cy="3339000"/>
+          </a:xfrm>
+          <a:prstGeom prst="rect">
+            <a:avLst/>
+          </a:prstGeom>
+        </p:spPr>
+        <p:txBody>
+          <a:bodyPr anchorCtr="0" anchor="t" bIns="91425" lIns="91425" spcFirstLastPara="1" rIns="91425" wrap="square" tIns="91425">
+            <a:noAutofit/>
+          </a:bodyPr>
+          <a:lstStyle/>
+          <a:p>
+            <a:pPr indent="0" lvl="0" marL="0" rtl="0" algn="l">
+              <a:spcBef>
+                <a:spcPts val="0"/>
+              </a:spcBef>
+              <a:spcAft>
+                <a:spcPts val="0"/>
+              </a:spcAft>
+              <a:buNone/>
+            </a:pPr>
+            <a:r>
+              <a:rPr b="1" lang="en" sz="1100" u="sng"/>
+              <a:t>Loan Attributes</a:t>
+            </a:r>
+            <a:endParaRPr b="1" sz="1100" u="sng"/>
+          </a:p>
+          <a:p>
+            <a:pPr indent="-298450" lvl="0" marL="457200" rtl="0" algn="l">
+              <a:spcBef>
+                <a:spcPts val="1600"/>
+              </a:spcBef>
+              <a:spcAft>
+                <a:spcPts val="0"/>
+              </a:spcAft>
+              <a:buSzPts val="1100"/>
+              <a:buChar char="●"/>
+            </a:pPr>
+            <a:r>
+              <a:rPr lang="en" sz="1100"/>
+              <a:t>Loan </a:t>
+            </a:r>
+            <a:r>
+              <a:rPr lang="en" sz="1100"/>
+              <a:t>Amount</a:t>
+            </a:r>
+            <a:r>
+              <a:rPr lang="en" sz="1100"/>
+              <a:t> (loan_amt)  : Represents the amount of money requested by the borrower as a loan</a:t>
+            </a:r>
+            <a:endParaRPr sz="1100"/>
+          </a:p>
+          <a:p>
+            <a:pPr indent="-298450" lvl="0" marL="457200" rtl="0" algn="l">
+              <a:spcBef>
+                <a:spcPts val="0"/>
+              </a:spcBef>
+              <a:spcAft>
+                <a:spcPts val="0"/>
+              </a:spcAft>
+              <a:buSzPts val="1100"/>
+              <a:buChar char="●"/>
+            </a:pPr>
+            <a:r>
+              <a:rPr lang="en" sz="1100"/>
+              <a:t>Grade (grade) : Represents a rating assigned to the borrower based on their creditworthiness, indicating the level of risk associated with the loan. </a:t>
+            </a:r>
+            <a:endParaRPr sz="1100"/>
+          </a:p>
+          <a:p>
+            <a:pPr indent="-298450" lvl="0" marL="457200" rtl="0" algn="l">
+              <a:spcBef>
+                <a:spcPts val="0"/>
+              </a:spcBef>
+              <a:spcAft>
+                <a:spcPts val="0"/>
+              </a:spcAft>
+              <a:buSzPts val="1100"/>
+              <a:buChar char="●"/>
+            </a:pPr>
+            <a:r>
+              <a:rPr lang="en" sz="1100"/>
+              <a:t>Term (term) : Duration of the loan, typically expressed in months.</a:t>
+            </a:r>
+            <a:endParaRPr sz="1100"/>
+          </a:p>
+          <a:p>
+            <a:pPr indent="-298450" lvl="0" marL="457200" rtl="0" algn="l">
+              <a:spcBef>
+                <a:spcPts val="0"/>
+              </a:spcBef>
+              <a:spcAft>
+                <a:spcPts val="0"/>
+              </a:spcAft>
+              <a:buSzPts val="1100"/>
+              <a:buChar char="●"/>
+            </a:pPr>
+            <a:r>
+              <a:rPr lang="en" sz="1100"/>
+              <a:t>Loan Date (issue_date) : Date when the loan was issued or approved by the lender.</a:t>
+            </a:r>
+            <a:endParaRPr sz="1100"/>
+          </a:p>
+          <a:p>
+            <a:pPr indent="-298450" lvl="0" marL="457200" rtl="0" algn="l">
+              <a:spcBef>
+                <a:spcPts val="0"/>
+              </a:spcBef>
+              <a:spcAft>
+                <a:spcPts val="0"/>
+              </a:spcAft>
+              <a:buSzPts val="1100"/>
+              <a:buChar char="●"/>
+            </a:pPr>
+            <a:r>
+              <a:rPr lang="en" sz="1100"/>
+              <a:t>Purpose of Loan (purpose) : Indicates the reason for which the borrower is seeking the loan, such as debt consolidation, home improvement, or other purposes.</a:t>
+            </a:r>
+            <a:endParaRPr sz="1100"/>
+          </a:p>
+          <a:p>
+            <a:pPr indent="-298450" lvl="0" marL="457200" rtl="0" algn="l">
+              <a:spcBef>
+                <a:spcPts val="0"/>
+              </a:spcBef>
+              <a:spcAft>
+                <a:spcPts val="0"/>
+              </a:spcAft>
+              <a:buSzPts val="1100"/>
+              <a:buChar char="●"/>
+            </a:pPr>
+            <a:r>
+              <a:rPr lang="en" sz="1100"/>
+              <a:t>Verification Status (verification_status) ): Represents whether the borrower's income and other information have been verified by the lender.</a:t>
+            </a:r>
+            <a:endParaRPr sz="1100"/>
+          </a:p>
+          <a:p>
+            <a:pPr indent="-298450" lvl="0" marL="457200" rtl="0" algn="l">
+              <a:spcBef>
+                <a:spcPts val="0"/>
+              </a:spcBef>
+              <a:spcAft>
+                <a:spcPts val="0"/>
+              </a:spcAft>
+              <a:buSzPts val="1100"/>
+              <a:buChar char="●"/>
+            </a:pPr>
+            <a:r>
+              <a:rPr lang="en" sz="1100"/>
+              <a:t>Interest Rate (int_rate) ): Represents the annual rate at which the borrower will be charged interest on the loan amount. </a:t>
+            </a:r>
+            <a:endParaRPr sz="1100"/>
+          </a:p>
+          <a:p>
+            <a:pPr indent="-298450" lvl="0" marL="457200" rtl="0" algn="l">
+              <a:spcBef>
+                <a:spcPts val="0"/>
+              </a:spcBef>
+              <a:spcAft>
+                <a:spcPts val="0"/>
+              </a:spcAft>
+              <a:buSzPts val="1100"/>
+              <a:buChar char="●"/>
+            </a:pPr>
+            <a:r>
+              <a:rPr lang="en" sz="1100"/>
+              <a:t>Installment (installment) : Represents the regular monthly payment the borrower needs to make to repay the loan, including both principal and interest. </a:t>
+            </a:r>
+            <a:endParaRPr sz="1100"/>
+          </a:p>
+          <a:p>
+            <a:pPr indent="-298450" lvl="0" marL="457200" rtl="0" algn="l">
+              <a:spcBef>
+                <a:spcPts val="0"/>
+              </a:spcBef>
+              <a:spcAft>
+                <a:spcPts val="0"/>
+              </a:spcAft>
+              <a:buSzPts val="1100"/>
+              <a:buChar char="●"/>
+            </a:pPr>
+            <a:r>
+              <a:rPr lang="en" sz="1100"/>
+              <a:t>Public Records (public_rec) : Derogatory Public Records. The value adds to the risk to the loan. Higher the value, lower the success rate.</a:t>
+            </a:r>
+            <a:endParaRPr sz="1100"/>
+          </a:p>
+          <a:p>
+            <a:pPr indent="-298450" lvl="0" marL="457200" rtl="0" algn="l">
+              <a:spcBef>
+                <a:spcPts val="0"/>
+              </a:spcBef>
+              <a:spcAft>
+                <a:spcPts val="0"/>
+              </a:spcAft>
+              <a:buSzPts val="1100"/>
+              <a:buChar char="●"/>
+            </a:pPr>
+            <a:r>
+              <a:rPr lang="en" sz="1100"/>
+              <a:t>Public Records Bankruptcy (public_rec_bankruptcy) :Number of bankruptcy records </a:t>
+            </a:r>
+            <a:r>
+              <a:rPr lang="en" sz="1100"/>
+              <a:t>publicly</a:t>
+            </a:r>
+            <a:r>
+              <a:rPr lang="en" sz="1100"/>
+              <a:t> available for the customer. Higher the value, lower is the success rate.</a:t>
+            </a:r>
+            <a:endParaRPr sz="1100"/>
+          </a:p>
+        </p:txBody>
+      </p:sp>
+    </p:spTree>
+  </p:cSld>
+  <p:clrMapOvr>
+    <a:masterClrMapping/>
+  </p:clrMapOvr>
+</p:sld>
+</file>
+
+<file path=ppt/slides/slide12.xml><?xml version="1.0" encoding="utf-8"?>
+<p:sld xmlns:a="http://schemas.openxmlformats.org/drawingml/2006/main" xmlns:r="http://schemas.openxmlformats.org/officeDocument/2006/relationships" xmlns:mc="http://schemas.openxmlformats.org/markup-compatibility/2006" xmlns:mv="urn:schemas-microsoft-com:mac:vml" xmlns:p="http://schemas.openxmlformats.org/presentationml/2006/main" xmlns:c="http://schemas.openxmlformats.org/drawingml/2006/chart" xmlns:dgm="http://schemas.openxmlformats.org/drawingml/2006/diagram" xmlns:o="urn:schemas-microsoft-com:office:office" xmlns:v="urn:schemas-microsoft-com:vml" xmlns:pvml="urn:schemas-microsoft-com:office:powerpoint" xmlns:com="http://schemas.openxmlformats.org/drawingml/2006/compatibility" xmlns:p14="http://schemas.microsoft.com/office/powerpoint/2010/main" xmlns:p15="http://schemas.microsoft.com/office/powerpoint/2012/main" xmlns:ahyp="http://schemas.microsoft.com/office/drawing/2018/hyperlinkcolor">
+  <p:cSld>
+    <p:spTree>
+      <p:nvGrpSpPr>
+        <p:cNvPr id="193" name="Shape 193"/>
+        <p:cNvGrpSpPr/>
+        <p:nvPr/>
+      </p:nvGrpSpPr>
+      <p:grpSpPr>
+        <a:xfrm>
+          <a:off x="0" y="0"/>
+          <a:ext cx="0" cy="0"/>
+          <a:chOff x="0" y="0"/>
+          <a:chExt cx="0" cy="0"/>
+        </a:xfrm>
+      </p:grpSpPr>
+      <p:sp>
+        <p:nvSpPr>
+          <p:cNvPr id="194" name="Google Shape;194;p24"/>
+          <p:cNvSpPr txBox="1"/>
+          <p:nvPr>
+            <p:ph type="title"/>
+          </p:nvPr>
+        </p:nvSpPr>
+        <p:spPr>
+          <a:xfrm>
+            <a:off x="311700" y="410000"/>
+            <a:ext cx="8520600" cy="607800"/>
+          </a:xfrm>
+          <a:prstGeom prst="rect">
+            <a:avLst/>
+          </a:prstGeom>
+        </p:spPr>
+        <p:txBody>
+          <a:bodyPr anchorCtr="0" anchor="t" bIns="91425" lIns="91425" spcFirstLastPara="1" rIns="91425" wrap="square" tIns="91425">
+            <a:noAutofit/>
+          </a:bodyPr>
+          <a:lstStyle/>
+          <a:p>
+            <a:pPr indent="0" lvl="0" marL="0" rtl="0" algn="l">
+              <a:spcBef>
+                <a:spcPts val="0"/>
+              </a:spcBef>
+              <a:spcAft>
+                <a:spcPts val="0"/>
+              </a:spcAft>
+              <a:buNone/>
+            </a:pPr>
+            <a:r>
+              <a:rPr lang="en"/>
+              <a:t>Excluded Columns</a:t>
+            </a:r>
+            <a:endParaRPr/>
+          </a:p>
+        </p:txBody>
+      </p:sp>
+      <p:sp>
+        <p:nvSpPr>
+          <p:cNvPr id="195" name="Google Shape;195;p24"/>
+          <p:cNvSpPr txBox="1"/>
+          <p:nvPr>
+            <p:ph idx="1" type="body"/>
+          </p:nvPr>
+        </p:nvSpPr>
+        <p:spPr>
+          <a:xfrm>
+            <a:off x="174775" y="1017800"/>
+            <a:ext cx="8657400" cy="3676200"/>
+          </a:xfrm>
+          <a:prstGeom prst="rect">
+            <a:avLst/>
+          </a:prstGeom>
+        </p:spPr>
+        <p:txBody>
+          <a:bodyPr anchorCtr="0" anchor="t" bIns="91425" lIns="91425" spcFirstLastPara="1" rIns="91425" wrap="square" tIns="91425">
+            <a:noAutofit/>
+          </a:bodyPr>
+          <a:lstStyle/>
+          <a:p>
+            <a:pPr indent="-304800" lvl="0" marL="457200" rtl="0" algn="l">
+              <a:spcBef>
+                <a:spcPts val="0"/>
+              </a:spcBef>
+              <a:spcAft>
+                <a:spcPts val="0"/>
+              </a:spcAft>
+              <a:buSzPts val="1200"/>
+              <a:buChar char="●"/>
+            </a:pPr>
+            <a:r>
+              <a:rPr lang="en" sz="1200"/>
+              <a:t>Customer Behaviour Columns - Columns which describes customer behaviour will not contribute to the analysis. These attributes are not significant for consideration towards the loan approval/rejection process.</a:t>
+            </a:r>
+            <a:endParaRPr sz="1200"/>
+          </a:p>
+          <a:p>
+            <a:pPr indent="-304800" lvl="0" marL="457200" rtl="0" algn="l">
+              <a:spcBef>
+                <a:spcPts val="0"/>
+              </a:spcBef>
+              <a:spcAft>
+                <a:spcPts val="0"/>
+              </a:spcAft>
+              <a:buSzPts val="1200"/>
+              <a:buChar char="●"/>
+            </a:pPr>
+            <a:r>
+              <a:rPr lang="en" sz="1200"/>
+              <a:t>Granular Data - Columns which describe details which are very specific to company, may not be required for the analysis. For example, “grade” column may be relevant for creating business outcomes but “sub grade” is be very granular and will not be used in the analysis.</a:t>
+            </a:r>
+            <a:endParaRPr sz="1200"/>
+          </a:p>
+          <a:p>
+            <a:pPr indent="-304800" lvl="0" marL="457200" rtl="0" algn="l">
+              <a:spcBef>
+                <a:spcPts val="0"/>
+              </a:spcBef>
+              <a:spcAft>
+                <a:spcPts val="0"/>
+              </a:spcAft>
+              <a:buSzPts val="1200"/>
+              <a:buChar char="●"/>
+            </a:pPr>
+            <a:r>
+              <a:rPr b="1" lang="en" sz="1200"/>
+              <a:t>54 columns</a:t>
+            </a:r>
+            <a:r>
+              <a:rPr lang="en" sz="1200"/>
+              <a:t> contain </a:t>
+            </a:r>
+            <a:r>
+              <a:rPr b="1" lang="en" sz="1200"/>
+              <a:t>NA</a:t>
+            </a:r>
+            <a:r>
+              <a:rPr lang="en" sz="1200"/>
+              <a:t> values only, and these columns will be removed namely:  acc_open_past_24mths, all_util, annual_inc_joint, avg_cur_bal, bc_open_to_buy, bc_util, dti_joint, il_util, inq_fi, inq_last_12m, max_bal_bc, mo_sin_old_il_acct, mo_sin_old_rev_tl_op, mo_sin_rcnt_rev_tl_op, mo_sin_rcnt_tl, mort_acc, mths_since_last_major_derog, mths_since_rcnt_il, mths_since_recent_bc, mths_since_recent_bc_dlq, mths_since_recent_inq, mths_since_recent_revol_delinq, num_accts_ever_120_pd, num_actv_bc_tl, num_actv_rev_tl, num_bc_sats, num_bc_tl, num_il_tl, num_op_rev_tl, num_rev_accts, num_rev_tl_bal_gt_0, num_sats, num_tl_120dpd_2m, num_tl_30dpd, num_tl_90g_dpd_24m, num_tl_op_past_12m, open_acc_6m, open_il_12m, open_il_24m, open_il_6m, open_rv_12m, open_rv_24m, pct_tl_nvr_dlq, percent_bc_gt_75, tot_coll_amt, tot_cur_bal, tot_hi_cred_lim, total_bal_ex_mort, total_bal_il, total_bc_limit, total_cu_tl, total_il_high_credit_limit, total_rev_hi_lim, verification_status_joint</a:t>
+            </a:r>
+            <a:endParaRPr sz="1200"/>
+          </a:p>
+          <a:p>
+            <a:pPr indent="-298450" lvl="0" marL="457200" rtl="0" algn="l">
+              <a:spcBef>
+                <a:spcPts val="0"/>
+              </a:spcBef>
+              <a:spcAft>
+                <a:spcPts val="0"/>
+              </a:spcAft>
+              <a:buSzPts val="1100"/>
+              <a:buChar char="●"/>
+            </a:pPr>
+            <a:r>
+              <a:rPr lang="en" sz="1200"/>
+              <a:t>Other </a:t>
+            </a:r>
+            <a:r>
+              <a:rPr lang="en" sz="1200"/>
+              <a:t>irrelevant</a:t>
+            </a:r>
+            <a:r>
+              <a:rPr lang="en" sz="1200"/>
+              <a:t> columns such as </a:t>
+            </a:r>
+            <a:r>
+              <a:rPr lang="en" sz="1200"/>
+              <a:t>id, member_id, emp_title, desc, title, url which </a:t>
+            </a:r>
+            <a:r>
+              <a:rPr lang="en" sz="1300">
+                <a:solidFill>
+                  <a:srgbClr val="24292E"/>
+                </a:solidFill>
+                <a:highlight>
+                  <a:srgbClr val="FFFFFF"/>
+                </a:highlight>
+                <a:latin typeface="Arial"/>
+                <a:ea typeface="Arial"/>
+                <a:cs typeface="Arial"/>
+                <a:sym typeface="Arial"/>
+              </a:rPr>
+              <a:t>does not contribute to the analysis will be dropped as well.</a:t>
+            </a:r>
+            <a:endParaRPr sz="1200"/>
+          </a:p>
+        </p:txBody>
+      </p:sp>
+    </p:spTree>
+  </p:cSld>
+  <p:clrMapOvr>
+    <a:masterClrMapping/>
+  </p:clrMapOvr>
+</p:sld>
+</file>
+
+<file path=ppt/slides/slide13.xml><?xml version="1.0" encoding="utf-8"?>
+<p:sld xmlns:a="http://schemas.openxmlformats.org/drawingml/2006/main" xmlns:r="http://schemas.openxmlformats.org/officeDocument/2006/relationships" xmlns:mc="http://schemas.openxmlformats.org/markup-compatibility/2006" xmlns:mv="urn:schemas-microsoft-com:mac:vml" xmlns:p="http://schemas.openxmlformats.org/presentationml/2006/main" xmlns:c="http://schemas.openxmlformats.org/drawingml/2006/chart" xmlns:dgm="http://schemas.openxmlformats.org/drawingml/2006/diagram" xmlns:o="urn:schemas-microsoft-com:office:office" xmlns:v="urn:schemas-microsoft-com:vml" xmlns:pvml="urn:schemas-microsoft-com:office:powerpoint" xmlns:com="http://schemas.openxmlformats.org/drawingml/2006/compatibility" xmlns:p14="http://schemas.microsoft.com/office/powerpoint/2010/main" xmlns:p15="http://schemas.microsoft.com/office/powerpoint/2012/main" xmlns:ahyp="http://schemas.microsoft.com/office/drawing/2018/hyperlinkcolor">
+  <p:cSld>
+    <p:spTree>
+      <p:nvGrpSpPr>
+        <p:cNvPr id="199" name="Shape 199"/>
+        <p:cNvGrpSpPr/>
+        <p:nvPr/>
+      </p:nvGrpSpPr>
+      <p:grpSpPr>
+        <a:xfrm>
+          <a:off x="0" y="0"/>
+          <a:ext cx="0" cy="0"/>
+          <a:chOff x="0" y="0"/>
+          <a:chExt cx="0" cy="0"/>
+        </a:xfrm>
+      </p:grpSpPr>
+      <p:sp>
+        <p:nvSpPr>
+          <p:cNvPr id="200" name="Google Shape;200;p25"/>
+          <p:cNvSpPr txBox="1"/>
+          <p:nvPr>
+            <p:ph type="title"/>
+          </p:nvPr>
+        </p:nvSpPr>
+        <p:spPr>
+          <a:xfrm>
+            <a:off x="311700" y="410000"/>
+            <a:ext cx="8520600" cy="607800"/>
+          </a:xfrm>
+          <a:prstGeom prst="rect">
+            <a:avLst/>
+          </a:prstGeom>
+        </p:spPr>
+        <p:txBody>
+          <a:bodyPr anchorCtr="0" anchor="t" bIns="91425" lIns="91425" spcFirstLastPara="1" rIns="91425" wrap="square" tIns="91425">
+            <a:noAutofit/>
+          </a:bodyPr>
+          <a:lstStyle/>
+          <a:p>
+            <a:pPr indent="0" lvl="0" marL="0" rtl="0" algn="l">
+              <a:spcBef>
+                <a:spcPts val="0"/>
+              </a:spcBef>
+              <a:spcAft>
+                <a:spcPts val="0"/>
+              </a:spcAft>
+              <a:buNone/>
+            </a:pPr>
+            <a:r>
+              <a:rPr lang="en"/>
+              <a:t>Data Cleaning &amp; Pre-processing</a:t>
+            </a:r>
+            <a:endParaRPr/>
+          </a:p>
+        </p:txBody>
+      </p:sp>
+      <p:sp>
+        <p:nvSpPr>
+          <p:cNvPr id="201" name="Google Shape;201;p25"/>
           <p:cNvSpPr txBox="1"/>
           <p:nvPr>
             <p:ph idx="1" type="body"/>
@@ -11399,7 +10335,7 @@
   <p:cSld>
     <p:spTree>
       <p:nvGrpSpPr>
-        <p:cNvPr id="211" name="Shape 211"/>
+        <p:cNvPr id="205" name="Shape 205"/>
         <p:cNvGrpSpPr/>
         <p:nvPr/>
       </p:nvGrpSpPr>
@@ -11413,7 +10349,7 @@
       </p:grpSpPr>
       <p:sp>
         <p:nvSpPr>
-          <p:cNvPr id="212" name="Google Shape;212;p26"/>
+          <p:cNvPr id="206" name="Google Shape;206;p26"/>
           <p:cNvSpPr txBox="1"/>
           <p:nvPr>
             <p:ph type="title"/>
@@ -11453,7 +10389,7 @@
       </p:sp>
       <p:pic>
         <p:nvPicPr>
-          <p:cNvPr id="213" name="Google Shape;213;p26"/>
+          <p:cNvPr id="207" name="Google Shape;207;p26"/>
           <p:cNvPicPr preferRelativeResize="0"/>
           <p:nvPr/>
         </p:nvPicPr>
@@ -11481,7 +10417,7 @@
       </p:pic>
       <p:pic>
         <p:nvPicPr>
-          <p:cNvPr id="214" name="Google Shape;214;p26"/>
+          <p:cNvPr id="208" name="Google Shape;208;p26"/>
           <p:cNvPicPr preferRelativeResize="0"/>
           <p:nvPr/>
         </p:nvPicPr>
@@ -11509,7 +10445,7 @@
       </p:pic>
       <p:pic>
         <p:nvPicPr>
-          <p:cNvPr id="215" name="Google Shape;215;p26"/>
+          <p:cNvPr id="209" name="Google Shape;209;p26"/>
           <p:cNvPicPr preferRelativeResize="0"/>
           <p:nvPr/>
         </p:nvPicPr>
@@ -11523,8 +10459,8 @@
         </p:blipFill>
         <p:spPr>
           <a:xfrm>
-            <a:off x="6189800" y="925384"/>
-            <a:ext cx="2642499" cy="1989340"/>
+            <a:off x="6189800" y="925375"/>
+            <a:ext cx="2758097" cy="2076375"/>
           </a:xfrm>
           <a:prstGeom prst="rect">
             <a:avLst/>
@@ -11537,7 +10473,7 @@
       </p:pic>
       <p:pic>
         <p:nvPicPr>
-          <p:cNvPr id="216" name="Google Shape;216;p26"/>
+          <p:cNvPr id="210" name="Google Shape;210;p26"/>
           <p:cNvPicPr preferRelativeResize="0"/>
           <p:nvPr/>
         </p:nvPicPr>
@@ -11565,7 +10501,7 @@
       </p:pic>
       <p:pic>
         <p:nvPicPr>
-          <p:cNvPr id="217" name="Google Shape;217;p26"/>
+          <p:cNvPr id="211" name="Google Shape;211;p26"/>
           <p:cNvPicPr preferRelativeResize="0"/>
           <p:nvPr/>
         </p:nvPicPr>
@@ -11579,8 +10515,8 @@
         </p:blipFill>
         <p:spPr>
           <a:xfrm>
-            <a:off x="2961350" y="3001750"/>
-            <a:ext cx="3275775" cy="1989350"/>
+            <a:off x="6300725" y="3001750"/>
+            <a:ext cx="2775300" cy="1989350"/>
           </a:xfrm>
           <a:prstGeom prst="rect">
             <a:avLst/>
@@ -11593,7 +10529,7 @@
       </p:pic>
       <p:pic>
         <p:nvPicPr>
-          <p:cNvPr id="218" name="Google Shape;218;p26"/>
+          <p:cNvPr id="212" name="Google Shape;212;p26"/>
           <p:cNvPicPr preferRelativeResize="0"/>
           <p:nvPr/>
         </p:nvPicPr>
@@ -11607,8 +10543,8 @@
         </p:blipFill>
         <p:spPr>
           <a:xfrm>
-            <a:off x="6300725" y="3001750"/>
-            <a:ext cx="2775300" cy="1989350"/>
+            <a:off x="2999388" y="3082925"/>
+            <a:ext cx="3145226" cy="1905524"/>
           </a:xfrm>
           <a:prstGeom prst="rect">
             <a:avLst/>
@@ -11632,7 +10568,7 @@
   <p:cSld>
     <p:spTree>
       <p:nvGrpSpPr>
-        <p:cNvPr id="222" name="Shape 222"/>
+        <p:cNvPr id="216" name="Shape 216"/>
         <p:cNvGrpSpPr/>
         <p:nvPr/>
       </p:nvGrpSpPr>
@@ -11646,7 +10582,7 @@
       </p:grpSpPr>
       <p:sp>
         <p:nvSpPr>
-          <p:cNvPr id="223" name="Google Shape;223;p27"/>
+          <p:cNvPr id="217" name="Google Shape;217;p27"/>
           <p:cNvSpPr txBox="1"/>
           <p:nvPr>
             <p:ph type="title"/>
@@ -11686,7 +10622,7 @@
       </p:sp>
       <p:pic>
         <p:nvPicPr>
-          <p:cNvPr id="224" name="Google Shape;224;p27"/>
+          <p:cNvPr id="218" name="Google Shape;218;p27"/>
           <p:cNvPicPr preferRelativeResize="0"/>
           <p:nvPr/>
         </p:nvPicPr>
@@ -11701,7 +10637,7 @@
         <p:spPr>
           <a:xfrm>
             <a:off x="139925" y="945475"/>
-            <a:ext cx="3830052" cy="2063225"/>
+            <a:ext cx="4350699" cy="2063225"/>
           </a:xfrm>
           <a:prstGeom prst="rect">
             <a:avLst/>
@@ -11714,7 +10650,7 @@
       </p:pic>
       <p:pic>
         <p:nvPicPr>
-          <p:cNvPr id="225" name="Google Shape;225;p27"/>
+          <p:cNvPr id="219" name="Google Shape;219;p27"/>
           <p:cNvPicPr preferRelativeResize="0"/>
           <p:nvPr/>
         </p:nvPicPr>
@@ -11728,8 +10664,8 @@
         </p:blipFill>
         <p:spPr>
           <a:xfrm>
-            <a:off x="4122375" y="945475"/>
-            <a:ext cx="4869226" cy="2094500"/>
+            <a:off x="4640900" y="945475"/>
+            <a:ext cx="4350700" cy="2094500"/>
           </a:xfrm>
           <a:prstGeom prst="rect">
             <a:avLst/>
@@ -11742,7 +10678,7 @@
       </p:pic>
       <p:pic>
         <p:nvPicPr>
-          <p:cNvPr id="226" name="Google Shape;226;p27"/>
+          <p:cNvPr id="220" name="Google Shape;220;p27"/>
           <p:cNvPicPr preferRelativeResize="0"/>
           <p:nvPr/>
         </p:nvPicPr>
@@ -11756,7 +10692,7 @@
         </p:blipFill>
         <p:spPr>
           <a:xfrm>
-            <a:off x="152400" y="3192375"/>
+            <a:off x="152400" y="3268575"/>
             <a:ext cx="4350709" cy="1798726"/>
           </a:xfrm>
           <a:prstGeom prst="rect">
@@ -11770,7 +10706,7 @@
       </p:pic>
       <p:pic>
         <p:nvPicPr>
-          <p:cNvPr id="227" name="Google Shape;227;p27"/>
+          <p:cNvPr id="221" name="Google Shape;221;p27"/>
           <p:cNvPicPr preferRelativeResize="0"/>
           <p:nvPr/>
         </p:nvPicPr>
@@ -11809,7 +10745,7 @@
   <p:cSld>
     <p:spTree>
       <p:nvGrpSpPr>
-        <p:cNvPr id="231" name="Shape 231"/>
+        <p:cNvPr id="225" name="Shape 225"/>
         <p:cNvGrpSpPr/>
         <p:nvPr/>
       </p:nvGrpSpPr>
@@ -11823,7 +10759,7 @@
       </p:grpSpPr>
       <p:sp>
         <p:nvSpPr>
-          <p:cNvPr id="232" name="Google Shape;232;p28"/>
+          <p:cNvPr id="226" name="Google Shape;226;p28"/>
           <p:cNvSpPr txBox="1"/>
           <p:nvPr>
             <p:ph type="title"/>
@@ -11863,7 +10799,7 @@
       </p:sp>
       <p:pic>
         <p:nvPicPr>
-          <p:cNvPr id="233" name="Google Shape;233;p28"/>
+          <p:cNvPr id="227" name="Google Shape;227;p28"/>
           <p:cNvPicPr preferRelativeResize="0"/>
           <p:nvPr/>
         </p:nvPicPr>
@@ -11877,7 +10813,7 @@
         </p:blipFill>
         <p:spPr>
           <a:xfrm>
-            <a:off x="152400" y="1170200"/>
+            <a:off x="417650" y="1124050"/>
             <a:ext cx="4527165" cy="3820899"/>
           </a:xfrm>
           <a:prstGeom prst="rect">
@@ -11902,6 +10838,272 @@
   <p:cSld>
     <p:spTree>
       <p:nvGrpSpPr>
+        <p:cNvPr id="231" name="Shape 231"/>
+        <p:cNvGrpSpPr/>
+        <p:nvPr/>
+      </p:nvGrpSpPr>
+      <p:grpSpPr>
+        <a:xfrm>
+          <a:off x="0" y="0"/>
+          <a:ext cx="0" cy="0"/>
+          <a:chOff x="0" y="0"/>
+          <a:chExt cx="0" cy="0"/>
+        </a:xfrm>
+      </p:grpSpPr>
+      <p:sp>
+        <p:nvSpPr>
+          <p:cNvPr id="232" name="Google Shape;232;p29"/>
+          <p:cNvSpPr txBox="1"/>
+          <p:nvPr>
+            <p:ph type="title"/>
+          </p:nvPr>
+        </p:nvSpPr>
+        <p:spPr>
+          <a:xfrm>
+            <a:off x="311700" y="410000"/>
+            <a:ext cx="8520600" cy="607800"/>
+          </a:xfrm>
+          <a:prstGeom prst="rect">
+            <a:avLst/>
+          </a:prstGeom>
+        </p:spPr>
+        <p:txBody>
+          <a:bodyPr anchorCtr="0" anchor="t" bIns="91425" lIns="91425" spcFirstLastPara="1" rIns="91425" wrap="square" tIns="91425">
+            <a:noAutofit/>
+          </a:bodyPr>
+          <a:lstStyle/>
+          <a:p>
+            <a:pPr indent="0" lvl="0" marL="0" rtl="0" algn="l">
+              <a:spcBef>
+                <a:spcPts val="0"/>
+              </a:spcBef>
+              <a:spcAft>
+                <a:spcPts val="0"/>
+              </a:spcAft>
+              <a:buNone/>
+            </a:pPr>
+            <a:r>
+              <a:rPr lang="en"/>
+              <a:t>Inferences</a:t>
+            </a:r>
+            <a:endParaRPr/>
+          </a:p>
+        </p:txBody>
+      </p:sp>
+      <p:sp>
+        <p:nvSpPr>
+          <p:cNvPr id="233" name="Google Shape;233;p29"/>
+          <p:cNvSpPr txBox="1"/>
+          <p:nvPr>
+            <p:ph idx="1" type="body"/>
+          </p:nvPr>
+        </p:nvSpPr>
+        <p:spPr>
+          <a:xfrm>
+            <a:off x="311700" y="1017800"/>
+            <a:ext cx="8520600" cy="3825900"/>
+          </a:xfrm>
+          <a:prstGeom prst="rect">
+            <a:avLst/>
+          </a:prstGeom>
+        </p:spPr>
+        <p:txBody>
+          <a:bodyPr anchorCtr="0" anchor="t" bIns="91425" lIns="91425" spcFirstLastPara="1" rIns="91425" wrap="square" tIns="91425">
+            <a:noAutofit/>
+          </a:bodyPr>
+          <a:lstStyle/>
+          <a:p>
+            <a:pPr indent="0" lvl="0" marL="0" rtl="0" algn="l">
+              <a:spcBef>
+                <a:spcPts val="0"/>
+              </a:spcBef>
+              <a:spcAft>
+                <a:spcPts val="0"/>
+              </a:spcAft>
+              <a:buNone/>
+            </a:pPr>
+            <a:r>
+              <a:rPr b="1" lang="en" sz="1300" u="sng"/>
+              <a:t>Univariate Analysis</a:t>
+            </a:r>
+            <a:endParaRPr b="1" sz="1300" u="sng"/>
+          </a:p>
+          <a:p>
+            <a:pPr indent="-311150" lvl="0" marL="457200" rtl="0" algn="l">
+              <a:spcBef>
+                <a:spcPts val="1600"/>
+              </a:spcBef>
+              <a:spcAft>
+                <a:spcPts val="0"/>
+              </a:spcAft>
+              <a:buSzPts val="1300"/>
+              <a:buChar char="●"/>
+            </a:pPr>
+            <a:r>
+              <a:rPr lang="en" sz="1300"/>
+              <a:t>Defaulter rate is increasing with respect to term, grade, sub_grade, verification_status, pub_rec, pub_rec_bankruptcies, </a:t>
+            </a:r>
+            <a:r>
+              <a:rPr lang="en" sz="1300"/>
+              <a:t>revol_util, loan_amnt,  int_rate, installment.</a:t>
+            </a:r>
+            <a:endParaRPr sz="1300"/>
+          </a:p>
+          <a:p>
+            <a:pPr indent="-311150" lvl="0" marL="457200" rtl="0" algn="l">
+              <a:spcBef>
+                <a:spcPts val="0"/>
+              </a:spcBef>
+              <a:spcAft>
+                <a:spcPts val="0"/>
+              </a:spcAft>
+              <a:buSzPts val="1300"/>
+              <a:buChar char="●"/>
+            </a:pPr>
+            <a:r>
+              <a:rPr lang="en" sz="1300"/>
+              <a:t>Defaulter rate is </a:t>
+            </a:r>
+            <a:r>
+              <a:rPr lang="en" sz="1300"/>
+              <a:t>decreasing</a:t>
+            </a:r>
+            <a:r>
+              <a:rPr lang="en" sz="1300"/>
+              <a:t> with annual_inc.</a:t>
+            </a:r>
+            <a:endParaRPr sz="1300"/>
+          </a:p>
+          <a:p>
+            <a:pPr indent="-311150" lvl="0" marL="457200" rtl="0" algn="l">
+              <a:spcBef>
+                <a:spcPts val="0"/>
+              </a:spcBef>
+              <a:spcAft>
+                <a:spcPts val="0"/>
+              </a:spcAft>
+              <a:buSzPts val="1300"/>
+              <a:buChar char="●"/>
+            </a:pPr>
+            <a:r>
+              <a:rPr lang="en" sz="1300"/>
+              <a:t>We have seen that grade D, E, F, G has ~23% total loan however chances of being defaulted is also high here and cover 40% of total defaulters. Hence it makes sense to reject loans for borrowers in these three categories. Hence `grade` can become a deciding variable for loan approval.</a:t>
+            </a:r>
+            <a:endParaRPr sz="1300"/>
+          </a:p>
+          <a:p>
+            <a:pPr indent="-311150" lvl="0" marL="457200" rtl="0" algn="l">
+              <a:spcBef>
+                <a:spcPts val="0"/>
+              </a:spcBef>
+              <a:spcAft>
+                <a:spcPts val="0"/>
+              </a:spcAft>
+              <a:buSzPts val="1300"/>
+              <a:buChar char="●"/>
+            </a:pPr>
+            <a:r>
+              <a:rPr lang="en" sz="1300"/>
+              <a:t>Small_business has higher defaulter rate among other purposes.</a:t>
+            </a:r>
+            <a:endParaRPr sz="1300"/>
+          </a:p>
+          <a:p>
+            <a:pPr indent="0" lvl="0" marL="0" rtl="0" algn="l">
+              <a:spcBef>
+                <a:spcPts val="1600"/>
+              </a:spcBef>
+              <a:spcAft>
+                <a:spcPts val="0"/>
+              </a:spcAft>
+              <a:buNone/>
+            </a:pPr>
+            <a:r>
+              <a:rPr b="1" lang="en" sz="1300" u="sng"/>
+              <a:t>Bivariate Analysis</a:t>
+            </a:r>
+            <a:endParaRPr b="1" sz="1300" u="sng"/>
+          </a:p>
+          <a:p>
+            <a:pPr indent="-311150" lvl="0" marL="457200" rtl="0" algn="l">
+              <a:spcBef>
+                <a:spcPts val="1600"/>
+              </a:spcBef>
+              <a:spcAft>
+                <a:spcPts val="0"/>
+              </a:spcAft>
+              <a:buSzPts val="1300"/>
+              <a:buChar char="●"/>
+            </a:pPr>
+            <a:r>
+              <a:rPr lang="en" sz="1300"/>
+              <a:t>Defaulter ratio increases for every purpose with respect to term, grade and loan_amnt, annual_inc.</a:t>
+            </a:r>
+            <a:endParaRPr sz="1300"/>
+          </a:p>
+          <a:p>
+            <a:pPr indent="0" lvl="0" marL="0" rtl="0" algn="l">
+              <a:spcBef>
+                <a:spcPts val="1600"/>
+              </a:spcBef>
+              <a:spcAft>
+                <a:spcPts val="0"/>
+              </a:spcAft>
+              <a:buNone/>
+            </a:pPr>
+            <a:r>
+              <a:rPr b="1" lang="en" sz="1300" u="sng"/>
+              <a:t>Multivariate Analysis</a:t>
+            </a:r>
+            <a:endParaRPr b="1" sz="1300" u="sng"/>
+          </a:p>
+          <a:p>
+            <a:pPr indent="-311150" lvl="0" marL="457200" rtl="0" algn="l">
+              <a:spcBef>
+                <a:spcPts val="1600"/>
+              </a:spcBef>
+              <a:spcAft>
+                <a:spcPts val="0"/>
+              </a:spcAft>
+              <a:buSzPts val="1300"/>
+              <a:buChar char="●"/>
+            </a:pPr>
+            <a:r>
+              <a:rPr lang="en" sz="1300"/>
+              <a:t>There is no stronger correlation with columns which greatly affects loan_status.</a:t>
+            </a:r>
+            <a:endParaRPr sz="1300"/>
+          </a:p>
+          <a:p>
+            <a:pPr indent="0" lvl="0" marL="0" rtl="0" algn="l">
+              <a:spcBef>
+                <a:spcPts val="1600"/>
+              </a:spcBef>
+              <a:spcAft>
+                <a:spcPts val="1600"/>
+              </a:spcAft>
+              <a:buNone/>
+            </a:pPr>
+            <a:r>
+              <a:t/>
+            </a:r>
+            <a:endParaRPr sz="1300"/>
+          </a:p>
+        </p:txBody>
+      </p:sp>
+    </p:spTree>
+  </p:cSld>
+  <p:clrMapOvr>
+    <a:masterClrMapping/>
+  </p:clrMapOvr>
+</p:sld>
+</file>
+
+<file path=ppt/slides/slide18.xml><?xml version="1.0" encoding="utf-8"?>
+<p:sld xmlns:a="http://schemas.openxmlformats.org/drawingml/2006/main" xmlns:r="http://schemas.openxmlformats.org/officeDocument/2006/relationships" xmlns:mc="http://schemas.openxmlformats.org/markup-compatibility/2006" xmlns:mv="urn:schemas-microsoft-com:mac:vml" xmlns:p="http://schemas.openxmlformats.org/presentationml/2006/main" xmlns:c="http://schemas.openxmlformats.org/drawingml/2006/chart" xmlns:dgm="http://schemas.openxmlformats.org/drawingml/2006/diagram" xmlns:o="urn:schemas-microsoft-com:office:office" xmlns:v="urn:schemas-microsoft-com:vml" xmlns:pvml="urn:schemas-microsoft-com:office:powerpoint" xmlns:com="http://schemas.openxmlformats.org/drawingml/2006/compatibility" xmlns:p14="http://schemas.microsoft.com/office/powerpoint/2010/main" xmlns:p15="http://schemas.microsoft.com/office/powerpoint/2012/main" xmlns:ahyp="http://schemas.microsoft.com/office/drawing/2018/hyperlinkcolor">
+  <p:cSld>
+    <p:spTree>
+      <p:nvGrpSpPr>
         <p:cNvPr id="237" name="Shape 237"/>
         <p:cNvGrpSpPr/>
         <p:nvPr/>
@@ -11916,7 +11118,7 @@
       </p:grpSpPr>
       <p:sp>
         <p:nvSpPr>
-          <p:cNvPr id="238" name="Google Shape;238;p29"/>
+          <p:cNvPr id="238" name="Google Shape;238;p30"/>
           <p:cNvSpPr txBox="1"/>
           <p:nvPr>
             <p:ph type="title"/>
@@ -11956,7 +11158,7 @@
       </p:sp>
       <p:sp>
         <p:nvSpPr>
-          <p:cNvPr id="239" name="Google Shape;239;p29"/>
+          <p:cNvPr id="239" name="Google Shape;239;p30"/>
           <p:cNvSpPr txBox="1"/>
           <p:nvPr>
             <p:ph idx="2" type="body"/>
@@ -11965,7 +11167,7 @@
         <p:spPr>
           <a:xfrm>
             <a:off x="4939500" y="187275"/>
-            <a:ext cx="3837000" cy="4307100"/>
+            <a:ext cx="3837000" cy="4852500"/>
           </a:xfrm>
           <a:prstGeom prst="rect">
             <a:avLst/>
@@ -12124,6 +11326,44 @@
             </a:pPr>
             <a:r>
               <a:rPr lang="en"/>
+              <a:t>Public Record</a:t>
+            </a:r>
+            <a:endParaRPr/>
+          </a:p>
+          <a:p>
+            <a:pPr indent="-342900" lvl="0" marL="457200" rtl="0" algn="l">
+              <a:spcBef>
+                <a:spcPts val="0"/>
+              </a:spcBef>
+              <a:spcAft>
+                <a:spcPts val="0"/>
+              </a:spcAft>
+              <a:buSzPts val="1800"/>
+              <a:buChar char="●"/>
+            </a:pPr>
+            <a:r>
+              <a:rPr lang="en"/>
+              <a:t>Public Record for </a:t>
+            </a:r>
+            <a:r>
+              <a:rPr lang="en"/>
+              <a:t>bankruptcies</a:t>
+            </a:r>
+            <a:endParaRPr/>
+          </a:p>
+          <a:p>
+            <a:pPr indent="-342900" lvl="0" marL="457200" rtl="0" algn="l">
+              <a:spcBef>
+                <a:spcPts val="0"/>
+              </a:spcBef>
+              <a:spcAft>
+                <a:spcPts val="0"/>
+              </a:spcAft>
+              <a:buSzPts val="1800"/>
+              <a:buChar char="●"/>
+            </a:pPr>
+            <a:r>
+              <a:rPr lang="en"/>
               <a:t>Funded amount by investors</a:t>
             </a:r>
             <a:endParaRPr/>
@@ -12138,7 +11378,7 @@
 </p:sld>
 </file>
 
-<file path=ppt/slides/slide18.xml><?xml version="1.0" encoding="utf-8"?>
+<file path=ppt/slides/slide19.xml><?xml version="1.0" encoding="utf-8"?>
 <p:sld xmlns:a="http://schemas.openxmlformats.org/drawingml/2006/main" xmlns:r="http://schemas.openxmlformats.org/officeDocument/2006/relationships" xmlns:mc="http://schemas.openxmlformats.org/markup-compatibility/2006" xmlns:mv="urn:schemas-microsoft-com:mac:vml" xmlns:p="http://schemas.openxmlformats.org/presentationml/2006/main" xmlns:c="http://schemas.openxmlformats.org/drawingml/2006/chart" xmlns:dgm="http://schemas.openxmlformats.org/drawingml/2006/diagram" xmlns:o="urn:schemas-microsoft-com:office:office" xmlns:v="urn:schemas-microsoft-com:vml" xmlns:pvml="urn:schemas-microsoft-com:office:powerpoint" xmlns:com="http://schemas.openxmlformats.org/drawingml/2006/compatibility" xmlns:p14="http://schemas.microsoft.com/office/powerpoint/2010/main" xmlns:p15="http://schemas.microsoft.com/office/powerpoint/2012/main" xmlns:ahyp="http://schemas.microsoft.com/office/drawing/2018/hyperlinkcolor">
   <p:cSld>
     <p:spTree>
@@ -12157,7 +11397,7 @@
       </p:grpSpPr>
       <p:sp>
         <p:nvSpPr>
-          <p:cNvPr id="244" name="Google Shape;244;p30"/>
+          <p:cNvPr id="244" name="Google Shape;244;p31"/>
           <p:cNvSpPr txBox="1"/>
           <p:nvPr>
             <p:ph type="title"/>
@@ -12197,7 +11437,7 @@
       </p:sp>
       <p:sp>
         <p:nvSpPr>
-          <p:cNvPr id="245" name="Google Shape;245;p30"/>
+          <p:cNvPr id="245" name="Google Shape;245;p31"/>
           <p:cNvSpPr txBox="1"/>
           <p:nvPr>
             <p:ph idx="2" type="body"/>
@@ -12246,7 +11486,7 @@
             </a:pPr>
             <a:r>
               <a:rPr lang="en" sz="1600"/>
-              <a:t>Implement Stricter Criteria for Grades B, C, and D</a:t>
+              <a:t>Implement Stricter Criteria for Grades E, F and G.</a:t>
             </a:r>
             <a:endParaRPr sz="1600"/>
           </a:p>
@@ -12263,7 +11503,7 @@
             </a:pPr>
             <a:r>
               <a:rPr lang="en" sz="1600"/>
-              <a:t>Focus on Subgrades B3, B4, and B5</a:t>
+              <a:t>Evaluate and Limit 60-Month Loans</a:t>
             </a:r>
             <a:endParaRPr sz="1600"/>
           </a:p>
@@ -12280,7 +11520,7 @@
             </a:pPr>
             <a:r>
               <a:rPr lang="en" sz="1600"/>
-              <a:t>Evaluate and Limit 60-Month Loans</a:t>
+              <a:t>Review Verification Process as from dataset it is observed that verified loans are more defaulted.</a:t>
             </a:r>
             <a:endParaRPr sz="1600"/>
           </a:p>
@@ -12297,7 +11537,7 @@
             </a:pPr>
             <a:r>
               <a:rPr lang="en" sz="1600"/>
-              <a:t>Anticipate Peak Periods</a:t>
+              <a:t>Adjust Interest Rates Based on DTI Ratios</a:t>
             </a:r>
             <a:endParaRPr sz="1600"/>
           </a:p>
@@ -12314,7 +11554,7 @@
             </a:pPr>
             <a:r>
               <a:rPr lang="en" sz="1600"/>
-              <a:t>Review Verification Process</a:t>
+              <a:t>Consider Annual Income Levels for Affordability</a:t>
             </a:r>
             <a:endParaRPr sz="1600"/>
           </a:p>
@@ -12331,147 +11571,9 @@
             </a:pPr>
             <a:r>
               <a:rPr lang="en" sz="1600"/>
-              <a:t>Adjust Interest Rates Based on DTI Ratios</a:t>
+              <a:t>Check for public records for bankruptcies</a:t>
             </a:r>
             <a:endParaRPr sz="1600"/>
-          </a:p>
-          <a:p>
-            <a:pPr indent="-330200" lvl="0" marL="457200" rtl="0" algn="l">
-              <a:spcBef>
-                <a:spcPts val="0"/>
-              </a:spcBef>
-              <a:spcAft>
-                <a:spcPts val="0"/>
-              </a:spcAft>
-              <a:buSzPts val="1600"/>
-              <a:buChar char="●"/>
-            </a:pPr>
-            <a:r>
-              <a:rPr lang="en" sz="1600"/>
-              <a:t>Consider Annual Income Levels for Affordability</a:t>
-            </a:r>
-            <a:endParaRPr sz="1600"/>
-          </a:p>
-        </p:txBody>
-      </p:sp>
-    </p:spTree>
-  </p:cSld>
-  <p:clrMapOvr>
-    <a:masterClrMapping/>
-  </p:clrMapOvr>
-</p:sld>
-</file>
-
-<file path=ppt/slides/slide19.xml><?xml version="1.0" encoding="utf-8"?>
-<p:sld xmlns:a="http://schemas.openxmlformats.org/drawingml/2006/main" xmlns:r="http://schemas.openxmlformats.org/officeDocument/2006/relationships" xmlns:mc="http://schemas.openxmlformats.org/markup-compatibility/2006" xmlns:mv="urn:schemas-microsoft-com:mac:vml" xmlns:p="http://schemas.openxmlformats.org/presentationml/2006/main" xmlns:c="http://schemas.openxmlformats.org/drawingml/2006/chart" xmlns:dgm="http://schemas.openxmlformats.org/drawingml/2006/diagram" xmlns:o="urn:schemas-microsoft-com:office:office" xmlns:v="urn:schemas-microsoft-com:vml" xmlns:pvml="urn:schemas-microsoft-com:office:powerpoint" xmlns:com="http://schemas.openxmlformats.org/drawingml/2006/compatibility" xmlns:p14="http://schemas.microsoft.com/office/powerpoint/2010/main" xmlns:p15="http://schemas.microsoft.com/office/powerpoint/2012/main" xmlns:ahyp="http://schemas.microsoft.com/office/drawing/2018/hyperlinkcolor">
-  <p:cSld>
-    <p:spTree>
-      <p:nvGrpSpPr>
-        <p:cNvPr id="249" name="Shape 249"/>
-        <p:cNvGrpSpPr/>
-        <p:nvPr/>
-      </p:nvGrpSpPr>
-      <p:grpSpPr>
-        <a:xfrm>
-          <a:off x="0" y="0"/>
-          <a:ext cx="0" cy="0"/>
-          <a:chOff x="0" y="0"/>
-          <a:chExt cx="0" cy="0"/>
-        </a:xfrm>
-      </p:grpSpPr>
-      <p:sp>
-        <p:nvSpPr>
-          <p:cNvPr id="250" name="Google Shape;250;p31"/>
-          <p:cNvSpPr txBox="1"/>
-          <p:nvPr>
-            <p:ph type="ctrTitle"/>
-          </p:nvPr>
-        </p:nvSpPr>
-        <p:spPr>
-          <a:xfrm>
-            <a:off x="598100" y="1775222"/>
-            <a:ext cx="8222100" cy="838800"/>
-          </a:xfrm>
-          <a:prstGeom prst="rect">
-            <a:avLst/>
-          </a:prstGeom>
-        </p:spPr>
-        <p:txBody>
-          <a:bodyPr anchorCtr="0" anchor="b" bIns="91425" lIns="91425" spcFirstLastPara="1" rIns="91425" wrap="square" tIns="91425">
-            <a:noAutofit/>
-          </a:bodyPr>
-          <a:lstStyle/>
-          <a:p>
-            <a:pPr indent="0" lvl="0" marL="0" rtl="0" algn="l">
-              <a:spcBef>
-                <a:spcPts val="0"/>
-              </a:spcBef>
-              <a:spcAft>
-                <a:spcPts val="0"/>
-              </a:spcAft>
-              <a:buNone/>
-            </a:pPr>
-            <a:r>
-              <a:rPr lang="en"/>
-              <a:t>Team</a:t>
-            </a:r>
-            <a:endParaRPr/>
-          </a:p>
-        </p:txBody>
-      </p:sp>
-      <p:sp>
-        <p:nvSpPr>
-          <p:cNvPr id="251" name="Google Shape;251;p31"/>
-          <p:cNvSpPr txBox="1"/>
-          <p:nvPr>
-            <p:ph idx="1" type="subTitle"/>
-          </p:nvPr>
-        </p:nvSpPr>
-        <p:spPr>
-          <a:xfrm>
-            <a:off x="598100" y="2715934"/>
-            <a:ext cx="8222100" cy="754800"/>
-          </a:xfrm>
-          <a:prstGeom prst="rect">
-            <a:avLst/>
-          </a:prstGeom>
-        </p:spPr>
-        <p:txBody>
-          <a:bodyPr anchorCtr="0" anchor="t" bIns="91425" lIns="91425" spcFirstLastPara="1" rIns="91425" wrap="square" tIns="91425">
-            <a:noAutofit/>
-          </a:bodyPr>
-          <a:lstStyle/>
-          <a:p>
-            <a:pPr indent="0" lvl="0" marL="0" rtl="0" algn="l">
-              <a:spcBef>
-                <a:spcPts val="0"/>
-              </a:spcBef>
-              <a:spcAft>
-                <a:spcPts val="0"/>
-              </a:spcAft>
-              <a:buNone/>
-            </a:pPr>
-            <a:r>
-              <a:rPr lang="en"/>
-              <a:t>Raman Pandey</a:t>
-            </a:r>
-            <a:endParaRPr/>
-          </a:p>
-          <a:p>
-            <a:pPr indent="0" lvl="0" marL="0" rtl="0" algn="l">
-              <a:spcBef>
-                <a:spcPts val="0"/>
-              </a:spcBef>
-              <a:spcAft>
-                <a:spcPts val="0"/>
-              </a:spcAft>
-              <a:buNone/>
-            </a:pPr>
-            <a:r>
-              <a:rPr lang="en"/>
-              <a:t>Rajeev Ranjan</a:t>
-            </a:r>
-            <a:endParaRPr/>
           </a:p>
         </p:txBody>
       </p:sp>
@@ -12550,8 +11652,8 @@
         </p:nvSpPr>
         <p:spPr>
           <a:xfrm>
-            <a:off x="311700" y="1244710"/>
-            <a:ext cx="8564700" cy="3399300"/>
+            <a:off x="311700" y="934125"/>
+            <a:ext cx="8564700" cy="3934500"/>
           </a:xfrm>
           <a:prstGeom prst="rect">
             <a:avLst/>
@@ -12563,208 +11665,380 @@
           </a:bodyPr>
           <a:lstStyle/>
           <a:p>
-            <a:pPr indent="-336550" lvl="0" marL="457200" rtl="0" algn="l">
-              <a:spcBef>
-                <a:spcPts val="0"/>
-              </a:spcBef>
-              <a:spcAft>
-                <a:spcPts val="0"/>
-              </a:spcAft>
-              <a:buSzPts val="1700"/>
+            <a:pPr indent="-317500" lvl="0" marL="457200" rtl="0" algn="l">
+              <a:spcBef>
+                <a:spcPts val="0"/>
+              </a:spcBef>
+              <a:spcAft>
+                <a:spcPts val="0"/>
+              </a:spcAft>
+              <a:buSzPts val="1400"/>
               <a:buChar char="●"/>
             </a:pPr>
             <a:r>
-              <a:rPr lang="en" sz="1700"/>
+              <a:rPr lang="en" sz="1400"/>
               <a:t>The Problem</a:t>
             </a:r>
-            <a:endParaRPr sz="1700"/>
-          </a:p>
-          <a:p>
-            <a:pPr indent="-336550" lvl="0" marL="457200" rtl="0" algn="l">
-              <a:spcBef>
-                <a:spcPts val="0"/>
-              </a:spcBef>
-              <a:spcAft>
-                <a:spcPts val="0"/>
-              </a:spcAft>
-              <a:buSzPts val="1700"/>
+            <a:endParaRPr sz="1400"/>
+          </a:p>
+          <a:p>
+            <a:pPr indent="-317500" lvl="1" marL="914400" rtl="0" algn="l">
+              <a:spcBef>
+                <a:spcPts val="0"/>
+              </a:spcBef>
+              <a:spcAft>
+                <a:spcPts val="0"/>
+              </a:spcAft>
+              <a:buSzPts val="1400"/>
+              <a:buChar char="○"/>
+            </a:pPr>
+            <a:r>
+              <a:rPr lang="en"/>
+              <a:t>Domain, Context and Problem Statement</a:t>
+            </a:r>
+            <a:endParaRPr/>
+          </a:p>
+          <a:p>
+            <a:pPr indent="-317500" lvl="1" marL="914400" rtl="0" algn="l">
+              <a:spcBef>
+                <a:spcPts val="0"/>
+              </a:spcBef>
+              <a:spcAft>
+                <a:spcPts val="0"/>
+              </a:spcAft>
+              <a:buSzPts val="1400"/>
+              <a:buChar char="○"/>
+            </a:pPr>
+            <a:r>
+              <a:rPr lang="en"/>
+              <a:t>Decision Matrix</a:t>
+            </a:r>
+            <a:endParaRPr sz="1400"/>
+          </a:p>
+          <a:p>
+            <a:pPr indent="-317500" lvl="0" marL="457200" rtl="0" algn="l">
+              <a:spcBef>
+                <a:spcPts val="0"/>
+              </a:spcBef>
+              <a:spcAft>
+                <a:spcPts val="0"/>
+              </a:spcAft>
+              <a:buSzPts val="1400"/>
               <a:buChar char="●"/>
             </a:pPr>
             <a:r>
-              <a:rPr lang="en" sz="1700"/>
-              <a:t>Objectives</a:t>
-            </a:r>
-            <a:endParaRPr sz="1700"/>
-          </a:p>
-          <a:p>
-            <a:pPr indent="-336550" lvl="0" marL="457200" rtl="0" algn="l">
-              <a:spcBef>
-                <a:spcPts val="0"/>
-              </a:spcBef>
-              <a:spcAft>
-                <a:spcPts val="0"/>
-              </a:spcAft>
-              <a:buSzPts val="1700"/>
+              <a:rPr lang="en" sz="1400"/>
+              <a:t>Dataset understanding</a:t>
+            </a:r>
+            <a:endParaRPr sz="1400"/>
+          </a:p>
+          <a:p>
+            <a:pPr indent="-317500" lvl="0" marL="457200" rtl="0" algn="l">
+              <a:spcBef>
+                <a:spcPts val="0"/>
+              </a:spcBef>
+              <a:spcAft>
+                <a:spcPts val="0"/>
+              </a:spcAft>
+              <a:buSzPts val="1400"/>
               <a:buChar char="●"/>
             </a:pPr>
             <a:r>
-              <a:rPr lang="en" sz="1700"/>
-              <a:t>Dataset understanding</a:t>
-            </a:r>
-            <a:endParaRPr sz="1700"/>
-          </a:p>
-          <a:p>
-            <a:pPr indent="-311150" lvl="1" marL="914400" rtl="0" algn="l">
-              <a:spcBef>
-                <a:spcPts val="0"/>
-              </a:spcBef>
-              <a:spcAft>
-                <a:spcPts val="0"/>
-              </a:spcAft>
-              <a:buSzPts val="1300"/>
+              <a:rPr lang="en" sz="1400"/>
+              <a:t>Assumptions</a:t>
+            </a:r>
+            <a:endParaRPr sz="1800"/>
+          </a:p>
+          <a:p>
+            <a:pPr indent="-317500" lvl="0" marL="457200" rtl="0" algn="l">
+              <a:spcBef>
+                <a:spcPts val="0"/>
+              </a:spcBef>
+              <a:spcAft>
+                <a:spcPts val="0"/>
+              </a:spcAft>
+              <a:buSzPts val="1400"/>
+              <a:buChar char="●"/>
+            </a:pPr>
+            <a:r>
+              <a:rPr lang="en" sz="1400"/>
+              <a:t>Challenges deep dive</a:t>
+            </a:r>
+            <a:endParaRPr sz="1400"/>
+          </a:p>
+          <a:p>
+            <a:pPr indent="-317500" lvl="0" marL="457200" rtl="0" algn="l">
+              <a:spcBef>
+                <a:spcPts val="0"/>
+              </a:spcBef>
+              <a:spcAft>
+                <a:spcPts val="0"/>
+              </a:spcAft>
+              <a:buSzPts val="1400"/>
+              <a:buChar char="●"/>
+            </a:pPr>
+            <a:r>
+              <a:rPr lang="en" sz="1400"/>
+              <a:t>Approach</a:t>
+            </a:r>
+            <a:endParaRPr sz="1400"/>
+          </a:p>
+          <a:p>
+            <a:pPr indent="-317500" lvl="1" marL="914400" rtl="0" algn="l">
+              <a:spcBef>
+                <a:spcPts val="0"/>
+              </a:spcBef>
+              <a:spcAft>
+                <a:spcPts val="0"/>
+              </a:spcAft>
+              <a:buSzPts val="1400"/>
               <a:buChar char="○"/>
             </a:pPr>
             <a:r>
-              <a:rPr lang="en" sz="1300"/>
-              <a:t>Decision Matrix</a:t>
-            </a:r>
-            <a:endParaRPr sz="1300"/>
-          </a:p>
-          <a:p>
-            <a:pPr indent="-311150" lvl="1" marL="914400" rtl="0" algn="l">
-              <a:spcBef>
-                <a:spcPts val="0"/>
-              </a:spcBef>
-              <a:spcAft>
-                <a:spcPts val="0"/>
-              </a:spcAft>
-              <a:buSzPts val="1300"/>
+              <a:rPr lang="en" sz="1400"/>
+              <a:t>Key Columns</a:t>
+            </a:r>
+            <a:endParaRPr sz="1400"/>
+          </a:p>
+          <a:p>
+            <a:pPr indent="-317500" lvl="1" marL="914400" rtl="0" algn="l">
+              <a:spcBef>
+                <a:spcPts val="0"/>
+              </a:spcBef>
+              <a:spcAft>
+                <a:spcPts val="0"/>
+              </a:spcAft>
+              <a:buSzPts val="1400"/>
               <a:buChar char="○"/>
             </a:pPr>
             <a:r>
-              <a:rPr lang="en" sz="1300"/>
-              <a:t>Key Columns</a:t>
-            </a:r>
-            <a:endParaRPr sz="1300"/>
-          </a:p>
-          <a:p>
-            <a:pPr indent="-311150" lvl="1" marL="914400" rtl="0" algn="l">
-              <a:spcBef>
-                <a:spcPts val="0"/>
-              </a:spcBef>
-              <a:spcAft>
-                <a:spcPts val="0"/>
-              </a:spcAft>
-              <a:buSzPts val="1300"/>
+              <a:rPr lang="en" sz="1400"/>
+              <a:t>Excluded Columns</a:t>
+            </a:r>
+            <a:endParaRPr sz="1400"/>
+          </a:p>
+          <a:p>
+            <a:pPr indent="-317500" lvl="1" marL="914400" rtl="0" algn="l">
+              <a:spcBef>
+                <a:spcPts val="0"/>
+              </a:spcBef>
+              <a:spcAft>
+                <a:spcPts val="0"/>
+              </a:spcAft>
+              <a:buSzPts val="1400"/>
               <a:buChar char="○"/>
             </a:pPr>
             <a:r>
-              <a:rPr lang="en" sz="1300"/>
-              <a:t>Excluded Columns</a:t>
-            </a:r>
-            <a:endParaRPr sz="1700"/>
-          </a:p>
-          <a:p>
-            <a:pPr indent="-336550" lvl="0" marL="457200" rtl="0" algn="l">
-              <a:spcBef>
-                <a:spcPts val="0"/>
-              </a:spcBef>
-              <a:spcAft>
-                <a:spcPts val="0"/>
-              </a:spcAft>
-              <a:buSzPts val="1700"/>
+              <a:rPr lang="en"/>
+              <a:t>Data preprocessing</a:t>
+            </a:r>
+            <a:endParaRPr/>
+          </a:p>
+          <a:p>
+            <a:pPr indent="-317500" lvl="1" marL="914400" rtl="0" algn="l">
+              <a:spcBef>
+                <a:spcPts val="0"/>
+              </a:spcBef>
+              <a:spcAft>
+                <a:spcPts val="0"/>
+              </a:spcAft>
+              <a:buSzPts val="1400"/>
+              <a:buChar char="○"/>
+            </a:pPr>
+            <a:r>
+              <a:rPr lang="en"/>
+              <a:t>Analysis (Univariate, Bivariate, Multivariate)</a:t>
+            </a:r>
+            <a:endParaRPr/>
+          </a:p>
+          <a:p>
+            <a:pPr indent="-317500" lvl="0" marL="457200" rtl="0" algn="l">
+              <a:spcBef>
+                <a:spcPts val="0"/>
+              </a:spcBef>
+              <a:spcAft>
+                <a:spcPts val="0"/>
+              </a:spcAft>
+              <a:buSzPts val="1400"/>
               <a:buChar char="●"/>
             </a:pPr>
             <a:r>
-              <a:rPr lang="en" sz="1700"/>
-              <a:t>Challenges deep dive</a:t>
-            </a:r>
-            <a:endParaRPr sz="1700"/>
-          </a:p>
-          <a:p>
-            <a:pPr indent="-336550" lvl="0" marL="457200" rtl="0" algn="l">
-              <a:spcBef>
-                <a:spcPts val="0"/>
-              </a:spcBef>
-              <a:spcAft>
-                <a:spcPts val="0"/>
-              </a:spcAft>
-              <a:buSzPts val="1700"/>
+              <a:rPr lang="en" sz="1400"/>
+              <a:t>Inferences</a:t>
+            </a:r>
+            <a:endParaRPr sz="1400"/>
+          </a:p>
+          <a:p>
+            <a:pPr indent="-317500" lvl="0" marL="457200" rtl="0" algn="l">
+              <a:spcBef>
+                <a:spcPts val="0"/>
+              </a:spcBef>
+              <a:spcAft>
+                <a:spcPts val="0"/>
+              </a:spcAft>
+              <a:buSzPts val="1400"/>
               <a:buChar char="●"/>
             </a:pPr>
             <a:r>
-              <a:rPr lang="en" sz="1700"/>
-              <a:t>Approach</a:t>
-            </a:r>
-            <a:endParaRPr sz="1700"/>
-          </a:p>
-          <a:p>
-            <a:pPr indent="-336550" lvl="1" marL="914400" rtl="0" algn="l">
-              <a:spcBef>
-                <a:spcPts val="0"/>
-              </a:spcBef>
-              <a:spcAft>
-                <a:spcPts val="0"/>
-              </a:spcAft>
-              <a:buSzPts val="1700"/>
-              <a:buChar char="○"/>
-            </a:pPr>
-            <a:r>
-              <a:rPr lang="en" sz="1700"/>
-              <a:t>Analysis (Univariate, Bivariate, Multivariate)</a:t>
-            </a:r>
-            <a:endParaRPr sz="1700"/>
-          </a:p>
-          <a:p>
-            <a:pPr indent="-336550" lvl="0" marL="457200" rtl="0" algn="l">
-              <a:spcBef>
-                <a:spcPts val="0"/>
-              </a:spcBef>
-              <a:spcAft>
-                <a:spcPts val="0"/>
-              </a:spcAft>
-              <a:buSzPts val="1700"/>
+              <a:rPr lang="en" sz="1400"/>
+              <a:t>Result</a:t>
+            </a:r>
+            <a:endParaRPr sz="1400"/>
+          </a:p>
+          <a:p>
+            <a:pPr indent="-317500" lvl="0" marL="457200" rtl="0" algn="l">
+              <a:spcBef>
+                <a:spcPts val="0"/>
+              </a:spcBef>
+              <a:spcAft>
+                <a:spcPts val="0"/>
+              </a:spcAft>
+              <a:buSzPts val="1400"/>
               <a:buChar char="●"/>
             </a:pPr>
             <a:r>
-              <a:rPr lang="en" sz="1700"/>
-              <a:t>Result</a:t>
-            </a:r>
-            <a:endParaRPr sz="1700"/>
-          </a:p>
-          <a:p>
-            <a:pPr indent="-336550" lvl="0" marL="457200" rtl="0" algn="l">
-              <a:spcBef>
-                <a:spcPts val="0"/>
-              </a:spcBef>
-              <a:spcAft>
-                <a:spcPts val="0"/>
-              </a:spcAft>
-              <a:buSzPts val="1700"/>
+              <a:rPr lang="en" sz="1400"/>
+              <a:t>Recommendations</a:t>
+            </a:r>
+            <a:endParaRPr sz="1400"/>
+          </a:p>
+          <a:p>
+            <a:pPr indent="-317500" lvl="0" marL="457200" rtl="0" algn="l">
+              <a:spcBef>
+                <a:spcPts val="0"/>
+              </a:spcBef>
+              <a:spcAft>
+                <a:spcPts val="0"/>
+              </a:spcAft>
+              <a:buSzPts val="1400"/>
               <a:buChar char="●"/>
             </a:pPr>
             <a:r>
-              <a:rPr lang="en" sz="1700"/>
-              <a:t>Recommendations</a:t>
-            </a:r>
-            <a:endParaRPr sz="1700"/>
-          </a:p>
-          <a:p>
-            <a:pPr indent="-336550" lvl="0" marL="457200" rtl="0" algn="l">
-              <a:spcBef>
-                <a:spcPts val="0"/>
-              </a:spcBef>
-              <a:spcAft>
-                <a:spcPts val="0"/>
-              </a:spcAft>
-              <a:buSzPts val="1700"/>
-              <a:buChar char="●"/>
-            </a:pPr>
-            <a:r>
-              <a:rPr lang="en" sz="1700"/>
+              <a:rPr lang="en" sz="1400"/>
               <a:t>Team</a:t>
             </a:r>
-            <a:endParaRPr sz="1700"/>
+            <a:endParaRPr sz="1400"/>
+          </a:p>
+        </p:txBody>
+      </p:sp>
+    </p:spTree>
+  </p:cSld>
+  <p:clrMapOvr>
+    <a:masterClrMapping/>
+  </p:clrMapOvr>
+</p:sld>
+</file>
+
+<file path=ppt/slides/slide20.xml><?xml version="1.0" encoding="utf-8"?>
+<p:sld xmlns:a="http://schemas.openxmlformats.org/drawingml/2006/main" xmlns:r="http://schemas.openxmlformats.org/officeDocument/2006/relationships" xmlns:mc="http://schemas.openxmlformats.org/markup-compatibility/2006" xmlns:mv="urn:schemas-microsoft-com:mac:vml" xmlns:p="http://schemas.openxmlformats.org/presentationml/2006/main" xmlns:c="http://schemas.openxmlformats.org/drawingml/2006/chart" xmlns:dgm="http://schemas.openxmlformats.org/drawingml/2006/diagram" xmlns:o="urn:schemas-microsoft-com:office:office" xmlns:v="urn:schemas-microsoft-com:vml" xmlns:pvml="urn:schemas-microsoft-com:office:powerpoint" xmlns:com="http://schemas.openxmlformats.org/drawingml/2006/compatibility" xmlns:p14="http://schemas.microsoft.com/office/powerpoint/2010/main" xmlns:p15="http://schemas.microsoft.com/office/powerpoint/2012/main" xmlns:ahyp="http://schemas.microsoft.com/office/drawing/2018/hyperlinkcolor">
+  <p:cSld>
+    <p:spTree>
+      <p:nvGrpSpPr>
+        <p:cNvPr id="249" name="Shape 249"/>
+        <p:cNvGrpSpPr/>
+        <p:nvPr/>
+      </p:nvGrpSpPr>
+      <p:grpSpPr>
+        <a:xfrm>
+          <a:off x="0" y="0"/>
+          <a:ext cx="0" cy="0"/>
+          <a:chOff x="0" y="0"/>
+          <a:chExt cx="0" cy="0"/>
+        </a:xfrm>
+      </p:grpSpPr>
+      <p:sp>
+        <p:nvSpPr>
+          <p:cNvPr id="250" name="Google Shape;250;p32"/>
+          <p:cNvSpPr txBox="1"/>
+          <p:nvPr>
+            <p:ph type="ctrTitle"/>
+          </p:nvPr>
+        </p:nvSpPr>
+        <p:spPr>
+          <a:xfrm>
+            <a:off x="598100" y="1775222"/>
+            <a:ext cx="8222100" cy="838800"/>
+          </a:xfrm>
+          <a:prstGeom prst="rect">
+            <a:avLst/>
+          </a:prstGeom>
+        </p:spPr>
+        <p:txBody>
+          <a:bodyPr anchorCtr="0" anchor="b" bIns="91425" lIns="91425" spcFirstLastPara="1" rIns="91425" wrap="square" tIns="91425">
+            <a:noAutofit/>
+          </a:bodyPr>
+          <a:lstStyle/>
+          <a:p>
+            <a:pPr indent="0" lvl="0" marL="0" rtl="0" algn="l">
+              <a:spcBef>
+                <a:spcPts val="0"/>
+              </a:spcBef>
+              <a:spcAft>
+                <a:spcPts val="0"/>
+              </a:spcAft>
+              <a:buNone/>
+            </a:pPr>
+            <a:r>
+              <a:rPr lang="en"/>
+              <a:t>Team</a:t>
+            </a:r>
+            <a:endParaRPr/>
+          </a:p>
+        </p:txBody>
+      </p:sp>
+      <p:sp>
+        <p:nvSpPr>
+          <p:cNvPr id="251" name="Google Shape;251;p32"/>
+          <p:cNvSpPr txBox="1"/>
+          <p:nvPr>
+            <p:ph idx="1" type="subTitle"/>
+          </p:nvPr>
+        </p:nvSpPr>
+        <p:spPr>
+          <a:xfrm>
+            <a:off x="598100" y="2715934"/>
+            <a:ext cx="8222100" cy="754800"/>
+          </a:xfrm>
+          <a:prstGeom prst="rect">
+            <a:avLst/>
+          </a:prstGeom>
+        </p:spPr>
+        <p:txBody>
+          <a:bodyPr anchorCtr="0" anchor="t" bIns="91425" lIns="91425" spcFirstLastPara="1" rIns="91425" wrap="square" tIns="91425">
+            <a:noAutofit/>
+          </a:bodyPr>
+          <a:lstStyle/>
+          <a:p>
+            <a:pPr indent="0" lvl="0" marL="0" rtl="0" algn="l">
+              <a:spcBef>
+                <a:spcPts val="0"/>
+              </a:spcBef>
+              <a:spcAft>
+                <a:spcPts val="0"/>
+              </a:spcAft>
+              <a:buNone/>
+            </a:pPr>
+            <a:r>
+              <a:rPr lang="en"/>
+              <a:t>Raman Pandey</a:t>
+            </a:r>
+            <a:endParaRPr/>
+          </a:p>
+          <a:p>
+            <a:pPr indent="0" lvl="0" marL="0" rtl="0" algn="l">
+              <a:spcBef>
+                <a:spcPts val="0"/>
+              </a:spcBef>
+              <a:spcAft>
+                <a:spcPts val="0"/>
+              </a:spcAft>
+              <a:buNone/>
+            </a:pPr>
+            <a:r>
+              <a:rPr lang="en"/>
+              <a:t>Rajeev Ranjan</a:t>
+            </a:r>
+            <a:endParaRPr/>
           </a:p>
         </p:txBody>
       </p:sp>
@@ -13416,15 +12690,46 @@
                 <a:spcPts val="0"/>
               </a:spcBef>
               <a:spcAft>
+                <a:spcPts val="0"/>
+              </a:spcAft>
+              <a:buNone/>
+            </a:pPr>
+            <a:r>
+              <a:rPr lang="en" sz="1200"/>
+              <a:t>Company wants to understand the driving factors (or driver variables) behind loan default, i.e. the variables which are strong indicators of default.  The company can utilise this knowledge for its portfolio and risk assessment. </a:t>
+            </a:r>
+            <a:endParaRPr sz="1200"/>
+          </a:p>
+          <a:p>
+            <a:pPr indent="0" lvl="0" marL="0" rtl="0" algn="l">
+              <a:spcBef>
                 <a:spcPts val="1600"/>
-              </a:spcAft>
-              <a:buNone/>
-            </a:pPr>
-            <a:r>
-              <a:rPr lang="en" sz="1400"/>
-              <a:t>Company wants to understand the driving factors (or driver variables) behind loan default, i.e. the variables which are strong indicators of default.  The company can utilise this knowledge for its portfolio and risk assessment. </a:t>
-            </a:r>
-            <a:endParaRPr sz="1400"/>
+              </a:spcBef>
+              <a:spcAft>
+                <a:spcPts val="0"/>
+              </a:spcAft>
+              <a:buNone/>
+            </a:pPr>
+            <a:r>
+              <a:rPr lang="en" sz="1200"/>
+              <a:t>Main objective is to find variables in the dataset which influences for loan to be defaulted.</a:t>
+            </a:r>
+            <a:endParaRPr sz="1200"/>
+          </a:p>
+          <a:p>
+            <a:pPr indent="0" lvl="0" marL="0" rtl="0" algn="l">
+              <a:spcBef>
+                <a:spcPts val="1600"/>
+              </a:spcBef>
+              <a:spcAft>
+                <a:spcPts val="1600"/>
+              </a:spcAft>
+              <a:buNone/>
+            </a:pPr>
+            <a:r>
+              <a:t/>
+            </a:r>
+            <a:endParaRPr sz="1200"/>
           </a:p>
         </p:txBody>
       </p:sp>
@@ -13487,7 +12792,7 @@
             </a:pPr>
             <a:r>
               <a:rPr lang="en"/>
-              <a:t>Objective</a:t>
+              <a:t>Decision Matrix</a:t>
             </a:r>
             <a:endParaRPr/>
           </a:p>
@@ -13516,290 +12821,103 @@
           </a:bodyPr>
           <a:lstStyle/>
           <a:p>
-            <a:pPr indent="-317500" lvl="0" marL="457200" rtl="0" algn="l">
-              <a:spcBef>
-                <a:spcPts val="0"/>
-              </a:spcBef>
-              <a:spcAft>
-                <a:spcPts val="0"/>
-              </a:spcAft>
-              <a:buSzPts val="1400"/>
+            <a:pPr indent="0" lvl="0" marL="0" rtl="0" algn="l">
+              <a:spcBef>
+                <a:spcPts val="0"/>
+              </a:spcBef>
+              <a:spcAft>
+                <a:spcPts val="0"/>
+              </a:spcAft>
+              <a:buNone/>
+            </a:pPr>
+            <a:r>
+              <a:rPr lang="en" sz="1500"/>
+              <a:t>Loan Accepted - Three Scenarios</a:t>
+            </a:r>
+            <a:endParaRPr sz="1500"/>
+          </a:p>
+          <a:p>
+            <a:pPr indent="-323850" lvl="0" marL="457200" rtl="0" algn="l">
+              <a:spcBef>
+                <a:spcPts val="1600"/>
+              </a:spcBef>
+              <a:spcAft>
+                <a:spcPts val="0"/>
+              </a:spcAft>
+              <a:buSzPts val="1500"/>
               <a:buChar char="●"/>
             </a:pPr>
             <a:r>
-              <a:rPr lang="en" sz="1400"/>
-              <a:t>Dataset is given to for all loan applicants.</a:t>
-            </a:r>
-            <a:endParaRPr sz="1400"/>
-          </a:p>
-          <a:p>
-            <a:pPr indent="-317500" lvl="0" marL="457200" rtl="0" algn="l">
-              <a:spcBef>
-                <a:spcPts val="0"/>
-              </a:spcBef>
-              <a:spcAft>
-                <a:spcPts val="0"/>
-              </a:spcAft>
-              <a:buSzPts val="1400"/>
+              <a:rPr lang="en" sz="1500"/>
+              <a:t>Fully Paid - Applicant has fully paid the loan (the principal and the interest rate)</a:t>
+            </a:r>
+            <a:endParaRPr sz="1500"/>
+          </a:p>
+          <a:p>
+            <a:pPr indent="-323850" lvl="0" marL="457200" rtl="0" algn="l">
+              <a:spcBef>
+                <a:spcPts val="0"/>
+              </a:spcBef>
+              <a:spcAft>
+                <a:spcPts val="0"/>
+              </a:spcAft>
+              <a:buSzPts val="1500"/>
               <a:buChar char="●"/>
             </a:pPr>
             <a:r>
-              <a:rPr lang="en" sz="1400">
-                <a:solidFill>
-                  <a:srgbClr val="24292E"/>
-                </a:solidFill>
-                <a:highlight>
-                  <a:srgbClr val="FFFFFF"/>
-                </a:highlight>
-                <a:latin typeface="Arial"/>
-                <a:ea typeface="Arial"/>
-                <a:cs typeface="Arial"/>
-                <a:sym typeface="Arial"/>
-              </a:rPr>
-              <a:t>The goal is to identify these risky loan applicants, then such loans can be reduced thereby cutting down the amount of credit loss.</a:t>
-            </a:r>
-            <a:endParaRPr sz="1400">
-              <a:solidFill>
-                <a:srgbClr val="24292E"/>
-              </a:solidFill>
-              <a:highlight>
-                <a:srgbClr val="FFFFFF"/>
-              </a:highlight>
-              <a:latin typeface="Arial"/>
-              <a:ea typeface="Arial"/>
-              <a:cs typeface="Arial"/>
-              <a:sym typeface="Arial"/>
-            </a:endParaRPr>
-          </a:p>
-          <a:p>
-            <a:pPr indent="-317500" lvl="0" marL="457200" rtl="0" algn="l">
-              <a:spcBef>
-                <a:spcPts val="0"/>
-              </a:spcBef>
-              <a:spcAft>
-                <a:spcPts val="0"/>
-              </a:spcAft>
-              <a:buClr>
-                <a:srgbClr val="24292E"/>
-              </a:buClr>
-              <a:buSzPts val="1400"/>
-              <a:buFont typeface="Arial"/>
+              <a:rPr lang="en" sz="1500"/>
+              <a:t>Current - Applicant is in the process of paying the instalments, i.e. the tenure of the loan is not yet completed. These candidates are not labelled as ‘defaulted’.</a:t>
+            </a:r>
+            <a:endParaRPr sz="1500"/>
+          </a:p>
+          <a:p>
+            <a:pPr indent="-323850" lvl="0" marL="457200" rtl="0" algn="l">
+              <a:spcBef>
+                <a:spcPts val="0"/>
+              </a:spcBef>
+              <a:spcAft>
+                <a:spcPts val="0"/>
+              </a:spcAft>
+              <a:buSzPts val="1500"/>
               <a:buChar char="●"/>
             </a:pPr>
             <a:r>
-              <a:rPr lang="en" sz="1400">
-                <a:solidFill>
-                  <a:srgbClr val="24292E"/>
-                </a:solidFill>
-                <a:highlight>
-                  <a:srgbClr val="FFFFFF"/>
-                </a:highlight>
-                <a:latin typeface="Arial"/>
-                <a:ea typeface="Arial"/>
-                <a:cs typeface="Arial"/>
-                <a:sym typeface="Arial"/>
-              </a:rPr>
-              <a:t>Identification of such applicants using EDA using the given dataset.</a:t>
-            </a:r>
-            <a:endParaRPr sz="1400">
-              <a:solidFill>
-                <a:srgbClr val="24292E"/>
-              </a:solidFill>
-              <a:highlight>
-                <a:srgbClr val="FFFFFF"/>
-              </a:highlight>
-              <a:latin typeface="Arial"/>
-              <a:ea typeface="Arial"/>
-              <a:cs typeface="Arial"/>
-              <a:sym typeface="Arial"/>
-            </a:endParaRPr>
-          </a:p>
-          <a:p>
-            <a:pPr indent="-317500" lvl="0" marL="457200" rtl="0" algn="l">
-              <a:spcBef>
-                <a:spcPts val="0"/>
-              </a:spcBef>
-              <a:spcAft>
-                <a:spcPts val="0"/>
-              </a:spcAft>
-              <a:buClr>
-                <a:srgbClr val="24292E"/>
-              </a:buClr>
-              <a:buSzPts val="1400"/>
-              <a:buFont typeface="Arial"/>
-              <a:buChar char="●"/>
-            </a:pPr>
-            <a:r>
-              <a:rPr lang="en" sz="1400">
-                <a:solidFill>
-                  <a:srgbClr val="24292E"/>
-                </a:solidFill>
-                <a:highlight>
-                  <a:srgbClr val="FFFFFF"/>
-                </a:highlight>
-                <a:latin typeface="Arial"/>
-                <a:ea typeface="Arial"/>
-                <a:cs typeface="Arial"/>
-                <a:sym typeface="Arial"/>
-              </a:rPr>
-              <a:t>If one is able to identify these risky loan applicants, then such loans can be reduced thereby cutting down the amount of credit loss. Identification of such applicants using EDA is the aim of this case study.</a:t>
-            </a:r>
-            <a:endParaRPr sz="1400">
-              <a:solidFill>
-                <a:srgbClr val="24292E"/>
-              </a:solidFill>
-              <a:highlight>
-                <a:srgbClr val="FFFFFF"/>
-              </a:highlight>
-              <a:latin typeface="Arial"/>
-              <a:ea typeface="Arial"/>
-              <a:cs typeface="Arial"/>
-              <a:sym typeface="Arial"/>
-            </a:endParaRPr>
-          </a:p>
-          <a:p>
-            <a:pPr indent="-317500" lvl="0" marL="457200" rtl="0" algn="l">
-              <a:spcBef>
-                <a:spcPts val="0"/>
-              </a:spcBef>
-              <a:spcAft>
-                <a:spcPts val="0"/>
-              </a:spcAft>
-              <a:buClr>
-                <a:srgbClr val="24292E"/>
-              </a:buClr>
-              <a:buSzPts val="1400"/>
-              <a:buFont typeface="Arial"/>
-              <a:buChar char="●"/>
-            </a:pPr>
-            <a:r>
-              <a:rPr lang="en" sz="1400">
-                <a:solidFill>
-                  <a:srgbClr val="24292E"/>
-                </a:solidFill>
-                <a:highlight>
-                  <a:srgbClr val="FFFFFF"/>
-                </a:highlight>
-                <a:latin typeface="Arial"/>
-                <a:ea typeface="Arial"/>
-                <a:cs typeface="Arial"/>
-                <a:sym typeface="Arial"/>
-              </a:rPr>
-              <a:t>Main objective is to find variables in the dataset which influences for loan to be defaulted.</a:t>
-            </a:r>
-            <a:endParaRPr sz="1400">
-              <a:solidFill>
-                <a:srgbClr val="24292E"/>
-              </a:solidFill>
-              <a:highlight>
-                <a:srgbClr val="FFFFFF"/>
-              </a:highlight>
-              <a:latin typeface="Arial"/>
-              <a:ea typeface="Arial"/>
-              <a:cs typeface="Arial"/>
-              <a:sym typeface="Arial"/>
-            </a:endParaRPr>
-          </a:p>
-          <a:p>
-            <a:pPr indent="-317500" lvl="0" marL="457200" rtl="0" algn="l">
-              <a:spcBef>
-                <a:spcPts val="0"/>
-              </a:spcBef>
-              <a:spcAft>
-                <a:spcPts val="0"/>
-              </a:spcAft>
-              <a:buClr>
-                <a:srgbClr val="24292E"/>
-              </a:buClr>
-              <a:buSzPts val="1400"/>
-              <a:buFont typeface="Arial"/>
-              <a:buChar char="●"/>
-            </a:pPr>
-            <a:r>
-              <a:rPr lang="en" sz="1400">
-                <a:solidFill>
-                  <a:srgbClr val="24292E"/>
-                </a:solidFill>
-                <a:highlight>
-                  <a:srgbClr val="FFFFFF"/>
-                </a:highlight>
-                <a:latin typeface="Arial"/>
-                <a:ea typeface="Arial"/>
-                <a:cs typeface="Arial"/>
-                <a:sym typeface="Arial"/>
-              </a:rPr>
-              <a:t>Identifying the pattern between multiple variables to understand whether lender would become defaulter in later point of time or not.</a:t>
-            </a:r>
-            <a:endParaRPr sz="1400">
-              <a:solidFill>
-                <a:srgbClr val="24292E"/>
-              </a:solidFill>
-              <a:highlight>
-                <a:srgbClr val="FFFFFF"/>
-              </a:highlight>
-              <a:latin typeface="Arial"/>
-              <a:ea typeface="Arial"/>
-              <a:cs typeface="Arial"/>
-              <a:sym typeface="Arial"/>
-            </a:endParaRPr>
-          </a:p>
-          <a:p>
-            <a:pPr indent="-317500" lvl="0" marL="457200" rtl="0" algn="l">
-              <a:spcBef>
-                <a:spcPts val="0"/>
-              </a:spcBef>
-              <a:spcAft>
-                <a:spcPts val="0"/>
-              </a:spcAft>
-              <a:buClr>
-                <a:srgbClr val="24292E"/>
-              </a:buClr>
-              <a:buSzPts val="1400"/>
-              <a:buFont typeface="Arial"/>
-              <a:buChar char="●"/>
-            </a:pPr>
-            <a:r>
-              <a:rPr lang="en" sz="1400">
-                <a:solidFill>
-                  <a:srgbClr val="24292E"/>
-                </a:solidFill>
-                <a:highlight>
-                  <a:srgbClr val="FFFFFF"/>
-                </a:highlight>
-                <a:latin typeface="Arial"/>
-                <a:ea typeface="Arial"/>
-                <a:cs typeface="Arial"/>
-                <a:sym typeface="Arial"/>
-              </a:rPr>
-              <a:t>The aim is to identify patterns which indicate if a person is likely to default, which may be used for taking actions such as denying the loan, reducing the amount of loan, lending </a:t>
-            </a:r>
-            <a:r>
-              <a:rPr lang="en" sz="1400">
-                <a:solidFill>
-                  <a:srgbClr val="24292E"/>
-                </a:solidFill>
-                <a:highlight>
-                  <a:srgbClr val="FFFFFF"/>
-                </a:highlight>
-                <a:latin typeface="Arial"/>
-                <a:ea typeface="Arial"/>
-                <a:cs typeface="Arial"/>
-                <a:sym typeface="Arial"/>
-              </a:rPr>
-              <a:t>(to risky applicants) at a higher interest rate, etc.</a:t>
-            </a:r>
-            <a:endParaRPr sz="1400">
-              <a:solidFill>
-                <a:srgbClr val="24292E"/>
-              </a:solidFill>
-              <a:highlight>
-                <a:srgbClr val="FFFFFF"/>
-              </a:highlight>
-              <a:latin typeface="Arial"/>
-              <a:ea typeface="Arial"/>
-              <a:cs typeface="Arial"/>
-              <a:sym typeface="Arial"/>
-            </a:endParaRPr>
+              <a:rPr lang="en" sz="1500"/>
+              <a:t>Charged-off - Applicant has not paid the installments in due time for a long period of time, i.e. he/she has defaulted on the loan</a:t>
+            </a:r>
+            <a:endParaRPr sz="1500"/>
+          </a:p>
+          <a:p>
+            <a:pPr indent="0" lvl="0" marL="0" rtl="0" algn="l">
+              <a:spcBef>
+                <a:spcPts val="1600"/>
+              </a:spcBef>
+              <a:spcAft>
+                <a:spcPts val="0"/>
+              </a:spcAft>
+              <a:buNone/>
+            </a:pPr>
+            <a:r>
+              <a:rPr lang="en" sz="1500"/>
+              <a:t>Loan Rejected - The company had rejected the loan (because the candidate does not meet their requirements etc.). </a:t>
+            </a:r>
+            <a:endParaRPr sz="1500"/>
+          </a:p>
+          <a:p>
+            <a:pPr indent="0" lvl="0" marL="0" rtl="0" algn="l">
+              <a:spcBef>
+                <a:spcPts val="1600"/>
+              </a:spcBef>
+              <a:spcAft>
+                <a:spcPts val="1600"/>
+              </a:spcAft>
+              <a:buNone/>
+            </a:pPr>
+            <a:r>
+              <a:rPr lang="en" sz="1500"/>
+              <a:t>Since the loan was rejected, there is no transactional history of those applicants with the company and so this data is not available with the company (and thus in this dataset).</a:t>
+            </a:r>
+            <a:endParaRPr sz="1500"/>
           </a:p>
         </p:txBody>
       </p:sp>
@@ -14335,20 +13453,20 @@
         </p:nvSpPr>
         <p:spPr>
           <a:xfrm>
-            <a:off x="311700" y="410000"/>
-            <a:ext cx="8520600" cy="607800"/>
+            <a:off x="265500" y="1151100"/>
+            <a:ext cx="4045200" cy="1564500"/>
           </a:xfrm>
           <a:prstGeom prst="rect">
             <a:avLst/>
           </a:prstGeom>
         </p:spPr>
         <p:txBody>
-          <a:bodyPr anchorCtr="0" anchor="t" bIns="91425" lIns="91425" spcFirstLastPara="1" rIns="91425" wrap="square" tIns="91425">
+          <a:bodyPr anchorCtr="0" anchor="b" bIns="91425" lIns="91425" spcFirstLastPara="1" rIns="91425" wrap="square" tIns="91425">
             <a:noAutofit/>
           </a:bodyPr>
           <a:lstStyle/>
           <a:p>
-            <a:pPr indent="0" lvl="0" marL="0" rtl="0" algn="l">
+            <a:pPr indent="0" lvl="0" marL="0" rtl="0" algn="ctr">
               <a:spcBef>
                 <a:spcPts val="0"/>
               </a:spcBef>
@@ -14359,7 +13477,7 @@
             </a:pPr>
             <a:r>
               <a:rPr lang="en"/>
-              <a:t>Decision Matrix</a:t>
+              <a:t>Assumptions</a:t>
             </a:r>
             <a:endParaRPr/>
           </a:p>
@@ -14370,121 +13488,115 @@
           <p:cNvPr id="130" name="Google Shape;130;p18"/>
           <p:cNvSpPr txBox="1"/>
           <p:nvPr>
-            <p:ph idx="1" type="body"/>
+            <p:ph idx="2" type="body"/>
           </p:nvPr>
         </p:nvSpPr>
         <p:spPr>
           <a:xfrm>
-            <a:off x="311700" y="1229875"/>
-            <a:ext cx="8520600" cy="3339000"/>
+            <a:off x="4939500" y="724200"/>
+            <a:ext cx="3837000" cy="3695100"/>
           </a:xfrm>
           <a:prstGeom prst="rect">
             <a:avLst/>
           </a:prstGeom>
         </p:spPr>
         <p:txBody>
-          <a:bodyPr anchorCtr="0" anchor="t" bIns="91425" lIns="91425" spcFirstLastPara="1" rIns="91425" wrap="square" tIns="91425">
+          <a:bodyPr anchorCtr="0" anchor="ctr" bIns="91425" lIns="91425" spcFirstLastPara="1" rIns="91425" wrap="square" tIns="91425">
             <a:noAutofit/>
           </a:bodyPr>
           <a:lstStyle/>
           <a:p>
-            <a:pPr indent="0" lvl="0" marL="0" rtl="0" algn="l">
-              <a:spcBef>
-                <a:spcPts val="0"/>
-              </a:spcBef>
-              <a:spcAft>
-                <a:spcPts val="0"/>
-              </a:spcAft>
-              <a:buNone/>
-            </a:pPr>
-            <a:r>
-              <a:rPr lang="en" sz="1500"/>
-              <a:t>Loan Accepted - Three Scenarios</a:t>
-            </a:r>
-            <a:endParaRPr sz="1500"/>
-          </a:p>
-          <a:p>
-            <a:pPr indent="-323850" lvl="0" marL="457200" rtl="0" algn="l">
-              <a:spcBef>
-                <a:spcPts val="1600"/>
-              </a:spcBef>
-              <a:spcAft>
-                <a:spcPts val="0"/>
-              </a:spcAft>
-              <a:buSzPts val="1500"/>
+            <a:pPr indent="-330200" lvl="0" marL="457200" rtl="0" algn="l">
+              <a:spcBef>
+                <a:spcPts val="0"/>
+              </a:spcBef>
+              <a:spcAft>
+                <a:spcPts val="0"/>
+              </a:spcAft>
+              <a:buSzPts val="1600"/>
               <a:buChar char="●"/>
             </a:pPr>
             <a:r>
-              <a:rPr lang="en" sz="1500"/>
-              <a:t>Fully Paid - Applicant has fully paid the loan (the principal and the interest rate)</a:t>
-            </a:r>
-            <a:endParaRPr sz="1500"/>
-          </a:p>
-          <a:p>
-            <a:pPr indent="-323850" lvl="0" marL="457200" rtl="0" algn="l">
-              <a:spcBef>
-                <a:spcPts val="0"/>
-              </a:spcBef>
-              <a:spcAft>
-                <a:spcPts val="0"/>
-              </a:spcAft>
-              <a:buSzPts val="1500"/>
+              <a:rPr lang="en" sz="1600"/>
+              <a:t>loan_status is “Current” is not </a:t>
+            </a:r>
+            <a:r>
+              <a:rPr lang="en" sz="1600"/>
+              <a:t>useful</a:t>
+            </a:r>
+            <a:r>
+              <a:rPr lang="en" sz="1600"/>
+              <a:t>.</a:t>
+            </a:r>
+            <a:endParaRPr sz="1600"/>
+          </a:p>
+          <a:p>
+            <a:pPr indent="-330200" lvl="0" marL="457200" rtl="0" algn="l">
+              <a:spcBef>
+                <a:spcPts val="0"/>
+              </a:spcBef>
+              <a:spcAft>
+                <a:spcPts val="0"/>
+              </a:spcAft>
+              <a:buSzPts val="1600"/>
               <a:buChar char="●"/>
             </a:pPr>
             <a:r>
-              <a:rPr lang="en" sz="1500"/>
-              <a:t>Current - Applicant is in the process of paying the instalments, i.e. the tenure of the loan is not yet completed. These candidates are not labelled as ‘defaulted’.</a:t>
-            </a:r>
-            <a:endParaRPr sz="1500"/>
-          </a:p>
-          <a:p>
-            <a:pPr indent="-323850" lvl="0" marL="457200" rtl="0" algn="l">
-              <a:spcBef>
-                <a:spcPts val="0"/>
-              </a:spcBef>
-              <a:spcAft>
-                <a:spcPts val="0"/>
-              </a:spcAft>
-              <a:buSzPts val="1500"/>
+              <a:rPr lang="en" sz="1600"/>
+              <a:t>Binning (based on uniformed intervals)</a:t>
+            </a:r>
+            <a:endParaRPr sz="1600"/>
+          </a:p>
+          <a:p>
+            <a:pPr indent="-330200" lvl="0" marL="457200" rtl="0" algn="l">
+              <a:spcBef>
+                <a:spcPts val="0"/>
+              </a:spcBef>
+              <a:spcAft>
+                <a:spcPts val="0"/>
+              </a:spcAft>
+              <a:buSzPts val="1600"/>
               <a:buChar char="●"/>
             </a:pPr>
             <a:r>
-              <a:rPr lang="en" sz="1500"/>
-              <a:t>Charged-off - Applicant has not paid the installments in due time for a long period of time, i.e. he/she has defaulted on the loan</a:t>
-            </a:r>
-            <a:endParaRPr sz="1500"/>
-          </a:p>
-          <a:p>
-            <a:pPr indent="0" lvl="0" marL="0" rtl="0" algn="l">
-              <a:spcBef>
-                <a:spcPts val="1600"/>
-              </a:spcBef>
-              <a:spcAft>
-                <a:spcPts val="0"/>
-              </a:spcAft>
-              <a:buNone/>
-            </a:pPr>
-            <a:r>
-              <a:rPr lang="en" sz="1500"/>
-              <a:t>Loan Rejected - The company had rejected the loan (because the candidate does not meet their requirements etc.). </a:t>
-            </a:r>
-            <a:endParaRPr sz="1500"/>
-          </a:p>
-          <a:p>
-            <a:pPr indent="0" lvl="0" marL="0" rtl="0" algn="l">
-              <a:spcBef>
-                <a:spcPts val="1600"/>
-              </a:spcBef>
-              <a:spcAft>
-                <a:spcPts val="1600"/>
-              </a:spcAft>
-              <a:buNone/>
-            </a:pPr>
-            <a:r>
-              <a:rPr lang="en" sz="1500"/>
-              <a:t>Since the loan was rejected, there is no transactional history of those applicants with the company and so this data is not available with the company (and thus in this dataset).</a:t>
-            </a:r>
-            <a:endParaRPr sz="1500"/>
+              <a:rPr lang="en" sz="1600"/>
+              <a:t>Dropped Monotonous, ids (such as id, member_id) columns</a:t>
+            </a:r>
+            <a:endParaRPr sz="1600"/>
+          </a:p>
+          <a:p>
+            <a:pPr indent="-330200" lvl="0" marL="457200" rtl="0" algn="l">
+              <a:spcBef>
+                <a:spcPts val="0"/>
+              </a:spcBef>
+              <a:spcAft>
+                <a:spcPts val="0"/>
+              </a:spcAft>
+              <a:buSzPts val="1600"/>
+              <a:buChar char="●"/>
+            </a:pPr>
+            <a:r>
+              <a:rPr lang="en" sz="1600"/>
+              <a:t>Loan description and other free form columns such as title not related to each other and not considered for analysis.</a:t>
+            </a:r>
+            <a:endParaRPr sz="1600"/>
+          </a:p>
+          <a:p>
+            <a:pPr indent="-330200" lvl="0" marL="457200" rtl="0" algn="l">
+              <a:spcBef>
+                <a:spcPts val="0"/>
+              </a:spcBef>
+              <a:spcAft>
+                <a:spcPts val="0"/>
+              </a:spcAft>
+              <a:buSzPts val="1600"/>
+              <a:buChar char="●"/>
+            </a:pPr>
+            <a:r>
+              <a:rPr lang="en" sz="1600"/>
+              <a:t>Post loan approval columns are not considered for analysis</a:t>
+            </a:r>
+            <a:endParaRPr sz="1600"/>
           </a:p>
         </p:txBody>
       </p:sp>
@@ -14547,7 +13659,7 @@
             </a:pPr>
             <a:r>
               <a:rPr lang="en"/>
-              <a:t>Key Columns</a:t>
+              <a:t>Challenges deep-dive</a:t>
             </a:r>
             <a:endParaRPr/>
           </a:p>
@@ -14556,15 +13668,111 @@
       <p:sp>
         <p:nvSpPr>
           <p:cNvPr id="136" name="Google Shape;136;p19"/>
+          <p:cNvSpPr/>
+          <p:nvPr/>
+        </p:nvSpPr>
+        <p:spPr>
+          <a:xfrm>
+            <a:off x="432350" y="1304875"/>
+            <a:ext cx="2469300" cy="607800"/>
+          </a:xfrm>
+          <a:prstGeom prst="homePlate">
+            <a:avLst>
+              <a:gd fmla="val 50000" name="adj"/>
+            </a:avLst>
+          </a:prstGeom>
+          <a:solidFill>
+            <a:schemeClr val="dk1"/>
+          </a:solidFill>
+          <a:ln>
+            <a:noFill/>
+          </a:ln>
+        </p:spPr>
+        <p:txBody>
+          <a:bodyPr anchorCtr="0" anchor="ctr" bIns="121875" lIns="121875" spcFirstLastPara="1" rIns="121875" wrap="square" tIns="121875">
+            <a:noAutofit/>
+          </a:bodyPr>
+          <a:lstStyle/>
+          <a:p>
+            <a:pPr indent="0" lvl="0" marL="0" rtl="0" algn="l">
+              <a:spcBef>
+                <a:spcPts val="0"/>
+              </a:spcBef>
+              <a:spcAft>
+                <a:spcPts val="0"/>
+              </a:spcAft>
+              <a:buNone/>
+            </a:pPr>
+            <a:r>
+              <a:t/>
+            </a:r>
+            <a:endParaRPr/>
+          </a:p>
+        </p:txBody>
+      </p:sp>
+      <p:sp>
+        <p:nvSpPr>
+          <p:cNvPr id="137" name="Google Shape;137;p19"/>
           <p:cNvSpPr txBox="1"/>
           <p:nvPr>
-            <p:ph idx="1" type="body"/>
+            <p:ph idx="4294967295" type="body"/>
           </p:nvPr>
         </p:nvSpPr>
         <p:spPr>
           <a:xfrm>
-            <a:off x="311700" y="1229875"/>
-            <a:ext cx="8520600" cy="3339000"/>
+            <a:off x="432350" y="1451576"/>
+            <a:ext cx="2257200" cy="314400"/>
+          </a:xfrm>
+          <a:prstGeom prst="rect">
+            <a:avLst/>
+          </a:prstGeom>
+        </p:spPr>
+        <p:txBody>
+          <a:bodyPr anchorCtr="0" anchor="ctr" bIns="91425" lIns="91425" spcFirstLastPara="1" rIns="91425" wrap="square" tIns="91425">
+            <a:noAutofit/>
+          </a:bodyPr>
+          <a:lstStyle/>
+          <a:p>
+            <a:pPr indent="0" lvl="0" marL="0" rtl="0" algn="l">
+              <a:lnSpc>
+                <a:spcPct val="100000"/>
+              </a:lnSpc>
+              <a:spcBef>
+                <a:spcPts val="0"/>
+              </a:spcBef>
+              <a:spcAft>
+                <a:spcPts val="0"/>
+              </a:spcAft>
+              <a:buNone/>
+            </a:pPr>
+            <a:r>
+              <a:rPr lang="en">
+                <a:solidFill>
+                  <a:schemeClr val="lt1"/>
+                </a:solidFill>
+              </a:rPr>
+              <a:t>Challenge 1</a:t>
+            </a:r>
+            <a:endParaRPr>
+              <a:solidFill>
+                <a:schemeClr val="lt1"/>
+              </a:solidFill>
+            </a:endParaRPr>
+          </a:p>
+        </p:txBody>
+      </p:sp>
+      <p:sp>
+        <p:nvSpPr>
+          <p:cNvPr id="138" name="Google Shape;138;p19"/>
+          <p:cNvSpPr txBox="1"/>
+          <p:nvPr>
+            <p:ph idx="4294967295" type="body"/>
+          </p:nvPr>
+        </p:nvSpPr>
+        <p:spPr>
+          <a:xfrm>
+            <a:off x="432350" y="2070575"/>
+            <a:ext cx="2471700" cy="2650800"/>
           </a:xfrm>
           <a:prstGeom prst="rect">
             <a:avLst/>
@@ -14586,132 +13794,344 @@
               <a:buNone/>
             </a:pPr>
             <a:r>
-              <a:rPr b="1" lang="en" sz="1200" u="sng"/>
-              <a:t>Customer Demographics</a:t>
-            </a:r>
-            <a:endParaRPr b="1" sz="1200" u="sng"/>
-          </a:p>
-          <a:p>
-            <a:pPr indent="-304800" lvl="0" marL="457200" rtl="0" algn="l">
-              <a:spcBef>
-                <a:spcPts val="1600"/>
-              </a:spcBef>
-              <a:spcAft>
-                <a:spcPts val="0"/>
-              </a:spcAft>
-              <a:buSzPts val="1200"/>
-              <a:buChar char="●"/>
+              <a:rPr b="1" lang="en" sz="1600"/>
+              <a:t>Find </a:t>
+            </a:r>
+            <a:r>
+              <a:rPr b="1" lang="en" sz="1600"/>
+              <a:t>relevant</a:t>
+            </a:r>
+            <a:r>
+              <a:rPr b="1" lang="en" sz="1600"/>
+              <a:t> attributes</a:t>
+            </a:r>
+            <a:endParaRPr b="1" sz="1600"/>
+          </a:p>
+          <a:p>
+            <a:pPr indent="0" lvl="0" marL="0" rtl="0" algn="l">
+              <a:spcBef>
+                <a:spcPts val="800"/>
+              </a:spcBef>
+              <a:spcAft>
+                <a:spcPts val="800"/>
+              </a:spcAft>
+              <a:buNone/>
+            </a:pPr>
+            <a:r>
+              <a:rPr lang="en" sz="1600"/>
+              <a:t>To find columns which are really significant for analysis and contribute to discover patterns.</a:t>
+            </a:r>
+            <a:endParaRPr sz="1600"/>
+          </a:p>
+        </p:txBody>
+      </p:sp>
+      <p:sp>
+        <p:nvSpPr>
+          <p:cNvPr id="139" name="Google Shape;139;p19"/>
+          <p:cNvSpPr/>
+          <p:nvPr/>
+        </p:nvSpPr>
+        <p:spPr>
+          <a:xfrm>
+            <a:off x="3044777" y="1304875"/>
+            <a:ext cx="2760600" cy="607800"/>
+          </a:xfrm>
+          <a:prstGeom prst="chevron">
+            <a:avLst>
+              <a:gd fmla="val 50000" name="adj"/>
+            </a:avLst>
+          </a:prstGeom>
+          <a:solidFill>
+            <a:schemeClr val="dk1"/>
+          </a:solidFill>
+          <a:ln>
+            <a:noFill/>
+          </a:ln>
+        </p:spPr>
+        <p:txBody>
+          <a:bodyPr anchorCtr="0" anchor="ctr" bIns="121875" lIns="121875" spcFirstLastPara="1" rIns="121875" wrap="square" tIns="121875">
+            <a:noAutofit/>
+          </a:bodyPr>
+          <a:lstStyle/>
+          <a:p>
+            <a:pPr indent="0" lvl="0" marL="0" rtl="0" algn="l">
+              <a:spcBef>
+                <a:spcPts val="0"/>
+              </a:spcBef>
+              <a:spcAft>
+                <a:spcPts val="0"/>
+              </a:spcAft>
+              <a:buNone/>
+            </a:pPr>
+            <a:r>
+              <a:t/>
+            </a:r>
+            <a:endParaRPr/>
+          </a:p>
+        </p:txBody>
+      </p:sp>
+      <p:sp>
+        <p:nvSpPr>
+          <p:cNvPr id="140" name="Google Shape;140;p19"/>
+          <p:cNvSpPr txBox="1"/>
+          <p:nvPr>
+            <p:ph idx="4294967295" type="body"/>
+          </p:nvPr>
+        </p:nvSpPr>
+        <p:spPr>
+          <a:xfrm>
+            <a:off x="3336150" y="1451576"/>
+            <a:ext cx="2257200" cy="314400"/>
+          </a:xfrm>
+          <a:prstGeom prst="rect">
+            <a:avLst/>
+          </a:prstGeom>
+        </p:spPr>
+        <p:txBody>
+          <a:bodyPr anchorCtr="0" anchor="ctr" bIns="91425" lIns="91425" spcFirstLastPara="1" rIns="91425" wrap="square" tIns="91425">
+            <a:noAutofit/>
+          </a:bodyPr>
+          <a:lstStyle/>
+          <a:p>
+            <a:pPr indent="0" lvl="0" marL="0" rtl="0" algn="l">
+              <a:lnSpc>
+                <a:spcPct val="100000"/>
+              </a:lnSpc>
+              <a:spcBef>
+                <a:spcPts val="0"/>
+              </a:spcBef>
+              <a:spcAft>
+                <a:spcPts val="0"/>
+              </a:spcAft>
+              <a:buNone/>
+            </a:pPr>
+            <a:r>
+              <a:rPr lang="en">
+                <a:solidFill>
+                  <a:schemeClr val="lt1"/>
+                </a:solidFill>
+              </a:rPr>
+              <a:t>Challenge 2</a:t>
+            </a:r>
+            <a:endParaRPr>
+              <a:solidFill>
+                <a:schemeClr val="lt1"/>
+              </a:solidFill>
+            </a:endParaRPr>
+          </a:p>
+        </p:txBody>
+      </p:sp>
+      <p:sp>
+        <p:nvSpPr>
+          <p:cNvPr id="141" name="Google Shape;141;p19"/>
+          <p:cNvSpPr txBox="1"/>
+          <p:nvPr>
+            <p:ph idx="4294967295" type="body"/>
+          </p:nvPr>
+        </p:nvSpPr>
+        <p:spPr>
+          <a:xfrm>
+            <a:off x="3336146" y="2070575"/>
+            <a:ext cx="2471700" cy="2650800"/>
+          </a:xfrm>
+          <a:prstGeom prst="rect">
+            <a:avLst/>
+          </a:prstGeom>
+        </p:spPr>
+        <p:txBody>
+          <a:bodyPr anchorCtr="0" anchor="t" bIns="91425" lIns="91425" spcFirstLastPara="1" rIns="91425" wrap="square" tIns="91425">
+            <a:noAutofit/>
+          </a:bodyPr>
+          <a:lstStyle/>
+          <a:p>
+            <a:pPr indent="0" lvl="0" marL="0" rtl="0" algn="l">
+              <a:spcBef>
+                <a:spcPts val="0"/>
+              </a:spcBef>
+              <a:spcAft>
+                <a:spcPts val="0"/>
+              </a:spcAft>
+              <a:buNone/>
+            </a:pPr>
+            <a:r>
+              <a:rPr b="1" lang="en" sz="1500"/>
+              <a:t>Data Correction</a:t>
+            </a:r>
+            <a:endParaRPr b="1" sz="1500"/>
+          </a:p>
+          <a:p>
+            <a:pPr indent="0" lvl="0" marL="0" rtl="0" algn="l">
+              <a:spcBef>
+                <a:spcPts val="800"/>
+              </a:spcBef>
+              <a:spcAft>
+                <a:spcPts val="800"/>
+              </a:spcAft>
+              <a:buNone/>
+            </a:pPr>
+            <a:r>
+              <a:rPr lang="en" sz="1500"/>
+              <a:t>Some of the columns has missing values and data is not in the correct format so data cleansing and standardization is needed. Neatly </a:t>
+            </a:r>
+            <a:r>
+              <a:rPr lang="en" sz="1500"/>
+              <a:t>segregation</a:t>
+            </a:r>
+            <a:r>
+              <a:rPr lang="en" sz="1500"/>
+              <a:t> of categorical and numerical columns.</a:t>
+            </a:r>
+            <a:endParaRPr sz="1500"/>
+          </a:p>
+        </p:txBody>
+      </p:sp>
+      <p:sp>
+        <p:nvSpPr>
+          <p:cNvPr id="142" name="Google Shape;142;p19"/>
+          <p:cNvSpPr/>
+          <p:nvPr/>
+        </p:nvSpPr>
+        <p:spPr>
+          <a:xfrm>
+            <a:off x="5948502" y="1304875"/>
+            <a:ext cx="2760600" cy="607800"/>
+          </a:xfrm>
+          <a:prstGeom prst="chevron">
+            <a:avLst>
+              <a:gd fmla="val 50000" name="adj"/>
+            </a:avLst>
+          </a:prstGeom>
+          <a:solidFill>
+            <a:schemeClr val="dk1"/>
+          </a:solidFill>
+          <a:ln>
+            <a:noFill/>
+          </a:ln>
+        </p:spPr>
+        <p:txBody>
+          <a:bodyPr anchorCtr="0" anchor="ctr" bIns="121875" lIns="121875" spcFirstLastPara="1" rIns="121875" wrap="square" tIns="121875">
+            <a:noAutofit/>
+          </a:bodyPr>
+          <a:lstStyle/>
+          <a:p>
+            <a:pPr indent="0" lvl="0" marL="0" rtl="0" algn="l">
+              <a:spcBef>
+                <a:spcPts val="0"/>
+              </a:spcBef>
+              <a:spcAft>
+                <a:spcPts val="0"/>
+              </a:spcAft>
+              <a:buNone/>
+            </a:pPr>
+            <a:r>
+              <a:t/>
+            </a:r>
+            <a:endParaRPr/>
+          </a:p>
+        </p:txBody>
+      </p:sp>
+      <p:sp>
+        <p:nvSpPr>
+          <p:cNvPr id="143" name="Google Shape;143;p19"/>
+          <p:cNvSpPr txBox="1"/>
+          <p:nvPr>
+            <p:ph idx="4294967295" type="body"/>
+          </p:nvPr>
+        </p:nvSpPr>
+        <p:spPr>
+          <a:xfrm>
+            <a:off x="6254233" y="1451576"/>
+            <a:ext cx="2257200" cy="314400"/>
+          </a:xfrm>
+          <a:prstGeom prst="rect">
+            <a:avLst/>
+          </a:prstGeom>
+        </p:spPr>
+        <p:txBody>
+          <a:bodyPr anchorCtr="0" anchor="ctr" bIns="91425" lIns="91425" spcFirstLastPara="1" rIns="91425" wrap="square" tIns="91425">
+            <a:noAutofit/>
+          </a:bodyPr>
+          <a:lstStyle/>
+          <a:p>
+            <a:pPr indent="0" lvl="0" marL="0" rtl="0" algn="l">
+              <a:lnSpc>
+                <a:spcPct val="100000"/>
+              </a:lnSpc>
+              <a:spcBef>
+                <a:spcPts val="0"/>
+              </a:spcBef>
+              <a:spcAft>
+                <a:spcPts val="0"/>
+              </a:spcAft>
+              <a:buNone/>
+            </a:pPr>
+            <a:r>
+              <a:rPr lang="en">
+                <a:solidFill>
+                  <a:schemeClr val="lt1"/>
+                </a:solidFill>
+              </a:rPr>
+              <a:t>Challenge 3</a:t>
+            </a:r>
+            <a:endParaRPr>
+              <a:solidFill>
+                <a:schemeClr val="lt1"/>
+              </a:solidFill>
+            </a:endParaRPr>
+          </a:p>
+        </p:txBody>
+      </p:sp>
+      <p:sp>
+        <p:nvSpPr>
+          <p:cNvPr id="144" name="Google Shape;144;p19"/>
+          <p:cNvSpPr txBox="1"/>
+          <p:nvPr>
+            <p:ph idx="4294967295" type="body"/>
+          </p:nvPr>
+        </p:nvSpPr>
+        <p:spPr>
+          <a:xfrm>
+            <a:off x="6254226" y="2070575"/>
+            <a:ext cx="2471700" cy="2650800"/>
+          </a:xfrm>
+          <a:prstGeom prst="rect">
+            <a:avLst/>
+          </a:prstGeom>
+        </p:spPr>
+        <p:txBody>
+          <a:bodyPr anchorCtr="0" anchor="t" bIns="91425" lIns="91425" spcFirstLastPara="1" rIns="91425" wrap="square" tIns="91425">
+            <a:noAutofit/>
+          </a:bodyPr>
+          <a:lstStyle/>
+          <a:p>
+            <a:pPr indent="0" lvl="0" marL="0" rtl="0" algn="l">
+              <a:spcBef>
+                <a:spcPts val="0"/>
+              </a:spcBef>
+              <a:spcAft>
+                <a:spcPts val="0"/>
+              </a:spcAft>
+              <a:buNone/>
+            </a:pPr>
+            <a:r>
+              <a:rPr b="1" lang="en" sz="1600"/>
+              <a:t>Discover Relations in attributes</a:t>
+            </a:r>
+            <a:endParaRPr b="1" sz="1600"/>
+          </a:p>
+          <a:p>
+            <a:pPr indent="0" lvl="0" marL="0" rtl="0" algn="l">
+              <a:spcBef>
+                <a:spcPts val="800"/>
+              </a:spcBef>
+              <a:spcAft>
+                <a:spcPts val="800"/>
+              </a:spcAft>
+              <a:buNone/>
             </a:pPr>
             <a:r>
               <a:rPr lang="en" sz="1200"/>
-              <a:t>Annual Income (annual_inc) - Annual income of the customer. Generally higher the income, more chances of loan pass</a:t>
-            </a:r>
-            <a:endParaRPr sz="1200"/>
-          </a:p>
-          <a:p>
-            <a:pPr indent="-304800" lvl="0" marL="457200" rtl="0" algn="l">
-              <a:spcBef>
-                <a:spcPts val="0"/>
-              </a:spcBef>
-              <a:spcAft>
-                <a:spcPts val="0"/>
-              </a:spcAft>
-              <a:buSzPts val="1200"/>
-              <a:buChar char="●"/>
-            </a:pPr>
-            <a:r>
-              <a:rPr lang="en" sz="1200"/>
-              <a:t>Home Ownership (home_ownership) - </a:t>
-            </a:r>
-            <a:r>
-              <a:rPr lang="en" sz="1200"/>
-              <a:t>Whether</a:t>
-            </a:r>
-            <a:r>
-              <a:rPr lang="en" sz="1200"/>
-              <a:t> the customer owns a home or stays rented. Owning a home adds a collateral which increases the chances of loan pass.</a:t>
-            </a:r>
-            <a:endParaRPr sz="1200"/>
-          </a:p>
-          <a:p>
-            <a:pPr indent="-304800" lvl="0" marL="457200" rtl="0" algn="l">
-              <a:spcBef>
-                <a:spcPts val="0"/>
-              </a:spcBef>
-              <a:spcAft>
-                <a:spcPts val="0"/>
-              </a:spcAft>
-              <a:buSzPts val="1200"/>
-              <a:buChar char="●"/>
-            </a:pPr>
-            <a:r>
-              <a:rPr lang="en" sz="1200"/>
-              <a:t>Employment Length (emp_length) - Employment tenure of a customer (this is overall tenure). Higher the tenure, more financial </a:t>
-            </a:r>
-            <a:r>
-              <a:rPr lang="en" sz="1200"/>
-              <a:t>stability</a:t>
-            </a:r>
-            <a:r>
-              <a:rPr lang="en" sz="1200"/>
-              <a:t>, thus higher chances of loan pass</a:t>
-            </a:r>
-            <a:endParaRPr sz="1200"/>
-          </a:p>
-          <a:p>
-            <a:pPr indent="-304800" lvl="0" marL="457200" rtl="0" algn="l">
-              <a:spcBef>
-                <a:spcPts val="0"/>
-              </a:spcBef>
-              <a:spcAft>
-                <a:spcPts val="0"/>
-              </a:spcAft>
-              <a:buSzPts val="1200"/>
-              <a:buChar char="●"/>
-            </a:pPr>
-            <a:r>
-              <a:rPr lang="en" sz="1200"/>
-              <a:t>Debt to Income (dti) - The percentage of the salary which goes towards paying loan. Lower DTI, higher the chances of a loan pass.</a:t>
-            </a:r>
-            <a:endParaRPr sz="1200"/>
-          </a:p>
-          <a:p>
-            <a:pPr indent="-304800" lvl="0" marL="457200" rtl="0" algn="l">
-              <a:spcBef>
-                <a:spcPts val="0"/>
-              </a:spcBef>
-              <a:spcAft>
-                <a:spcPts val="0"/>
-              </a:spcAft>
-              <a:buSzPts val="1200"/>
-              <a:buChar char="●"/>
-            </a:pPr>
-            <a:r>
-              <a:rPr lang="en" sz="1200"/>
-              <a:t>State (addr_state) - Location of the customer. Can be used to create a generic demographic analysis. There could be higher delinquency or defaulters </a:t>
-            </a:r>
-            <a:r>
-              <a:rPr lang="en" sz="1200"/>
-              <a:t>demographically</a:t>
-            </a:r>
-            <a:r>
-              <a:rPr lang="en" sz="1200"/>
-              <a:t>.</a:t>
-            </a:r>
-            <a:endParaRPr sz="1200"/>
-          </a:p>
-          <a:p>
-            <a:pPr indent="0" lvl="0" marL="0" rtl="0" algn="l">
-              <a:spcBef>
-                <a:spcPts val="1600"/>
-              </a:spcBef>
-              <a:spcAft>
-                <a:spcPts val="1600"/>
-              </a:spcAft>
-              <a:buNone/>
-            </a:pPr>
-            <a:r>
-              <a:t/>
+              <a:t>Once data will be in correct format then on remaining columns we need to do analysis and find patterns which affects `loan_status` variable with respect to other variables by using EDA (Univariate, Bivariate, Multivariate) Analysis.</a:t>
             </a:r>
             <a:endParaRPr sz="1200"/>
           </a:p>
@@ -14730,7 +14150,7 @@
   <p:cSld>
     <p:spTree>
       <p:nvGrpSpPr>
-        <p:cNvPr id="140" name="Shape 140"/>
+        <p:cNvPr id="148" name="Shape 148"/>
         <p:cNvGrpSpPr/>
         <p:nvPr/>
       </p:nvGrpSpPr>
@@ -14744,7 +14164,7 @@
       </p:grpSpPr>
       <p:sp>
         <p:nvSpPr>
-          <p:cNvPr id="141" name="Google Shape;141;p20"/>
+          <p:cNvPr id="149" name="Google Shape;149;p20"/>
           <p:cNvSpPr txBox="1"/>
           <p:nvPr>
             <p:ph type="title"/>
@@ -14752,15 +14172,15 @@
         </p:nvSpPr>
         <p:spPr>
           <a:xfrm>
-            <a:off x="311700" y="410000"/>
-            <a:ext cx="8520600" cy="607800"/>
+            <a:off x="598100" y="2152347"/>
+            <a:ext cx="8222100" cy="838800"/>
           </a:xfrm>
           <a:prstGeom prst="rect">
             <a:avLst/>
           </a:prstGeom>
         </p:spPr>
         <p:txBody>
-          <a:bodyPr anchorCtr="0" anchor="t" bIns="91425" lIns="91425" spcFirstLastPara="1" rIns="91425" wrap="square" tIns="91425">
+          <a:bodyPr anchorCtr="0" anchor="ctr" bIns="91425" lIns="91425" spcFirstLastPara="1" rIns="91425" wrap="square" tIns="91425">
             <a:noAutofit/>
           </a:bodyPr>
           <a:lstStyle/>
@@ -14776,235 +14196,9 @@
             </a:pPr>
             <a:r>
               <a:rPr lang="en"/>
-              <a:t>Key Columns</a:t>
+              <a:t>Approach</a:t>
             </a:r>
             <a:endParaRPr/>
-          </a:p>
-        </p:txBody>
-      </p:sp>
-      <p:sp>
-        <p:nvSpPr>
-          <p:cNvPr id="142" name="Google Shape;142;p20"/>
-          <p:cNvSpPr txBox="1"/>
-          <p:nvPr>
-            <p:ph idx="1" type="body"/>
-          </p:nvPr>
-        </p:nvSpPr>
-        <p:spPr>
-          <a:xfrm>
-            <a:off x="311700" y="1229875"/>
-            <a:ext cx="8520600" cy="3339000"/>
-          </a:xfrm>
-          <a:prstGeom prst="rect">
-            <a:avLst/>
-          </a:prstGeom>
-        </p:spPr>
-        <p:txBody>
-          <a:bodyPr anchorCtr="0" anchor="t" bIns="91425" lIns="91425" spcFirstLastPara="1" rIns="91425" wrap="square" tIns="91425">
-            <a:noAutofit/>
-          </a:bodyPr>
-          <a:lstStyle/>
-          <a:p>
-            <a:pPr indent="0" lvl="0" marL="0" rtl="0" algn="l">
-              <a:spcBef>
-                <a:spcPts val="0"/>
-              </a:spcBef>
-              <a:spcAft>
-                <a:spcPts val="0"/>
-              </a:spcAft>
-              <a:buNone/>
-            </a:pPr>
-            <a:r>
-              <a:rPr b="1" lang="en" sz="1100" u="sng"/>
-              <a:t>Loan Attributes</a:t>
-            </a:r>
-            <a:endParaRPr b="1" sz="1100" u="sng"/>
-          </a:p>
-          <a:p>
-            <a:pPr indent="-298450" lvl="0" marL="457200" rtl="0" algn="l">
-              <a:spcBef>
-                <a:spcPts val="1600"/>
-              </a:spcBef>
-              <a:spcAft>
-                <a:spcPts val="0"/>
-              </a:spcAft>
-              <a:buSzPts val="1100"/>
-              <a:buChar char="●"/>
-            </a:pPr>
-            <a:r>
-              <a:rPr lang="en" sz="1100"/>
-              <a:t>Loan </a:t>
-            </a:r>
-            <a:r>
-              <a:rPr lang="en" sz="1100"/>
-              <a:t>Amount</a:t>
-            </a:r>
-            <a:r>
-              <a:rPr lang="en" sz="1100"/>
-              <a:t> (loan_amt)  : Represents the amount of money requested by the borrower as a loan</a:t>
-            </a:r>
-            <a:endParaRPr sz="1100"/>
-          </a:p>
-          <a:p>
-            <a:pPr indent="-298450" lvl="0" marL="457200" rtl="0" algn="l">
-              <a:spcBef>
-                <a:spcPts val="0"/>
-              </a:spcBef>
-              <a:spcAft>
-                <a:spcPts val="0"/>
-              </a:spcAft>
-              <a:buSzPts val="1100"/>
-              <a:buChar char="●"/>
-            </a:pPr>
-            <a:r>
-              <a:rPr lang="en" sz="1100"/>
-              <a:t>Grade (grade) : Represents a rating assigned to the borrower based on their creditworthiness, indicating the level of risk associated with the loan. </a:t>
-            </a:r>
-            <a:endParaRPr sz="1100"/>
-          </a:p>
-          <a:p>
-            <a:pPr indent="-298450" lvl="0" marL="457200" rtl="0" algn="l">
-              <a:spcBef>
-                <a:spcPts val="0"/>
-              </a:spcBef>
-              <a:spcAft>
-                <a:spcPts val="0"/>
-              </a:spcAft>
-              <a:buSzPts val="1100"/>
-              <a:buChar char="●"/>
-            </a:pPr>
-            <a:r>
-              <a:rPr lang="en" sz="1100"/>
-              <a:t>Term (term) : Duration of the loan, typically expressed in months.</a:t>
-            </a:r>
-            <a:endParaRPr sz="1100"/>
-          </a:p>
-          <a:p>
-            <a:pPr indent="-298450" lvl="0" marL="457200" rtl="0" algn="l">
-              <a:spcBef>
-                <a:spcPts val="0"/>
-              </a:spcBef>
-              <a:spcAft>
-                <a:spcPts val="0"/>
-              </a:spcAft>
-              <a:buSzPts val="1100"/>
-              <a:buChar char="●"/>
-            </a:pPr>
-            <a:r>
-              <a:rPr lang="en" sz="1100"/>
-              <a:t>Loan Date (issue_date) : Date when the loan was issued or approved by the lender.</a:t>
-            </a:r>
-            <a:endParaRPr sz="1100"/>
-          </a:p>
-          <a:p>
-            <a:pPr indent="-298450" lvl="0" marL="457200" rtl="0" algn="l">
-              <a:spcBef>
-                <a:spcPts val="0"/>
-              </a:spcBef>
-              <a:spcAft>
-                <a:spcPts val="0"/>
-              </a:spcAft>
-              <a:buSzPts val="1100"/>
-              <a:buChar char="●"/>
-            </a:pPr>
-            <a:r>
-              <a:rPr lang="en" sz="1100"/>
-              <a:t>Purpose of Loan (purpose) : Indicates the reason for which the borrower is seeking the loan, such as debt consolidation, home improvement, or other purposes.</a:t>
-            </a:r>
-            <a:endParaRPr sz="1100"/>
-          </a:p>
-          <a:p>
-            <a:pPr indent="-298450" lvl="0" marL="457200" rtl="0" algn="l">
-              <a:spcBef>
-                <a:spcPts val="0"/>
-              </a:spcBef>
-              <a:spcAft>
-                <a:spcPts val="0"/>
-              </a:spcAft>
-              <a:buSzPts val="1100"/>
-              <a:buChar char="●"/>
-            </a:pPr>
-            <a:r>
-              <a:rPr lang="en" sz="1100"/>
-              <a:t>Verification Status (verification_status) ): Represents whether the borrower's income and other information have been verified by the lender.</a:t>
-            </a:r>
-            <a:endParaRPr sz="1100"/>
-          </a:p>
-          <a:p>
-            <a:pPr indent="-298450" lvl="0" marL="457200" rtl="0" algn="l">
-              <a:spcBef>
-                <a:spcPts val="0"/>
-              </a:spcBef>
-              <a:spcAft>
-                <a:spcPts val="0"/>
-              </a:spcAft>
-              <a:buSzPts val="1100"/>
-              <a:buChar char="●"/>
-            </a:pPr>
-            <a:r>
-              <a:rPr lang="en" sz="1100"/>
-              <a:t>Interest Rate (int_rate) ): Represents the annual rate at which the borrower will be charged interest on the loan amount. </a:t>
-            </a:r>
-            <a:endParaRPr sz="1100"/>
-          </a:p>
-          <a:p>
-            <a:pPr indent="-298450" lvl="0" marL="457200" rtl="0" algn="l">
-              <a:spcBef>
-                <a:spcPts val="0"/>
-              </a:spcBef>
-              <a:spcAft>
-                <a:spcPts val="0"/>
-              </a:spcAft>
-              <a:buSzPts val="1100"/>
-              <a:buChar char="●"/>
-            </a:pPr>
-            <a:r>
-              <a:rPr lang="en" sz="1100"/>
-              <a:t>Installment (installment) : Represents the regular monthly payment the borrower needs to make to repay the loan, including both principal and interest. </a:t>
-            </a:r>
-            <a:endParaRPr sz="1100"/>
-          </a:p>
-          <a:p>
-            <a:pPr indent="-298450" lvl="0" marL="457200" rtl="0" algn="l">
-              <a:spcBef>
-                <a:spcPts val="0"/>
-              </a:spcBef>
-              <a:spcAft>
-                <a:spcPts val="0"/>
-              </a:spcAft>
-              <a:buSzPts val="1100"/>
-              <a:buChar char="●"/>
-            </a:pPr>
-            <a:r>
-              <a:rPr lang="en" sz="1100"/>
-              <a:t>Public Records (public_rec) : Derogatory Public Records. The value adds to the risk to the loan. Higher the value, lower the success rate.</a:t>
-            </a:r>
-            <a:endParaRPr sz="1100"/>
-          </a:p>
-          <a:p>
-            <a:pPr indent="-298450" lvl="0" marL="457200" rtl="0" algn="l">
-              <a:spcBef>
-                <a:spcPts val="0"/>
-              </a:spcBef>
-              <a:spcAft>
-                <a:spcPts val="0"/>
-              </a:spcAft>
-              <a:buSzPts val="1100"/>
-              <a:buChar char="●"/>
-            </a:pPr>
-            <a:r>
-              <a:rPr lang="en" sz="1100"/>
-              <a:t>Public Records Bankruptcy (public_rec_bankruptcy) :Number of bankruptcy records </a:t>
-            </a:r>
-            <a:r>
-              <a:rPr lang="en" sz="1100"/>
-              <a:t>publicly</a:t>
-            </a:r>
-            <a:r>
-              <a:rPr lang="en" sz="1100"/>
-              <a:t> available for the customer. Higher the value, lower is the success rate.</a:t>
-            </a:r>
-            <a:endParaRPr sz="1100"/>
           </a:p>
         </p:txBody>
       </p:sp>
@@ -15021,7 +14215,7 @@
   <p:cSld>
     <p:spTree>
       <p:nvGrpSpPr>
-        <p:cNvPr id="146" name="Shape 146"/>
+        <p:cNvPr id="153" name="Shape 153"/>
         <p:cNvGrpSpPr/>
         <p:nvPr/>
       </p:nvGrpSpPr>
@@ -15035,16 +14229,202 @@
       </p:grpSpPr>
       <p:sp>
         <p:nvSpPr>
-          <p:cNvPr id="147" name="Google Shape;147;p21"/>
+          <p:cNvPr descr="Background pointer shape in timeline graphic" id="154" name="Google Shape;154;p21"/>
+          <p:cNvSpPr/>
+          <p:nvPr/>
+        </p:nvSpPr>
+        <p:spPr>
+          <a:xfrm>
+            <a:off x="340922" y="2152100"/>
+            <a:ext cx="2523300" cy="745500"/>
+          </a:xfrm>
+          <a:prstGeom prst="homePlate">
+            <a:avLst>
+              <a:gd fmla="val 50000" name="adj"/>
+            </a:avLst>
+          </a:prstGeom>
+          <a:solidFill>
+            <a:schemeClr val="dk1"/>
+          </a:solidFill>
+          <a:ln cap="flat" cmpd="sng" w="9525">
+            <a:solidFill>
+              <a:schemeClr val="lt1"/>
+            </a:solidFill>
+            <a:prstDash val="solid"/>
+            <a:round/>
+            <a:headEnd len="sm" w="sm" type="none"/>
+            <a:tailEnd len="sm" w="sm" type="none"/>
+          </a:ln>
+        </p:spPr>
+        <p:txBody>
+          <a:bodyPr anchorCtr="0" anchor="ctr" bIns="121875" lIns="121875" spcFirstLastPara="1" rIns="121875" wrap="square" tIns="121875">
+            <a:noAutofit/>
+          </a:bodyPr>
+          <a:lstStyle/>
+          <a:p>
+            <a:pPr indent="0" lvl="0" marL="0" rtl="0" algn="l">
+              <a:spcBef>
+                <a:spcPts val="0"/>
+              </a:spcBef>
+              <a:spcAft>
+                <a:spcPts val="0"/>
+              </a:spcAft>
+              <a:buNone/>
+            </a:pPr>
+            <a:r>
+              <a:t/>
+            </a:r>
+            <a:endParaRPr/>
+          </a:p>
+        </p:txBody>
+      </p:sp>
+      <p:sp>
+        <p:nvSpPr>
+          <p:cNvPr id="155" name="Google Shape;155;p21"/>
           <p:cNvSpPr txBox="1"/>
           <p:nvPr>
-            <p:ph type="title"/>
+            <p:ph idx="4294967295" type="body"/>
           </p:nvPr>
         </p:nvSpPr>
         <p:spPr>
           <a:xfrm>
-            <a:off x="311700" y="410000"/>
-            <a:ext cx="8520600" cy="607800"/>
+            <a:off x="340925" y="2336550"/>
+            <a:ext cx="1542600" cy="470400"/>
+          </a:xfrm>
+          <a:prstGeom prst="rect">
+            <a:avLst/>
+          </a:prstGeom>
+        </p:spPr>
+        <p:txBody>
+          <a:bodyPr anchorCtr="0" anchor="ctr" bIns="91425" lIns="91425" spcFirstLastPara="1" rIns="91425" wrap="square" tIns="91425">
+            <a:noAutofit/>
+          </a:bodyPr>
+          <a:lstStyle/>
+          <a:p>
+            <a:pPr indent="0" lvl="0" marL="0" rtl="0" algn="ctr">
+              <a:lnSpc>
+                <a:spcPct val="100000"/>
+              </a:lnSpc>
+              <a:spcBef>
+                <a:spcPts val="0"/>
+              </a:spcBef>
+              <a:spcAft>
+                <a:spcPts val="0"/>
+              </a:spcAft>
+              <a:buNone/>
+            </a:pPr>
+            <a:r>
+              <a:rPr lang="en" sz="1600">
+                <a:solidFill>
+                  <a:schemeClr val="lt1"/>
+                </a:solidFill>
+              </a:rPr>
+              <a:t>Data Preprocessing</a:t>
+            </a:r>
+            <a:endParaRPr sz="1600">
+              <a:solidFill>
+                <a:schemeClr val="lt1"/>
+              </a:solidFill>
+            </a:endParaRPr>
+          </a:p>
+        </p:txBody>
+      </p:sp>
+      <p:grpSp>
+        <p:nvGrpSpPr>
+          <p:cNvPr id="156" name="Google Shape;156;p21"/>
+          <p:cNvGrpSpPr/>
+          <p:nvPr/>
+        </p:nvGrpSpPr>
+        <p:grpSpPr>
+          <a:xfrm>
+            <a:off x="969270" y="1610215"/>
+            <a:ext cx="198900" cy="593656"/>
+            <a:chOff x="777447" y="1610215"/>
+            <a:chExt cx="198900" cy="593656"/>
+          </a:xfrm>
+        </p:grpSpPr>
+        <p:cxnSp>
+          <p:nvCxnSpPr>
+            <p:cNvPr id="157" name="Google Shape;157;p21"/>
+            <p:cNvCxnSpPr/>
+            <p:nvPr/>
+          </p:nvCxnSpPr>
+          <p:spPr>
+            <a:xfrm>
+              <a:off x="876909" y="1649171"/>
+              <a:ext cx="0" cy="554700"/>
+            </a:xfrm>
+            <a:prstGeom prst="straightConnector1">
+              <a:avLst/>
+            </a:prstGeom>
+            <a:noFill/>
+            <a:ln cap="flat" cmpd="sng" w="9525">
+              <a:solidFill>
+                <a:schemeClr val="dk2"/>
+              </a:solidFill>
+              <a:prstDash val="solid"/>
+              <a:round/>
+              <a:headEnd len="sm" w="sm" type="none"/>
+              <a:tailEnd len="sm" w="sm" type="none"/>
+            </a:ln>
+          </p:spPr>
+        </p:cxnSp>
+        <p:sp>
+          <p:nvSpPr>
+            <p:cNvPr id="158" name="Google Shape;158;p21"/>
+            <p:cNvSpPr/>
+            <p:nvPr/>
+          </p:nvSpPr>
+          <p:spPr>
+            <a:xfrm>
+              <a:off x="777447" y="1610215"/>
+              <a:ext cx="198900" cy="198900"/>
+            </a:xfrm>
+            <a:prstGeom prst="ellipse">
+              <a:avLst/>
+            </a:prstGeom>
+            <a:solidFill>
+              <a:schemeClr val="dk1"/>
+            </a:solidFill>
+            <a:ln>
+              <a:noFill/>
+            </a:ln>
+          </p:spPr>
+          <p:txBody>
+            <a:bodyPr anchorCtr="0" anchor="ctr" bIns="91425" lIns="91425" spcFirstLastPara="1" rIns="91425" wrap="square" tIns="91425">
+              <a:noAutofit/>
+            </a:bodyPr>
+            <a:lstStyle/>
+            <a:p>
+              <a:pPr indent="0" lvl="0" marL="0" rtl="0" algn="l">
+                <a:spcBef>
+                  <a:spcPts val="0"/>
+                </a:spcBef>
+                <a:spcAft>
+                  <a:spcPts val="0"/>
+                </a:spcAft>
+                <a:buNone/>
+              </a:pPr>
+              <a:r>
+                <a:t/>
+              </a:r>
+              <a:endParaRPr/>
+            </a:p>
+          </p:txBody>
+        </p:sp>
+      </p:grpSp>
+      <p:sp>
+        <p:nvSpPr>
+          <p:cNvPr id="159" name="Google Shape;159;p21"/>
+          <p:cNvSpPr txBox="1"/>
+          <p:nvPr>
+            <p:ph idx="4294967295" type="body"/>
+          </p:nvPr>
+        </p:nvSpPr>
+        <p:spPr>
+          <a:xfrm>
+            <a:off x="318375" y="385675"/>
+            <a:ext cx="2051100" cy="1198500"/>
           </a:xfrm>
           <a:prstGeom prst="rect">
             <a:avLst/>
@@ -15066,25 +14446,472 @@
               <a:buNone/>
             </a:pPr>
             <a:r>
-              <a:rPr lang="en"/>
-              <a:t>Excluded Columns</a:t>
-            </a:r>
-            <a:endParaRPr/>
+              <a:rPr lang="en" sz="1100">
+                <a:solidFill>
+                  <a:srgbClr val="24292E"/>
+                </a:solidFill>
+                <a:highlight>
+                  <a:srgbClr val="FFFFFF"/>
+                </a:highlight>
+                <a:latin typeface="Arial"/>
+                <a:ea typeface="Arial"/>
+                <a:cs typeface="Arial"/>
+                <a:sym typeface="Arial"/>
+              </a:rPr>
+              <a:t>Data Cleaning &amp; Manipulation &amp; handling Missing Values</a:t>
+            </a:r>
+            <a:endParaRPr sz="1100">
+              <a:solidFill>
+                <a:srgbClr val="24292E"/>
+              </a:solidFill>
+              <a:highlight>
+                <a:srgbClr val="FFFFFF"/>
+              </a:highlight>
+              <a:latin typeface="Arial"/>
+              <a:ea typeface="Arial"/>
+              <a:cs typeface="Arial"/>
+              <a:sym typeface="Arial"/>
+            </a:endParaRPr>
+          </a:p>
+          <a:p>
+            <a:pPr indent="0" lvl="0" marL="0" rtl="0" algn="l">
+              <a:spcBef>
+                <a:spcPts val="1600"/>
+              </a:spcBef>
+              <a:spcAft>
+                <a:spcPts val="0"/>
+              </a:spcAft>
+              <a:buNone/>
+            </a:pPr>
+            <a:r>
+              <a:rPr lang="en" sz="1100">
+                <a:solidFill>
+                  <a:srgbClr val="24292E"/>
+                </a:solidFill>
+                <a:highlight>
+                  <a:schemeClr val="lt1"/>
+                </a:highlight>
+                <a:latin typeface="Arial"/>
+                <a:ea typeface="Arial"/>
+                <a:cs typeface="Arial"/>
+                <a:sym typeface="Arial"/>
+              </a:rPr>
+              <a:t>Dropping Rows - where loan_status = “Current” </a:t>
+            </a:r>
+            <a:endParaRPr sz="1500"/>
+          </a:p>
+          <a:p>
+            <a:pPr indent="0" lvl="0" marL="0" rtl="0" algn="l">
+              <a:spcBef>
+                <a:spcPts val="1600"/>
+              </a:spcBef>
+              <a:spcAft>
+                <a:spcPts val="1600"/>
+              </a:spcAft>
+              <a:buNone/>
+            </a:pPr>
+            <a:r>
+              <a:t/>
+            </a:r>
+            <a:endParaRPr sz="1100">
+              <a:solidFill>
+                <a:srgbClr val="24292E"/>
+              </a:solidFill>
+              <a:highlight>
+                <a:srgbClr val="FFFFFF"/>
+              </a:highlight>
+              <a:latin typeface="Arial"/>
+              <a:ea typeface="Arial"/>
+              <a:cs typeface="Arial"/>
+              <a:sym typeface="Arial"/>
+            </a:endParaRPr>
           </a:p>
         </p:txBody>
       </p:sp>
       <p:sp>
         <p:nvSpPr>
-          <p:cNvPr id="148" name="Google Shape;148;p21"/>
+          <p:cNvPr descr="Background pointer shape in timeline graphic" id="160" name="Google Shape;160;p21"/>
+          <p:cNvSpPr/>
+          <p:nvPr/>
+        </p:nvSpPr>
+        <p:spPr>
+          <a:xfrm>
+            <a:off x="2486027" y="2152100"/>
+            <a:ext cx="2364900" cy="745500"/>
+          </a:xfrm>
+          <a:prstGeom prst="chevron">
+            <a:avLst>
+              <a:gd fmla="val 50000" name="adj"/>
+            </a:avLst>
+          </a:prstGeom>
+          <a:solidFill>
+            <a:schemeClr val="dk1"/>
+          </a:solidFill>
+          <a:ln cap="flat" cmpd="sng" w="9525">
+            <a:solidFill>
+              <a:schemeClr val="lt1"/>
+            </a:solidFill>
+            <a:prstDash val="solid"/>
+            <a:round/>
+            <a:headEnd len="sm" w="sm" type="none"/>
+            <a:tailEnd len="sm" w="sm" type="none"/>
+          </a:ln>
+        </p:spPr>
+        <p:txBody>
+          <a:bodyPr anchorCtr="0" anchor="ctr" bIns="121875" lIns="121875" spcFirstLastPara="1" rIns="121875" wrap="square" tIns="121875">
+            <a:noAutofit/>
+          </a:bodyPr>
+          <a:lstStyle/>
+          <a:p>
+            <a:pPr indent="0" lvl="0" marL="0" rtl="0" algn="l">
+              <a:spcBef>
+                <a:spcPts val="0"/>
+              </a:spcBef>
+              <a:spcAft>
+                <a:spcPts val="0"/>
+              </a:spcAft>
+              <a:buNone/>
+            </a:pPr>
+            <a:r>
+              <a:t/>
+            </a:r>
+            <a:endParaRPr/>
+          </a:p>
+        </p:txBody>
+      </p:sp>
+      <p:sp>
+        <p:nvSpPr>
+          <p:cNvPr id="161" name="Google Shape;161;p21"/>
           <p:cNvSpPr txBox="1"/>
           <p:nvPr>
-            <p:ph idx="1" type="body"/>
+            <p:ph idx="4294967295" type="body"/>
           </p:nvPr>
         </p:nvSpPr>
         <p:spPr>
           <a:xfrm>
-            <a:off x="174775" y="1017800"/>
-            <a:ext cx="8657400" cy="3676200"/>
+            <a:off x="2767624" y="2382500"/>
+            <a:ext cx="1750800" cy="470400"/>
+          </a:xfrm>
+          <a:prstGeom prst="rect">
+            <a:avLst/>
+          </a:prstGeom>
+        </p:spPr>
+        <p:txBody>
+          <a:bodyPr anchorCtr="0" anchor="ctr" bIns="91425" lIns="91425" spcFirstLastPara="1" rIns="91425" wrap="square" tIns="91425">
+            <a:noAutofit/>
+          </a:bodyPr>
+          <a:lstStyle/>
+          <a:p>
+            <a:pPr indent="0" lvl="0" marL="0" rtl="0" algn="ctr">
+              <a:lnSpc>
+                <a:spcPct val="100000"/>
+              </a:lnSpc>
+              <a:spcBef>
+                <a:spcPts val="0"/>
+              </a:spcBef>
+              <a:spcAft>
+                <a:spcPts val="0"/>
+              </a:spcAft>
+              <a:buNone/>
+            </a:pPr>
+            <a:r>
+              <a:rPr lang="en" sz="1600">
+                <a:solidFill>
+                  <a:schemeClr val="lt1"/>
+                </a:solidFill>
+              </a:rPr>
+              <a:t>Standardization</a:t>
+            </a:r>
+            <a:endParaRPr sz="1600">
+              <a:solidFill>
+                <a:schemeClr val="lt1"/>
+              </a:solidFill>
+            </a:endParaRPr>
+          </a:p>
+        </p:txBody>
+      </p:sp>
+      <p:grpSp>
+        <p:nvGrpSpPr>
+          <p:cNvPr id="162" name="Google Shape;162;p21"/>
+          <p:cNvGrpSpPr/>
+          <p:nvPr/>
+        </p:nvGrpSpPr>
+        <p:grpSpPr>
+          <a:xfrm>
+            <a:off x="5334420" y="1610215"/>
+            <a:ext cx="198900" cy="593656"/>
+            <a:chOff x="3918084" y="1610215"/>
+            <a:chExt cx="198900" cy="593656"/>
+          </a:xfrm>
+        </p:grpSpPr>
+        <p:cxnSp>
+          <p:nvCxnSpPr>
+            <p:cNvPr id="163" name="Google Shape;163;p21"/>
+            <p:cNvCxnSpPr/>
+            <p:nvPr/>
+          </p:nvCxnSpPr>
+          <p:spPr>
+            <a:xfrm>
+              <a:off x="4017546" y="1649171"/>
+              <a:ext cx="0" cy="554700"/>
+            </a:xfrm>
+            <a:prstGeom prst="straightConnector1">
+              <a:avLst/>
+            </a:prstGeom>
+            <a:noFill/>
+            <a:ln cap="flat" cmpd="sng" w="9525">
+              <a:solidFill>
+                <a:schemeClr val="dk2"/>
+              </a:solidFill>
+              <a:prstDash val="solid"/>
+              <a:round/>
+              <a:headEnd len="sm" w="sm" type="none"/>
+              <a:tailEnd len="sm" w="sm" type="none"/>
+            </a:ln>
+          </p:spPr>
+        </p:cxnSp>
+        <p:sp>
+          <p:nvSpPr>
+            <p:cNvPr id="164" name="Google Shape;164;p21"/>
+            <p:cNvSpPr/>
+            <p:nvPr/>
+          </p:nvSpPr>
+          <p:spPr>
+            <a:xfrm>
+              <a:off x="3918084" y="1610215"/>
+              <a:ext cx="198900" cy="198900"/>
+            </a:xfrm>
+            <a:prstGeom prst="ellipse">
+              <a:avLst/>
+            </a:prstGeom>
+            <a:solidFill>
+              <a:schemeClr val="dk1"/>
+            </a:solidFill>
+            <a:ln>
+              <a:noFill/>
+            </a:ln>
+          </p:spPr>
+          <p:txBody>
+            <a:bodyPr anchorCtr="0" anchor="ctr" bIns="91425" lIns="91425" spcFirstLastPara="1" rIns="91425" wrap="square" tIns="91425">
+              <a:noAutofit/>
+            </a:bodyPr>
+            <a:lstStyle/>
+            <a:p>
+              <a:pPr indent="0" lvl="0" marL="0" rtl="0" algn="l">
+                <a:spcBef>
+                  <a:spcPts val="0"/>
+                </a:spcBef>
+                <a:spcAft>
+                  <a:spcPts val="0"/>
+                </a:spcAft>
+                <a:buNone/>
+              </a:pPr>
+              <a:r>
+                <a:t/>
+              </a:r>
+              <a:endParaRPr/>
+            </a:p>
+          </p:txBody>
+        </p:sp>
+      </p:grpSp>
+      <p:sp>
+        <p:nvSpPr>
+          <p:cNvPr descr="Background pointer shape in timeline graphic" id="165" name="Google Shape;165;p21"/>
+          <p:cNvSpPr/>
+          <p:nvPr/>
+        </p:nvSpPr>
+        <p:spPr>
+          <a:xfrm>
+            <a:off x="4377694" y="2152100"/>
+            <a:ext cx="2364900" cy="745500"/>
+          </a:xfrm>
+          <a:prstGeom prst="chevron">
+            <a:avLst>
+              <a:gd fmla="val 50000" name="adj"/>
+            </a:avLst>
+          </a:prstGeom>
+          <a:solidFill>
+            <a:schemeClr val="dk1"/>
+          </a:solidFill>
+          <a:ln cap="flat" cmpd="sng" w="9525">
+            <a:solidFill>
+              <a:schemeClr val="lt1"/>
+            </a:solidFill>
+            <a:prstDash val="solid"/>
+            <a:round/>
+            <a:headEnd len="sm" w="sm" type="none"/>
+            <a:tailEnd len="sm" w="sm" type="none"/>
+          </a:ln>
+        </p:spPr>
+        <p:txBody>
+          <a:bodyPr anchorCtr="0" anchor="ctr" bIns="121875" lIns="121875" spcFirstLastPara="1" rIns="121875" wrap="square" tIns="121875">
+            <a:noAutofit/>
+          </a:bodyPr>
+          <a:lstStyle/>
+          <a:p>
+            <a:pPr indent="0" lvl="0" marL="0" rtl="0" algn="l">
+              <a:spcBef>
+                <a:spcPts val="0"/>
+              </a:spcBef>
+              <a:spcAft>
+                <a:spcPts val="0"/>
+              </a:spcAft>
+              <a:buNone/>
+            </a:pPr>
+            <a:r>
+              <a:t/>
+            </a:r>
+            <a:endParaRPr/>
+          </a:p>
+        </p:txBody>
+      </p:sp>
+      <p:sp>
+        <p:nvSpPr>
+          <p:cNvPr id="166" name="Google Shape;166;p21"/>
+          <p:cNvSpPr txBox="1"/>
+          <p:nvPr>
+            <p:ph idx="4294967295" type="body"/>
+          </p:nvPr>
+        </p:nvSpPr>
+        <p:spPr>
+          <a:xfrm>
+            <a:off x="4850924" y="2382500"/>
+            <a:ext cx="1315500" cy="470400"/>
+          </a:xfrm>
+          <a:prstGeom prst="rect">
+            <a:avLst/>
+          </a:prstGeom>
+        </p:spPr>
+        <p:txBody>
+          <a:bodyPr anchorCtr="0" anchor="ctr" bIns="91425" lIns="91425" spcFirstLastPara="1" rIns="91425" wrap="square" tIns="91425">
+            <a:noAutofit/>
+          </a:bodyPr>
+          <a:lstStyle/>
+          <a:p>
+            <a:pPr indent="0" lvl="0" marL="0" rtl="0" algn="ctr">
+              <a:lnSpc>
+                <a:spcPct val="100000"/>
+              </a:lnSpc>
+              <a:spcBef>
+                <a:spcPts val="0"/>
+              </a:spcBef>
+              <a:spcAft>
+                <a:spcPts val="0"/>
+              </a:spcAft>
+              <a:buNone/>
+            </a:pPr>
+            <a:r>
+              <a:rPr lang="en" sz="1600">
+                <a:solidFill>
+                  <a:schemeClr val="lt1"/>
+                </a:solidFill>
+              </a:rPr>
+              <a:t>Analysis</a:t>
+            </a:r>
+            <a:endParaRPr sz="1600">
+              <a:solidFill>
+                <a:schemeClr val="lt1"/>
+              </a:solidFill>
+            </a:endParaRPr>
+          </a:p>
+        </p:txBody>
+      </p:sp>
+      <p:grpSp>
+        <p:nvGrpSpPr>
+          <p:cNvPr id="167" name="Google Shape;167;p21"/>
+          <p:cNvGrpSpPr/>
+          <p:nvPr/>
+        </p:nvGrpSpPr>
+        <p:grpSpPr>
+          <a:xfrm>
+            <a:off x="7599145" y="2897608"/>
+            <a:ext cx="198900" cy="593656"/>
+            <a:chOff x="5958946" y="2938958"/>
+            <a:chExt cx="198900" cy="593656"/>
+          </a:xfrm>
+        </p:grpSpPr>
+        <p:cxnSp>
+          <p:nvCxnSpPr>
+            <p:cNvPr id="168" name="Google Shape;168;p21"/>
+            <p:cNvCxnSpPr/>
+            <p:nvPr/>
+          </p:nvCxnSpPr>
+          <p:spPr>
+            <a:xfrm rot="10800000">
+              <a:off x="6058409" y="2938958"/>
+              <a:ext cx="0" cy="554700"/>
+            </a:xfrm>
+            <a:prstGeom prst="straightConnector1">
+              <a:avLst/>
+            </a:prstGeom>
+            <a:noFill/>
+            <a:ln cap="flat" cmpd="sng" w="9525">
+              <a:solidFill>
+                <a:schemeClr val="dk2"/>
+              </a:solidFill>
+              <a:prstDash val="solid"/>
+              <a:round/>
+              <a:headEnd len="sm" w="sm" type="none"/>
+              <a:tailEnd len="sm" w="sm" type="none"/>
+            </a:ln>
+          </p:spPr>
+        </p:cxnSp>
+        <p:sp>
+          <p:nvSpPr>
+            <p:cNvPr id="169" name="Google Shape;169;p21"/>
+            <p:cNvSpPr/>
+            <p:nvPr/>
+          </p:nvSpPr>
+          <p:spPr>
+            <a:xfrm flipH="1" rot="10800000">
+              <a:off x="5958946" y="3333714"/>
+              <a:ext cx="198900" cy="198900"/>
+            </a:xfrm>
+            <a:prstGeom prst="ellipse">
+              <a:avLst/>
+            </a:prstGeom>
+            <a:solidFill>
+              <a:schemeClr val="dk1"/>
+            </a:solidFill>
+            <a:ln>
+              <a:noFill/>
+            </a:ln>
+          </p:spPr>
+          <p:txBody>
+            <a:bodyPr anchorCtr="0" anchor="ctr" bIns="91425" lIns="91425" spcFirstLastPara="1" rIns="91425" wrap="square" tIns="91425">
+              <a:noAutofit/>
+            </a:bodyPr>
+            <a:lstStyle/>
+            <a:p>
+              <a:pPr indent="0" lvl="0" marL="0" rtl="0" algn="l">
+                <a:spcBef>
+                  <a:spcPts val="0"/>
+                </a:spcBef>
+                <a:spcAft>
+                  <a:spcPts val="0"/>
+                </a:spcAft>
+                <a:buNone/>
+              </a:pPr>
+              <a:r>
+                <a:t/>
+              </a:r>
+              <a:endParaRPr/>
+            </a:p>
+          </p:txBody>
+        </p:sp>
+      </p:grpSp>
+      <p:sp>
+        <p:nvSpPr>
+          <p:cNvPr id="170" name="Google Shape;170;p21"/>
+          <p:cNvSpPr txBox="1"/>
+          <p:nvPr>
+            <p:ph idx="4294967295" type="body"/>
+          </p:nvPr>
+        </p:nvSpPr>
+        <p:spPr>
+          <a:xfrm>
+            <a:off x="3944274" y="525300"/>
+            <a:ext cx="2741700" cy="906300"/>
           </a:xfrm>
           <a:prstGeom prst="rect">
             <a:avLst/>
@@ -15096,97 +14923,17 @@
           </a:bodyPr>
           <a:lstStyle/>
           <a:p>
-            <a:pPr indent="-304800" lvl="0" marL="457200" rtl="0" algn="l">
-              <a:spcBef>
-                <a:spcPts val="0"/>
-              </a:spcBef>
-              <a:spcAft>
-                <a:spcPts val="0"/>
-              </a:spcAft>
-              <a:buSzPts val="1200"/>
-              <a:buChar char="●"/>
-            </a:pPr>
-            <a:r>
-              <a:rPr lang="en" sz="1200"/>
-              <a:t>Customer Behaviour Columns - Columns which describes customer behaviour will not contribute to the analysis. These attributes are not significant for consideration towards the loan approval/rejection process.</a:t>
-            </a:r>
-            <a:endParaRPr sz="1200"/>
-          </a:p>
-          <a:p>
-            <a:pPr indent="-304800" lvl="0" marL="457200" rtl="0" algn="l">
-              <a:spcBef>
-                <a:spcPts val="0"/>
-              </a:spcBef>
-              <a:spcAft>
-                <a:spcPts val="0"/>
-              </a:spcAft>
-              <a:buSzPts val="1200"/>
-              <a:buChar char="●"/>
-            </a:pPr>
-            <a:r>
-              <a:rPr lang="en" sz="1200"/>
-              <a:t>Granular Data - Columns which describe details which are very specific to company, may not be required for the analysis. For example, “grade” column may be relevant for creating business outcomes but “sub grade” is be very granular and will not be used in the analysis.</a:t>
-            </a:r>
-            <a:endParaRPr sz="1200"/>
-          </a:p>
-          <a:p>
-            <a:pPr indent="-304800" lvl="0" marL="457200" rtl="0" algn="l">
-              <a:spcBef>
-                <a:spcPts val="0"/>
-              </a:spcBef>
-              <a:spcAft>
-                <a:spcPts val="0"/>
-              </a:spcAft>
-              <a:buSzPts val="1200"/>
-              <a:buChar char="●"/>
-            </a:pPr>
-            <a:r>
-              <a:rPr b="1" lang="en" sz="1200"/>
-              <a:t>54 columns</a:t>
-            </a:r>
-            <a:r>
-              <a:rPr lang="en" sz="1200"/>
-              <a:t> contain </a:t>
-            </a:r>
-            <a:r>
-              <a:rPr b="1" lang="en" sz="1200"/>
-              <a:t>NA</a:t>
-            </a:r>
-            <a:r>
-              <a:rPr lang="en" sz="1200"/>
-              <a:t> values only, and these columns will be removed namely:  acc_open_past_24mths, all_util, annual_inc_joint, avg_cur_bal, bc_open_to_buy, bc_util, dti_joint, il_util, inq_fi, inq_last_12m, max_bal_bc, mo_sin_old_il_acct, mo_sin_old_rev_tl_op, mo_sin_rcnt_rev_tl_op, mo_sin_rcnt_tl, mort_acc, mths_since_last_major_derog, mths_since_rcnt_il, mths_since_recent_bc, mths_since_recent_bc_dlq, mths_since_recent_inq, mths_since_recent_revol_delinq, num_accts_ever_120_pd, num_actv_bc_tl, num_actv_rev_tl, num_bc_sats, num_bc_tl, num_il_tl, num_op_rev_tl, num_rev_accts, num_rev_tl_bal_gt_0, num_sats, num_tl_120dpd_2m, num_tl_30dpd, num_tl_90g_dpd_24m, num_tl_op_past_12m, open_acc_6m, open_il_12m, open_il_24m, open_il_6m, open_rv_12m, open_rv_24m, pct_tl_nvr_dlq, percent_bc_gt_75, tot_coll_amt, tot_cur_bal, tot_hi_cred_lim, total_bal_ex_mort, total_bal_il, total_bc_limit, total_cu_tl, total_il_high_credit_limit, total_rev_hi_lim, verification_status_joint</a:t>
-            </a:r>
-            <a:endParaRPr sz="1200"/>
-          </a:p>
-          <a:p>
-            <a:pPr indent="-298450" lvl="0" marL="457200" rtl="0" algn="l">
-              <a:spcBef>
-                <a:spcPts val="0"/>
-              </a:spcBef>
-              <a:spcAft>
-                <a:spcPts val="0"/>
-              </a:spcAft>
-              <a:buSzPts val="1100"/>
-              <a:buChar char="●"/>
-            </a:pPr>
-            <a:r>
-              <a:rPr lang="en" sz="1200"/>
-              <a:t>Other </a:t>
-            </a:r>
-            <a:r>
-              <a:rPr lang="en" sz="1200"/>
-              <a:t>irrelevant</a:t>
-            </a:r>
-            <a:r>
-              <a:rPr lang="en" sz="1200"/>
-              <a:t> columns such as </a:t>
-            </a:r>
-            <a:r>
-              <a:rPr lang="en" sz="1200"/>
-              <a:t>id, member_id, emp_title, desc, title, url which </a:t>
-            </a:r>
-            <a:r>
-              <a:rPr lang="en" sz="1300">
+            <a:pPr indent="0" lvl="0" marL="0" rtl="0" algn="l">
+              <a:spcBef>
+                <a:spcPts val="0"/>
+              </a:spcBef>
+              <a:spcAft>
+                <a:spcPts val="1600"/>
+              </a:spcAft>
+              <a:buNone/>
+            </a:pPr>
+            <a:r>
+              <a:rPr lang="en" sz="1200">
                 <a:solidFill>
                   <a:srgbClr val="24292E"/>
                 </a:solidFill>
@@ -15198,9 +14945,286 @@
                 <a:cs typeface="Arial"/>
                 <a:sym typeface="Arial"/>
               </a:rPr>
-              <a:t>does not contribute to the analysis will be dropped as well.</a:t>
-            </a:r>
-            <a:endParaRPr sz="1200"/>
+              <a:t>Analysis of the dataset post cleanup and standardization (Univariate, Bivariate, Multivariate analysis)</a:t>
+            </a:r>
+            <a:endParaRPr sz="1600"/>
+          </a:p>
+        </p:txBody>
+      </p:sp>
+      <p:sp>
+        <p:nvSpPr>
+          <p:cNvPr descr="Background pointer shape in timeline graphic" id="171" name="Google Shape;171;p21"/>
+          <p:cNvSpPr/>
+          <p:nvPr/>
+        </p:nvSpPr>
+        <p:spPr>
+          <a:xfrm>
+            <a:off x="6285836" y="2152100"/>
+            <a:ext cx="2364900" cy="745500"/>
+          </a:xfrm>
+          <a:prstGeom prst="chevron">
+            <a:avLst>
+              <a:gd fmla="val 50000" name="adj"/>
+            </a:avLst>
+          </a:prstGeom>
+          <a:solidFill>
+            <a:schemeClr val="dk1"/>
+          </a:solidFill>
+          <a:ln cap="flat" cmpd="sng" w="9525">
+            <a:solidFill>
+              <a:schemeClr val="lt1"/>
+            </a:solidFill>
+            <a:prstDash val="solid"/>
+            <a:round/>
+            <a:headEnd len="sm" w="sm" type="none"/>
+            <a:tailEnd len="sm" w="sm" type="none"/>
+          </a:ln>
+        </p:spPr>
+        <p:txBody>
+          <a:bodyPr anchorCtr="0" anchor="ctr" bIns="121875" lIns="121875" spcFirstLastPara="1" rIns="121875" wrap="square" tIns="121875">
+            <a:noAutofit/>
+          </a:bodyPr>
+          <a:lstStyle/>
+          <a:p>
+            <a:pPr indent="0" lvl="0" marL="0" rtl="0" algn="l">
+              <a:spcBef>
+                <a:spcPts val="0"/>
+              </a:spcBef>
+              <a:spcAft>
+                <a:spcPts val="0"/>
+              </a:spcAft>
+              <a:buNone/>
+            </a:pPr>
+            <a:r>
+              <a:t/>
+            </a:r>
+            <a:endParaRPr/>
+          </a:p>
+        </p:txBody>
+      </p:sp>
+      <p:sp>
+        <p:nvSpPr>
+          <p:cNvPr id="172" name="Google Shape;172;p21"/>
+          <p:cNvSpPr txBox="1"/>
+          <p:nvPr>
+            <p:ph idx="4294967295" type="body"/>
+          </p:nvPr>
+        </p:nvSpPr>
+        <p:spPr>
+          <a:xfrm>
+            <a:off x="7111512" y="2336550"/>
+            <a:ext cx="1315500" cy="470400"/>
+          </a:xfrm>
+          <a:prstGeom prst="rect">
+            <a:avLst/>
+          </a:prstGeom>
+        </p:spPr>
+        <p:txBody>
+          <a:bodyPr anchorCtr="0" anchor="ctr" bIns="91425" lIns="91425" spcFirstLastPara="1" rIns="91425" wrap="square" tIns="91425">
+            <a:noAutofit/>
+          </a:bodyPr>
+          <a:lstStyle/>
+          <a:p>
+            <a:pPr indent="0" lvl="0" marL="0" rtl="0" algn="ctr">
+              <a:lnSpc>
+                <a:spcPct val="100000"/>
+              </a:lnSpc>
+              <a:spcBef>
+                <a:spcPts val="0"/>
+              </a:spcBef>
+              <a:spcAft>
+                <a:spcPts val="0"/>
+              </a:spcAft>
+              <a:buNone/>
+            </a:pPr>
+            <a:r>
+              <a:rPr lang="en" sz="1600">
+                <a:solidFill>
+                  <a:schemeClr val="lt1"/>
+                </a:solidFill>
+              </a:rPr>
+              <a:t>Results</a:t>
+            </a:r>
+            <a:endParaRPr sz="1600">
+              <a:solidFill>
+                <a:schemeClr val="lt1"/>
+              </a:solidFill>
+            </a:endParaRPr>
+          </a:p>
+        </p:txBody>
+      </p:sp>
+      <p:sp>
+        <p:nvSpPr>
+          <p:cNvPr id="173" name="Google Shape;173;p21"/>
+          <p:cNvSpPr txBox="1"/>
+          <p:nvPr>
+            <p:ph idx="4294967295" type="body"/>
+          </p:nvPr>
+        </p:nvSpPr>
+        <p:spPr>
+          <a:xfrm>
+            <a:off x="6647854" y="3581917"/>
+            <a:ext cx="2242800" cy="906300"/>
+          </a:xfrm>
+          <a:prstGeom prst="rect">
+            <a:avLst/>
+          </a:prstGeom>
+        </p:spPr>
+        <p:txBody>
+          <a:bodyPr anchorCtr="0" anchor="t" bIns="91425" lIns="91425" spcFirstLastPara="1" rIns="91425" wrap="square" tIns="91425">
+            <a:noAutofit/>
+          </a:bodyPr>
+          <a:lstStyle/>
+          <a:p>
+            <a:pPr indent="0" lvl="0" marL="0" rtl="0" algn="l">
+              <a:spcBef>
+                <a:spcPts val="0"/>
+              </a:spcBef>
+              <a:spcAft>
+                <a:spcPts val="1600"/>
+              </a:spcAft>
+              <a:buNone/>
+            </a:pPr>
+            <a:r>
+              <a:rPr lang="en" sz="1200">
+                <a:solidFill>
+                  <a:srgbClr val="24292E"/>
+                </a:solidFill>
+                <a:highlight>
+                  <a:srgbClr val="FFFFFF"/>
+                </a:highlight>
+                <a:latin typeface="Arial"/>
+                <a:ea typeface="Arial"/>
+                <a:cs typeface="Arial"/>
+                <a:sym typeface="Arial"/>
+              </a:rPr>
+              <a:t>Conclusions,Inferences and Recommendations</a:t>
+            </a:r>
+            <a:endParaRPr sz="1600"/>
+          </a:p>
+        </p:txBody>
+      </p:sp>
+      <p:grpSp>
+        <p:nvGrpSpPr>
+          <p:cNvPr id="174" name="Google Shape;174;p21"/>
+          <p:cNvGrpSpPr/>
+          <p:nvPr/>
+        </p:nvGrpSpPr>
+        <p:grpSpPr>
+          <a:xfrm>
+            <a:off x="3382270" y="2938958"/>
+            <a:ext cx="198900" cy="593656"/>
+            <a:chOff x="5958946" y="2938958"/>
+            <a:chExt cx="198900" cy="593656"/>
+          </a:xfrm>
+        </p:grpSpPr>
+        <p:cxnSp>
+          <p:nvCxnSpPr>
+            <p:cNvPr id="175" name="Google Shape;175;p21"/>
+            <p:cNvCxnSpPr/>
+            <p:nvPr/>
+          </p:nvCxnSpPr>
+          <p:spPr>
+            <a:xfrm rot="10800000">
+              <a:off x="6058409" y="2938958"/>
+              <a:ext cx="0" cy="554700"/>
+            </a:xfrm>
+            <a:prstGeom prst="straightConnector1">
+              <a:avLst/>
+            </a:prstGeom>
+            <a:noFill/>
+            <a:ln cap="flat" cmpd="sng" w="9525">
+              <a:solidFill>
+                <a:schemeClr val="dk2"/>
+              </a:solidFill>
+              <a:prstDash val="solid"/>
+              <a:round/>
+              <a:headEnd len="sm" w="sm" type="none"/>
+              <a:tailEnd len="sm" w="sm" type="none"/>
+            </a:ln>
+          </p:spPr>
+        </p:cxnSp>
+        <p:sp>
+          <p:nvSpPr>
+            <p:cNvPr id="176" name="Google Shape;176;p21"/>
+            <p:cNvSpPr/>
+            <p:nvPr/>
+          </p:nvSpPr>
+          <p:spPr>
+            <a:xfrm flipH="1" rot="10800000">
+              <a:off x="5958946" y="3333714"/>
+              <a:ext cx="198900" cy="198900"/>
+            </a:xfrm>
+            <a:prstGeom prst="ellipse">
+              <a:avLst/>
+            </a:prstGeom>
+            <a:solidFill>
+              <a:schemeClr val="dk1"/>
+            </a:solidFill>
+            <a:ln>
+              <a:noFill/>
+            </a:ln>
+          </p:spPr>
+          <p:txBody>
+            <a:bodyPr anchorCtr="0" anchor="ctr" bIns="91425" lIns="91425" spcFirstLastPara="1" rIns="91425" wrap="square" tIns="91425">
+              <a:noAutofit/>
+            </a:bodyPr>
+            <a:lstStyle/>
+            <a:p>
+              <a:pPr indent="0" lvl="0" marL="0" rtl="0" algn="l">
+                <a:spcBef>
+                  <a:spcPts val="0"/>
+                </a:spcBef>
+                <a:spcAft>
+                  <a:spcPts val="0"/>
+                </a:spcAft>
+                <a:buNone/>
+              </a:pPr>
+              <a:r>
+                <a:t/>
+              </a:r>
+              <a:endParaRPr/>
+            </a:p>
+          </p:txBody>
+        </p:sp>
+      </p:grpSp>
+      <p:sp>
+        <p:nvSpPr>
+          <p:cNvPr id="177" name="Google Shape;177;p21"/>
+          <p:cNvSpPr txBox="1"/>
+          <p:nvPr>
+            <p:ph idx="4294967295" type="body"/>
+          </p:nvPr>
+        </p:nvSpPr>
+        <p:spPr>
+          <a:xfrm>
+            <a:off x="2486025" y="3573977"/>
+            <a:ext cx="2242800" cy="1092000"/>
+          </a:xfrm>
+          <a:prstGeom prst="rect">
+            <a:avLst/>
+          </a:prstGeom>
+        </p:spPr>
+        <p:txBody>
+          <a:bodyPr anchorCtr="0" anchor="t" bIns="91425" lIns="91425" spcFirstLastPara="1" rIns="91425" wrap="square" tIns="91425">
+            <a:noAutofit/>
+          </a:bodyPr>
+          <a:lstStyle/>
+          <a:p>
+            <a:pPr indent="0" lvl="0" marL="0" rtl="0" algn="l">
+              <a:spcBef>
+                <a:spcPts val="0"/>
+              </a:spcBef>
+              <a:spcAft>
+                <a:spcPts val="1600"/>
+              </a:spcAft>
+              <a:buNone/>
+            </a:pPr>
+            <a:r>
+              <a:rPr lang="en" sz="1100"/>
+              <a:t>Data standardization and converting to correct data types and common functions to create plots and graphs and Metrics Derivation and Binning</a:t>
+            </a:r>
+            <a:endParaRPr sz="1100"/>
           </a:p>
         </p:txBody>
       </p:sp>
@@ -15213,6 +15237,285 @@
 </file>
 
 <file path=ppt/theme/theme1.xml><?xml version="1.0" encoding="utf-8"?>
+<a:theme xmlns:a="http://schemas.openxmlformats.org/drawingml/2006/main" xmlns:r="http://schemas.openxmlformats.org/officeDocument/2006/relationships" name="Geometric">
+  <a:themeElements>
+    <a:clrScheme name="Geometric">
+      <a:dk1>
+        <a:srgbClr val="2A3990"/>
+      </a:dk1>
+      <a:lt1>
+        <a:srgbClr val="FFFFFF"/>
+      </a:lt1>
+      <a:dk2>
+        <a:srgbClr val="434343"/>
+      </a:dk2>
+      <a:lt2>
+        <a:srgbClr val="999999"/>
+      </a:lt2>
+      <a:accent1>
+        <a:srgbClr val="212D74"/>
+      </a:accent1>
+      <a:accent2>
+        <a:srgbClr val="3949AB"/>
+      </a:accent2>
+      <a:accent3>
+        <a:srgbClr val="9C254D"/>
+      </a:accent3>
+      <a:accent4>
+        <a:srgbClr val="D23369"/>
+      </a:accent4>
+      <a:accent5>
+        <a:srgbClr val="F06292"/>
+      </a:accent5>
+      <a:accent6>
+        <a:srgbClr val="7890CD"/>
+      </a:accent6>
+      <a:hlink>
+        <a:srgbClr val="F06292"/>
+      </a:hlink>
+      <a:folHlink>
+        <a:srgbClr val="F06292"/>
+      </a:folHlink>
+    </a:clrScheme>
+    <a:fontScheme name="Office">
+      <a:majorFont>
+        <a:latin typeface="Arial"/>
+        <a:ea typeface=""/>
+        <a:cs typeface=""/>
+        <a:font script="Jpan" typeface="ＭＳ Ｐゴシック"/>
+        <a:font script="Hang" typeface="맑은 고딕"/>
+        <a:font script="Hans" typeface="宋体"/>
+        <a:font script="Hant" typeface="新細明體"/>
+        <a:font script="Arab" typeface="Times New Roman"/>
+        <a:font script="Hebr" typeface="Times New Roman"/>
+        <a:font script="Thai" typeface="Angsana New"/>
+        <a:font script="Ethi" typeface="Nyala"/>
+        <a:font script="Beng" typeface="Vrinda"/>
+        <a:font script="Gujr" typeface="Shruti"/>
+        <a:font script="Khmr" typeface="MoolBoran"/>
+        <a:font script="Knda" typeface="Tunga"/>
+        <a:font script="Guru" typeface="Raavi"/>
+        <a:font script="Cans" typeface="Euphemia"/>
+        <a:font script="Cher" typeface="Plantagenet Cherokee"/>
+        <a:font script="Yiii" typeface="Microsoft Yi Baiti"/>
+        <a:font script="Tibt" typeface="Microsoft Himalaya"/>
+        <a:font script="Thaa" typeface="MV Boli"/>
+        <a:font script="Deva" typeface="Mangal"/>
+        <a:font script="Telu" typeface="Gautami"/>
+        <a:font script="Taml" typeface="Latha"/>
+        <a:font script="Syrc" typeface="Estrangelo Edessa"/>
+        <a:font script="Orya" typeface="Kalinga"/>
+        <a:font script="Mlym" typeface="Kartika"/>
+        <a:font script="Laoo" typeface="DokChampa"/>
+        <a:font script="Sinh" typeface="Iskoola Pota"/>
+        <a:font script="Mong" typeface="Mongolian Baiti"/>
+        <a:font script="Viet" typeface="Times New Roman"/>
+        <a:font script="Uigh" typeface="Microsoft Uighur"/>
+        <a:font script="Geor" typeface="Sylfaen"/>
+      </a:majorFont>
+      <a:minorFont>
+        <a:latin typeface="Arial"/>
+        <a:ea typeface=""/>
+        <a:cs typeface=""/>
+        <a:font script="Jpan" typeface="ＭＳ Ｐゴシック"/>
+        <a:font script="Hang" typeface="맑은 고딕"/>
+        <a:font script="Hans" typeface="宋体"/>
+        <a:font script="Hant" typeface="新細明體"/>
+        <a:font script="Arab" typeface="Arial"/>
+        <a:font script="Hebr" typeface="Arial"/>
+        <a:font script="Thai" typeface="Cordia New"/>
+        <a:font script="Ethi" typeface="Nyala"/>
+        <a:font script="Beng" typeface="Vrinda"/>
+        <a:font script="Gujr" typeface="Shruti"/>
+        <a:font script="Khmr" typeface="DaunPenh"/>
+        <a:font script="Knda" typeface="Tunga"/>
+        <a:font script="Guru" typeface="Raavi"/>
+        <a:font script="Cans" typeface="Euphemia"/>
+        <a:font script="Cher" typeface="Plantagenet Cherokee"/>
+        <a:font script="Yiii" typeface="Microsoft Yi Baiti"/>
+        <a:font script="Tibt" typeface="Microsoft Himalaya"/>
+        <a:font script="Thaa" typeface="MV Boli"/>
+        <a:font script="Deva" typeface="Mangal"/>
+        <a:font script="Telu" typeface="Gautami"/>
+        <a:font script="Taml" typeface="Latha"/>
+        <a:font script="Syrc" typeface="Estrangelo Edessa"/>
+        <a:font script="Orya" typeface="Kalinga"/>
+        <a:font script="Mlym" typeface="Kartika"/>
+        <a:font script="Laoo" typeface="DokChampa"/>
+        <a:font script="Sinh" typeface="Iskoola Pota"/>
+        <a:font script="Mong" typeface="Mongolian Baiti"/>
+        <a:font script="Viet" typeface="Arial"/>
+        <a:font script="Uigh" typeface="Microsoft Uighur"/>
+        <a:font script="Geor" typeface="Sylfaen"/>
+      </a:minorFont>
+    </a:fontScheme>
+    <a:fmtScheme name="Office">
+      <a:fillStyleLst>
+        <a:solidFill>
+          <a:schemeClr val="phClr"/>
+        </a:solidFill>
+        <a:gradFill rotWithShape="1">
+          <a:gsLst>
+            <a:gs pos="0">
+              <a:schemeClr val="phClr">
+                <a:tint val="50000"/>
+                <a:satMod val="300000"/>
+              </a:schemeClr>
+            </a:gs>
+            <a:gs pos="35000">
+              <a:schemeClr val="phClr">
+                <a:tint val="37000"/>
+                <a:satMod val="300000"/>
+              </a:schemeClr>
+            </a:gs>
+            <a:gs pos="100000">
+              <a:schemeClr val="phClr">
+                <a:tint val="15000"/>
+                <a:satMod val="350000"/>
+              </a:schemeClr>
+            </a:gs>
+          </a:gsLst>
+          <a:lin ang="16200000" scaled="1"/>
+        </a:gradFill>
+        <a:gradFill rotWithShape="1">
+          <a:gsLst>
+            <a:gs pos="0">
+              <a:schemeClr val="phClr">
+                <a:tint val="100000"/>
+                <a:shade val="100000"/>
+                <a:satMod val="130000"/>
+              </a:schemeClr>
+            </a:gs>
+            <a:gs pos="100000">
+              <a:schemeClr val="phClr">
+                <a:tint val="50000"/>
+                <a:shade val="100000"/>
+                <a:satMod val="350000"/>
+              </a:schemeClr>
+            </a:gs>
+          </a:gsLst>
+          <a:lin ang="16200000" scaled="0"/>
+        </a:gradFill>
+      </a:fillStyleLst>
+      <a:lnStyleLst>
+        <a:ln w="9525" cap="flat" cmpd="sng" algn="ctr">
+          <a:solidFill>
+            <a:schemeClr val="phClr">
+              <a:shade val="95000"/>
+              <a:satMod val="105000"/>
+            </a:schemeClr>
+          </a:solidFill>
+          <a:prstDash val="solid"/>
+        </a:ln>
+        <a:ln w="25400" cap="flat" cmpd="sng" algn="ctr">
+          <a:solidFill>
+            <a:schemeClr val="phClr"/>
+          </a:solidFill>
+          <a:prstDash val="solid"/>
+        </a:ln>
+        <a:ln w="38100" cap="flat" cmpd="sng" algn="ctr">
+          <a:solidFill>
+            <a:schemeClr val="phClr"/>
+          </a:solidFill>
+          <a:prstDash val="solid"/>
+        </a:ln>
+      </a:lnStyleLst>
+      <a:effectStyleLst>
+        <a:effectStyle>
+          <a:effectLst>
+            <a:outerShdw blurRad="40000" dist="20000" dir="5400000" rotWithShape="0">
+              <a:srgbClr val="000000">
+                <a:alpha val="38000"/>
+              </a:srgbClr>
+            </a:outerShdw>
+          </a:effectLst>
+        </a:effectStyle>
+        <a:effectStyle>
+          <a:effectLst>
+            <a:outerShdw blurRad="40000" dist="23000" dir="5400000" rotWithShape="0">
+              <a:srgbClr val="000000">
+                <a:alpha val="35000"/>
+              </a:srgbClr>
+            </a:outerShdw>
+          </a:effectLst>
+        </a:effectStyle>
+        <a:effectStyle>
+          <a:effectLst>
+            <a:outerShdw blurRad="40000" dist="23000" dir="5400000" rotWithShape="0">
+              <a:srgbClr val="000000">
+                <a:alpha val="35000"/>
+              </a:srgbClr>
+            </a:outerShdw>
+          </a:effectLst>
+          <a:scene3d>
+            <a:camera prst="orthographicFront">
+              <a:rot lat="0" lon="0" rev="0"/>
+            </a:camera>
+            <a:lightRig rig="threePt" dir="t">
+              <a:rot lat="0" lon="0" rev="1200000"/>
+            </a:lightRig>
+          </a:scene3d>
+          <a:sp3d>
+            <a:bevelT w="63500" h="25400"/>
+          </a:sp3d>
+        </a:effectStyle>
+      </a:effectStyleLst>
+      <a:bgFillStyleLst>
+        <a:solidFill>
+          <a:schemeClr val="phClr"/>
+        </a:solidFill>
+        <a:gradFill rotWithShape="1">
+          <a:gsLst>
+            <a:gs pos="0">
+              <a:schemeClr val="phClr">
+                <a:tint val="40000"/>
+                <a:satMod val="350000"/>
+              </a:schemeClr>
+            </a:gs>
+            <a:gs pos="40000">
+              <a:schemeClr val="phClr">
+                <a:tint val="45000"/>
+                <a:shade val="99000"/>
+                <a:satMod val="350000"/>
+              </a:schemeClr>
+            </a:gs>
+            <a:gs pos="100000">
+              <a:schemeClr val="phClr">
+                <a:shade val="20000"/>
+                <a:satMod val="255000"/>
+              </a:schemeClr>
+            </a:gs>
+          </a:gsLst>
+          <a:path path="circle">
+            <a:fillToRect l="50000" t="-80000" r="50000" b="180000"/>
+          </a:path>
+        </a:gradFill>
+        <a:gradFill rotWithShape="1">
+          <a:gsLst>
+            <a:gs pos="0">
+              <a:schemeClr val="phClr">
+                <a:tint val="80000"/>
+                <a:satMod val="300000"/>
+              </a:schemeClr>
+            </a:gs>
+            <a:gs pos="100000">
+              <a:schemeClr val="phClr">
+                <a:shade val="30000"/>
+                <a:satMod val="200000"/>
+              </a:schemeClr>
+            </a:gs>
+          </a:gsLst>
+          <a:path path="circle">
+            <a:fillToRect l="50000" t="50000" r="50000" b="50000"/>
+          </a:path>
+        </a:gradFill>
+      </a:bgFillStyleLst>
+    </a:fmtScheme>
+  </a:themeElements>
+</a:theme>
+</file>
+
+<file path=ppt/theme/theme2.xml><?xml version="1.0" encoding="utf-8"?>
 <a:theme xmlns:a="http://schemas.openxmlformats.org/drawingml/2006/main" xmlns:r="http://schemas.openxmlformats.org/officeDocument/2006/relationships">
   <a:themeElements>
     <a:clrScheme name="Default">
@@ -15489,283 +15792,4 @@
     </a:fmtScheme>
   </a:themeElements>
 </a:theme>
-</file>
-
-<file path=ppt/theme/theme2.xml><?xml version="1.0" encoding="utf-8"?>
-<a:theme xmlns:a="http://schemas.openxmlformats.org/drawingml/2006/main" xmlns:r="http://schemas.openxmlformats.org/officeDocument/2006/relationships" name="Geometric">
-  <a:themeElements>
-    <a:clrScheme name="Geometric">
-      <a:dk1>
-        <a:srgbClr val="2A3990"/>
-      </a:dk1>
-      <a:lt1>
-        <a:srgbClr val="FFFFFF"/>
-      </a:lt1>
-      <a:dk2>
-        <a:srgbClr val="434343"/>
-      </a:dk2>
-      <a:lt2>
-        <a:srgbClr val="999999"/>
-      </a:lt2>
-      <a:accent1>
-        <a:srgbClr val="212D74"/>
-      </a:accent1>
-      <a:accent2>
-        <a:srgbClr val="3949AB"/>
-      </a:accent2>
-      <a:accent3>
-        <a:srgbClr val="9C254D"/>
-      </a:accent3>
-      <a:accent4>
-        <a:srgbClr val="D23369"/>
-      </a:accent4>
-      <a:accent5>
-        <a:srgbClr val="F06292"/>
-      </a:accent5>
-      <a:accent6>
-        <a:srgbClr val="7890CD"/>
-      </a:accent6>
-      <a:hlink>
-        <a:srgbClr val="F06292"/>
-      </a:hlink>
-      <a:folHlink>
-        <a:srgbClr val="F06292"/>
-      </a:folHlink>
-    </a:clrScheme>
-    <a:fontScheme name="Office">
-      <a:majorFont>
-        <a:latin typeface="Arial"/>
-        <a:ea typeface=""/>
-        <a:cs typeface=""/>
-        <a:font script="Jpan" typeface="ＭＳ Ｐゴシック"/>
-        <a:font script="Hang" typeface="맑은 고딕"/>
-        <a:font script="Hans" typeface="宋体"/>
-        <a:font script="Hant" typeface="新細明體"/>
-        <a:font script="Arab" typeface="Times New Roman"/>
-        <a:font script="Hebr" typeface="Times New Roman"/>
-        <a:font script="Thai" typeface="Angsana New"/>
-        <a:font script="Ethi" typeface="Nyala"/>
-        <a:font script="Beng" typeface="Vrinda"/>
-        <a:font script="Gujr" typeface="Shruti"/>
-        <a:font script="Khmr" typeface="MoolBoran"/>
-        <a:font script="Knda" typeface="Tunga"/>
-        <a:font script="Guru" typeface="Raavi"/>
-        <a:font script="Cans" typeface="Euphemia"/>
-        <a:font script="Cher" typeface="Plantagenet Cherokee"/>
-        <a:font script="Yiii" typeface="Microsoft Yi Baiti"/>
-        <a:font script="Tibt" typeface="Microsoft Himalaya"/>
-        <a:font script="Thaa" typeface="MV Boli"/>
-        <a:font script="Deva" typeface="Mangal"/>
-        <a:font script="Telu" typeface="Gautami"/>
-        <a:font script="Taml" typeface="Latha"/>
-        <a:font script="Syrc" typeface="Estrangelo Edessa"/>
-        <a:font script="Orya" typeface="Kalinga"/>
-        <a:font script="Mlym" typeface="Kartika"/>
-        <a:font script="Laoo" typeface="DokChampa"/>
-        <a:font script="Sinh" typeface="Iskoola Pota"/>
-        <a:font script="Mong" typeface="Mongolian Baiti"/>
-        <a:font script="Viet" typeface="Times New Roman"/>
-        <a:font script="Uigh" typeface="Microsoft Uighur"/>
-        <a:font script="Geor" typeface="Sylfaen"/>
-      </a:majorFont>
-      <a:minorFont>
-        <a:latin typeface="Arial"/>
-        <a:ea typeface=""/>
-        <a:cs typeface=""/>
-        <a:font script="Jpan" typeface="ＭＳ Ｐゴシック"/>
-        <a:font script="Hang" typeface="맑은 고딕"/>
-        <a:font script="Hans" typeface="宋体"/>
-        <a:font script="Hant" typeface="新細明體"/>
-        <a:font script="Arab" typeface="Arial"/>
-        <a:font script="Hebr" typeface="Arial"/>
-        <a:font script="Thai" typeface="Cordia New"/>
-        <a:font script="Ethi" typeface="Nyala"/>
-        <a:font script="Beng" typeface="Vrinda"/>
-        <a:font script="Gujr" typeface="Shruti"/>
-        <a:font script="Khmr" typeface="DaunPenh"/>
-        <a:font script="Knda" typeface="Tunga"/>
-        <a:font script="Guru" typeface="Raavi"/>
-        <a:font script="Cans" typeface="Euphemia"/>
-        <a:font script="Cher" typeface="Plantagenet Cherokee"/>
-        <a:font script="Yiii" typeface="Microsoft Yi Baiti"/>
-        <a:font script="Tibt" typeface="Microsoft Himalaya"/>
-        <a:font script="Thaa" typeface="MV Boli"/>
-        <a:font script="Deva" typeface="Mangal"/>
-        <a:font script="Telu" typeface="Gautami"/>
-        <a:font script="Taml" typeface="Latha"/>
-        <a:font script="Syrc" typeface="Estrangelo Edessa"/>
-        <a:font script="Orya" typeface="Kalinga"/>
-        <a:font script="Mlym" typeface="Kartika"/>
-        <a:font script="Laoo" typeface="DokChampa"/>
-        <a:font script="Sinh" typeface="Iskoola Pota"/>
-        <a:font script="Mong" typeface="Mongolian Baiti"/>
-        <a:font script="Viet" typeface="Arial"/>
-        <a:font script="Uigh" typeface="Microsoft Uighur"/>
-        <a:font script="Geor" typeface="Sylfaen"/>
-      </a:minorFont>
-    </a:fontScheme>
-    <a:fmtScheme name="Office">
-      <a:fillStyleLst>
-        <a:solidFill>
-          <a:schemeClr val="phClr"/>
-        </a:solidFill>
-        <a:gradFill rotWithShape="1">
-          <a:gsLst>
-            <a:gs pos="0">
-              <a:schemeClr val="phClr">
-                <a:tint val="50000"/>
-                <a:satMod val="300000"/>
-              </a:schemeClr>
-            </a:gs>
-            <a:gs pos="35000">
-              <a:schemeClr val="phClr">
-                <a:tint val="37000"/>
-                <a:satMod val="300000"/>
-              </a:schemeClr>
-            </a:gs>
-            <a:gs pos="100000">
-              <a:schemeClr val="phClr">
-                <a:tint val="15000"/>
-                <a:satMod val="350000"/>
-              </a:schemeClr>
-            </a:gs>
-          </a:gsLst>
-          <a:lin ang="16200000" scaled="1"/>
-        </a:gradFill>
-        <a:gradFill rotWithShape="1">
-          <a:gsLst>
-            <a:gs pos="0">
-              <a:schemeClr val="phClr">
-                <a:tint val="100000"/>
-                <a:shade val="100000"/>
-                <a:satMod val="130000"/>
-              </a:schemeClr>
-            </a:gs>
-            <a:gs pos="100000">
-              <a:schemeClr val="phClr">
-                <a:tint val="50000"/>
-                <a:shade val="100000"/>
-                <a:satMod val="350000"/>
-              </a:schemeClr>
-            </a:gs>
-          </a:gsLst>
-          <a:lin ang="16200000" scaled="0"/>
-        </a:gradFill>
-      </a:fillStyleLst>
-      <a:lnStyleLst>
-        <a:ln w="9525" cap="flat" cmpd="sng" algn="ctr">
-          <a:solidFill>
-            <a:schemeClr val="phClr">
-              <a:shade val="95000"/>
-              <a:satMod val="105000"/>
-            </a:schemeClr>
-          </a:solidFill>
-          <a:prstDash val="solid"/>
-        </a:ln>
-        <a:ln w="25400" cap="flat" cmpd="sng" algn="ctr">
-          <a:solidFill>
-            <a:schemeClr val="phClr"/>
-          </a:solidFill>
-          <a:prstDash val="solid"/>
-        </a:ln>
-        <a:ln w="38100" cap="flat" cmpd="sng" algn="ctr">
-          <a:solidFill>
-            <a:schemeClr val="phClr"/>
-          </a:solidFill>
-          <a:prstDash val="solid"/>
-        </a:ln>
-      </a:lnStyleLst>
-      <a:effectStyleLst>
-        <a:effectStyle>
-          <a:effectLst>
-            <a:outerShdw blurRad="40000" dist="20000" dir="5400000" rotWithShape="0">
-              <a:srgbClr val="000000">
-                <a:alpha val="38000"/>
-              </a:srgbClr>
-            </a:outerShdw>
-          </a:effectLst>
-        </a:effectStyle>
-        <a:effectStyle>
-          <a:effectLst>
-            <a:outerShdw blurRad="40000" dist="23000" dir="5400000" rotWithShape="0">
-              <a:srgbClr val="000000">
-                <a:alpha val="35000"/>
-              </a:srgbClr>
-            </a:outerShdw>
-          </a:effectLst>
-        </a:effectStyle>
-        <a:effectStyle>
-          <a:effectLst>
-            <a:outerShdw blurRad="40000" dist="23000" dir="5400000" rotWithShape="0">
-              <a:srgbClr val="000000">
-                <a:alpha val="35000"/>
-              </a:srgbClr>
-            </a:outerShdw>
-          </a:effectLst>
-          <a:scene3d>
-            <a:camera prst="orthographicFront">
-              <a:rot lat="0" lon="0" rev="0"/>
-            </a:camera>
-            <a:lightRig rig="threePt" dir="t">
-              <a:rot lat="0" lon="0" rev="1200000"/>
-            </a:lightRig>
-          </a:scene3d>
-          <a:sp3d>
-            <a:bevelT w="63500" h="25400"/>
-          </a:sp3d>
-        </a:effectStyle>
-      </a:effectStyleLst>
-      <a:bgFillStyleLst>
-        <a:solidFill>
-          <a:schemeClr val="phClr"/>
-        </a:solidFill>
-        <a:gradFill rotWithShape="1">
-          <a:gsLst>
-            <a:gs pos="0">
-              <a:schemeClr val="phClr">
-                <a:tint val="40000"/>
-                <a:satMod val="350000"/>
-              </a:schemeClr>
-            </a:gs>
-            <a:gs pos="40000">
-              <a:schemeClr val="phClr">
-                <a:tint val="45000"/>
-                <a:shade val="99000"/>
-                <a:satMod val="350000"/>
-              </a:schemeClr>
-            </a:gs>
-            <a:gs pos="100000">
-              <a:schemeClr val="phClr">
-                <a:shade val="20000"/>
-                <a:satMod val="255000"/>
-              </a:schemeClr>
-            </a:gs>
-          </a:gsLst>
-          <a:path path="circle">
-            <a:fillToRect l="50000" t="-80000" r="50000" b="180000"/>
-          </a:path>
-        </a:gradFill>
-        <a:gradFill rotWithShape="1">
-          <a:gsLst>
-            <a:gs pos="0">
-              <a:schemeClr val="phClr">
-                <a:tint val="80000"/>
-                <a:satMod val="300000"/>
-              </a:schemeClr>
-            </a:gs>
-            <a:gs pos="100000">
-              <a:schemeClr val="phClr">
-                <a:shade val="30000"/>
-                <a:satMod val="200000"/>
-              </a:schemeClr>
-            </a:gs>
-          </a:gsLst>
-          <a:path path="circle">
-            <a:fillToRect l="50000" t="50000" r="50000" b="50000"/>
-          </a:path>
-        </a:gradFill>
-      </a:bgFillStyleLst>
-    </a:fmtScheme>
-  </a:themeElements>
-</a:theme>
 </file>